--- a/Mid-term presentation/DBL Embedded Systems.pptx
+++ b/Mid-term presentation/DBL Embedded Systems.pptx
@@ -112,6 +112,11 @@
       </a:defRPr>
     </a:lvl9pPr>
   </p:defaultTextStyle>
+  <p:extLst>
+    <p:ext uri="{EFAFB233-063F-42B5-8137-9DF3F51BA10A}">
+      <p15:sldGuideLst xmlns:p15="http://schemas.microsoft.com/office/powerpoint/2012/main"/>
+    </p:ext>
+  </p:extLst>
 </p:presentation>
 </file>
 
@@ -673,6 +678,325 @@
     <p:extLst>
       <p:ext uri="{BB962C8B-B14F-4D97-AF65-F5344CB8AC3E}">
         <p14:creationId xmlns:p14="http://schemas.microsoft.com/office/powerpoint/2010/main" val="1890100533"/>
+      </p:ext>
+    </p:extLst>
+  </p:cSld>
+  <p:clrMapOvr>
+    <a:masterClrMapping/>
+  </p:clrMapOvr>
+</p:notes>
+</file>
+
+<file path=ppt/notesSlides/notesSlide3.xml><?xml version="1.0" encoding="utf-8"?>
+<p:notes xmlns:a="http://schemas.openxmlformats.org/drawingml/2006/main" xmlns:r="http://schemas.openxmlformats.org/officeDocument/2006/relationships" xmlns:p="http://schemas.openxmlformats.org/presentationml/2006/main">
+  <p:cSld>
+    <p:spTree>
+      <p:nvGrpSpPr>
+        <p:cNvPr id="1" name=""/>
+        <p:cNvGrpSpPr/>
+        <p:nvPr/>
+      </p:nvGrpSpPr>
+      <p:grpSpPr>
+        <a:xfrm>
+          <a:off x="0" y="0"/>
+          <a:ext cx="0" cy="0"/>
+          <a:chOff x="0" y="0"/>
+          <a:chExt cx="0" cy="0"/>
+        </a:xfrm>
+      </p:grpSpPr>
+      <p:sp>
+        <p:nvSpPr>
+          <p:cNvPr id="2" name="Tijdelijke aanduiding voor dia-afbeelding 1"/>
+          <p:cNvSpPr>
+            <a:spLocks noGrp="1" noRot="1" noChangeAspect="1"/>
+          </p:cNvSpPr>
+          <p:nvPr>
+            <p:ph type="sldImg"/>
+          </p:nvPr>
+        </p:nvSpPr>
+        <p:spPr/>
+      </p:sp>
+      <p:sp>
+        <p:nvSpPr>
+          <p:cNvPr id="3" name="Tijdelijke aanduiding voor notities 2"/>
+          <p:cNvSpPr>
+            <a:spLocks noGrp="1"/>
+          </p:cNvSpPr>
+          <p:nvPr>
+            <p:ph type="body" idx="1"/>
+          </p:nvPr>
+        </p:nvSpPr>
+        <p:spPr/>
+        <p:txBody>
+          <a:bodyPr/>
+          <a:lstStyle/>
+          <a:p>
+            <a:r>
+              <a:rPr lang="en-GB" sz="1200" b="1" kern="1200" dirty="0" smtClean="0">
+                <a:solidFill>
+                  <a:schemeClr val="tx1"/>
+                </a:solidFill>
+                <a:effectLst/>
+                <a:latin typeface="+mn-lt"/>
+                <a:ea typeface="+mn-ea"/>
+                <a:cs typeface="+mn-cs"/>
+              </a:rPr>
+              <a:t>User constraints</a:t>
+            </a:r>
+          </a:p>
+          <a:p>
+            <a:r>
+              <a:rPr lang="nl-NL" sz="1200" b="0" kern="1200" dirty="0" err="1" smtClean="0">
+                <a:solidFill>
+                  <a:schemeClr val="tx1"/>
+                </a:solidFill>
+                <a:effectLst/>
+                <a:latin typeface="+mn-lt"/>
+                <a:ea typeface="+mn-ea"/>
+                <a:cs typeface="+mn-cs"/>
+              </a:rPr>
+              <a:t>Good</a:t>
+            </a:r>
+            <a:r>
+              <a:rPr lang="nl-NL" sz="1200" b="0" kern="1200" baseline="0" dirty="0" smtClean="0">
+                <a:solidFill>
+                  <a:schemeClr val="tx1"/>
+                </a:solidFill>
+                <a:effectLst/>
+                <a:latin typeface="+mn-lt"/>
+                <a:ea typeface="+mn-ea"/>
+                <a:cs typeface="+mn-cs"/>
+              </a:rPr>
+              <a:t> </a:t>
+            </a:r>
+            <a:r>
+              <a:rPr lang="nl-NL" sz="1200" b="0" kern="1200" baseline="0" dirty="0" err="1" smtClean="0">
+                <a:solidFill>
+                  <a:schemeClr val="tx1"/>
+                </a:solidFill>
+                <a:effectLst/>
+                <a:latin typeface="+mn-lt"/>
+                <a:ea typeface="+mn-ea"/>
+                <a:cs typeface="+mn-cs"/>
+              </a:rPr>
+              <a:t>morning</a:t>
+            </a:r>
+            <a:r>
+              <a:rPr lang="nl-NL" sz="1200" b="0" kern="1200" baseline="0" dirty="0" smtClean="0">
+                <a:solidFill>
+                  <a:schemeClr val="tx1"/>
+                </a:solidFill>
+                <a:effectLst/>
+                <a:latin typeface="+mn-lt"/>
+                <a:ea typeface="+mn-ea"/>
+                <a:cs typeface="+mn-cs"/>
+              </a:rPr>
+              <a:t>! </a:t>
+            </a:r>
+            <a:r>
+              <a:rPr lang="nl-NL" sz="1200" b="0" kern="1200" baseline="0" dirty="0" err="1" smtClean="0">
+                <a:solidFill>
+                  <a:schemeClr val="tx1"/>
+                </a:solidFill>
+                <a:effectLst/>
+                <a:latin typeface="+mn-lt"/>
+                <a:ea typeface="+mn-ea"/>
+                <a:cs typeface="+mn-cs"/>
+              </a:rPr>
+              <a:t>So</a:t>
+            </a:r>
+            <a:r>
+              <a:rPr lang="nl-NL" sz="1200" b="0" kern="1200" baseline="0" dirty="0" smtClean="0">
+                <a:solidFill>
+                  <a:schemeClr val="tx1"/>
+                </a:solidFill>
+                <a:effectLst/>
+                <a:latin typeface="+mn-lt"/>
+                <a:ea typeface="+mn-ea"/>
+                <a:cs typeface="+mn-cs"/>
+              </a:rPr>
+              <a:t>, user </a:t>
+            </a:r>
+            <a:r>
+              <a:rPr lang="nl-NL" sz="1200" b="0" kern="1200" baseline="0" dirty="0" err="1" smtClean="0">
+                <a:solidFill>
+                  <a:schemeClr val="tx1"/>
+                </a:solidFill>
+                <a:effectLst/>
+                <a:latin typeface="+mn-lt"/>
+                <a:ea typeface="+mn-ea"/>
+                <a:cs typeface="+mn-cs"/>
+              </a:rPr>
+              <a:t>constraints</a:t>
+            </a:r>
+            <a:r>
+              <a:rPr lang="nl-NL" sz="1200" b="0" kern="1200" baseline="0" dirty="0" smtClean="0">
+                <a:solidFill>
+                  <a:schemeClr val="tx1"/>
+                </a:solidFill>
+                <a:effectLst/>
+                <a:latin typeface="+mn-lt"/>
+                <a:ea typeface="+mn-ea"/>
+                <a:cs typeface="+mn-cs"/>
+              </a:rPr>
+              <a:t>. </a:t>
+            </a:r>
+            <a:endParaRPr lang="en-GB" sz="1200" b="0" kern="1200" dirty="0" smtClean="0">
+              <a:solidFill>
+                <a:schemeClr val="tx1"/>
+              </a:solidFill>
+              <a:effectLst/>
+              <a:latin typeface="+mn-lt"/>
+              <a:ea typeface="+mn-ea"/>
+              <a:cs typeface="+mn-cs"/>
+            </a:endParaRPr>
+          </a:p>
+          <a:p>
+            <a:r>
+              <a:rPr lang="en-GB" sz="1200" kern="1200" dirty="0" smtClean="0">
+                <a:solidFill>
+                  <a:schemeClr val="tx1"/>
+                </a:solidFill>
+                <a:effectLst/>
+                <a:latin typeface="+mn-lt"/>
+                <a:ea typeface="+mn-ea"/>
+                <a:cs typeface="+mn-cs"/>
+              </a:rPr>
+              <a:t>User constraints limits the user’s freedom in controlling the machine. This is necessary so the machine achieves its purpose according to the use-cases, without influencing the condition of the machine. </a:t>
+            </a:r>
+          </a:p>
+          <a:p>
+            <a:r>
+              <a:rPr lang="en-GB" sz="1200" b="1" kern="1200" dirty="0" smtClean="0">
+                <a:solidFill>
+                  <a:schemeClr val="tx1"/>
+                </a:solidFill>
+                <a:effectLst/>
+                <a:latin typeface="+mn-lt"/>
+                <a:ea typeface="+mn-ea"/>
+                <a:cs typeface="+mn-cs"/>
+              </a:rPr>
+              <a:t>Safety properties</a:t>
+            </a:r>
+          </a:p>
+          <a:p>
+            <a:r>
+              <a:rPr lang="en-GB" sz="1200" kern="1200" dirty="0" smtClean="0">
+                <a:solidFill>
+                  <a:schemeClr val="tx1"/>
+                </a:solidFill>
+                <a:effectLst/>
+                <a:latin typeface="+mn-lt"/>
+                <a:ea typeface="+mn-ea"/>
+                <a:cs typeface="+mn-cs"/>
+              </a:rPr>
+              <a:t>Now we know how the machine is going to be used it might be nice to cover safety.</a:t>
+            </a:r>
+            <a:r>
+              <a:rPr lang="en-GB" sz="1200" kern="1200" baseline="0" dirty="0" smtClean="0">
+                <a:solidFill>
+                  <a:schemeClr val="tx1"/>
+                </a:solidFill>
+                <a:effectLst/>
+                <a:latin typeface="+mn-lt"/>
+                <a:ea typeface="+mn-ea"/>
+                <a:cs typeface="+mn-cs"/>
+              </a:rPr>
+              <a:t> We do this with safety properties. </a:t>
+            </a:r>
+            <a:r>
+              <a:rPr lang="en-GB" sz="1200" kern="1200" dirty="0" smtClean="0">
+                <a:solidFill>
+                  <a:schemeClr val="tx1"/>
+                </a:solidFill>
+                <a:effectLst/>
+                <a:latin typeface="+mn-lt"/>
+                <a:ea typeface="+mn-ea"/>
+                <a:cs typeface="+mn-cs"/>
+              </a:rPr>
+              <a:t>A safety property is a description of what needs to be ensured to guarantee</a:t>
+            </a:r>
+            <a:r>
+              <a:rPr lang="en-GB" sz="1200" kern="1200" baseline="0" dirty="0" smtClean="0">
+                <a:solidFill>
+                  <a:schemeClr val="tx1"/>
+                </a:solidFill>
+                <a:effectLst/>
+                <a:latin typeface="+mn-lt"/>
+                <a:ea typeface="+mn-ea"/>
+                <a:cs typeface="+mn-cs"/>
+              </a:rPr>
+              <a:t> safety</a:t>
+            </a:r>
+            <a:r>
+              <a:rPr lang="en-GB" sz="1200" kern="1200" dirty="0" smtClean="0">
+                <a:solidFill>
+                  <a:schemeClr val="tx1"/>
+                </a:solidFill>
+                <a:effectLst/>
+                <a:latin typeface="+mn-lt"/>
+                <a:ea typeface="+mn-ea"/>
+                <a:cs typeface="+mn-cs"/>
+              </a:rPr>
+              <a:t>. To give an example: one of our safety properties is that after pressing an emergency button, within 50 </a:t>
+            </a:r>
+            <a:r>
+              <a:rPr lang="en-GB" sz="1200" kern="1200" dirty="0" err="1" smtClean="0">
+                <a:solidFill>
+                  <a:schemeClr val="tx1"/>
+                </a:solidFill>
+                <a:effectLst/>
+                <a:latin typeface="+mn-lt"/>
+                <a:ea typeface="+mn-ea"/>
+                <a:cs typeface="+mn-cs"/>
+              </a:rPr>
+              <a:t>ms</a:t>
+            </a:r>
+            <a:r>
+              <a:rPr lang="en-GB" sz="1200" kern="1200" dirty="0" smtClean="0">
+                <a:solidFill>
+                  <a:schemeClr val="tx1"/>
+                </a:solidFill>
+                <a:effectLst/>
+                <a:latin typeface="+mn-lt"/>
+                <a:ea typeface="+mn-ea"/>
+                <a:cs typeface="+mn-cs"/>
+              </a:rPr>
+              <a:t> there should be no moving part in the machine. </a:t>
+            </a:r>
+          </a:p>
+          <a:p>
+            <a:endParaRPr lang="en-GB" dirty="0"/>
+          </a:p>
+        </p:txBody>
+      </p:sp>
+      <p:sp>
+        <p:nvSpPr>
+          <p:cNvPr id="4" name="Tijdelijke aanduiding voor dianummer 3"/>
+          <p:cNvSpPr>
+            <a:spLocks noGrp="1"/>
+          </p:cNvSpPr>
+          <p:nvPr>
+            <p:ph type="sldNum" sz="quarter" idx="10"/>
+          </p:nvPr>
+        </p:nvSpPr>
+        <p:spPr/>
+        <p:txBody>
+          <a:bodyPr/>
+          <a:lstStyle/>
+          <a:p>
+            <a:fld id="{0A96A78C-7A1B-4186-9701-837DE127F153}" type="slidenum">
+              <a:rPr lang="en-GB" smtClean="0"/>
+              <a:t>4</a:t>
+            </a:fld>
+            <a:endParaRPr lang="en-GB"/>
+          </a:p>
+        </p:txBody>
+      </p:sp>
+    </p:spTree>
+    <p:extLst>
+      <p:ext uri="{BB962C8B-B14F-4D97-AF65-F5344CB8AC3E}">
+        <p14:creationId xmlns:p14="http://schemas.microsoft.com/office/powerpoint/2010/main" val="2566534291"/>
       </p:ext>
     </p:extLst>
   </p:cSld>

--- a/Mid-term presentation/DBL Embedded Systems.pptx
+++ b/Mid-term presentation/DBL Embedded Systems.pptx
@@ -741,84 +741,10 @@
                 <a:ea typeface="+mn-ea"/>
                 <a:cs typeface="+mn-cs"/>
               </a:rPr>
-              <a:t>User constraints</a:t>
-            </a:r>
-          </a:p>
-          <a:p>
-            <a:r>
-              <a:rPr lang="nl-NL" sz="1200" b="0" kern="1200" dirty="0" err="1" smtClean="0">
-                <a:solidFill>
-                  <a:schemeClr val="tx1"/>
-                </a:solidFill>
-                <a:effectLst/>
-                <a:latin typeface="+mn-lt"/>
-                <a:ea typeface="+mn-ea"/>
-                <a:cs typeface="+mn-cs"/>
-              </a:rPr>
-              <a:t>Good</a:t>
-            </a:r>
-            <a:r>
-              <a:rPr lang="nl-NL" sz="1200" b="0" kern="1200" baseline="0" dirty="0" smtClean="0">
-                <a:solidFill>
-                  <a:schemeClr val="tx1"/>
-                </a:solidFill>
-                <a:effectLst/>
-                <a:latin typeface="+mn-lt"/>
-                <a:ea typeface="+mn-ea"/>
-                <a:cs typeface="+mn-cs"/>
-              </a:rPr>
-              <a:t> </a:t>
-            </a:r>
-            <a:r>
-              <a:rPr lang="nl-NL" sz="1200" b="0" kern="1200" baseline="0" dirty="0" err="1" smtClean="0">
-                <a:solidFill>
-                  <a:schemeClr val="tx1"/>
-                </a:solidFill>
-                <a:effectLst/>
-                <a:latin typeface="+mn-lt"/>
-                <a:ea typeface="+mn-ea"/>
-                <a:cs typeface="+mn-cs"/>
-              </a:rPr>
-              <a:t>morning</a:t>
-            </a:r>
-            <a:r>
-              <a:rPr lang="nl-NL" sz="1200" b="0" kern="1200" baseline="0" dirty="0" smtClean="0">
-                <a:solidFill>
-                  <a:schemeClr val="tx1"/>
-                </a:solidFill>
-                <a:effectLst/>
-                <a:latin typeface="+mn-lt"/>
-                <a:ea typeface="+mn-ea"/>
-                <a:cs typeface="+mn-cs"/>
-              </a:rPr>
-              <a:t>! </a:t>
-            </a:r>
-            <a:r>
-              <a:rPr lang="nl-NL" sz="1200" b="0" kern="1200" baseline="0" dirty="0" err="1" smtClean="0">
-                <a:solidFill>
-                  <a:schemeClr val="tx1"/>
-                </a:solidFill>
-                <a:effectLst/>
-                <a:latin typeface="+mn-lt"/>
-                <a:ea typeface="+mn-ea"/>
-                <a:cs typeface="+mn-cs"/>
-              </a:rPr>
-              <a:t>So</a:t>
-            </a:r>
-            <a:r>
-              <a:rPr lang="nl-NL" sz="1200" b="0" kern="1200" baseline="0" dirty="0" smtClean="0">
-                <a:solidFill>
-                  <a:schemeClr val="tx1"/>
-                </a:solidFill>
-                <a:effectLst/>
-                <a:latin typeface="+mn-lt"/>
-                <a:ea typeface="+mn-ea"/>
-                <a:cs typeface="+mn-cs"/>
-              </a:rPr>
-              <a:t>, user </a:t>
-            </a:r>
-            <a:r>
-              <a:rPr lang="nl-NL" sz="1200" b="0" kern="1200" baseline="0" dirty="0" err="1" smtClean="0">
+              <a:t>User </a:t>
+            </a:r>
+            <a:r>
+              <a:rPr lang="en-GB" sz="1200" b="1" kern="1200" dirty="0" smtClean="0">
                 <a:solidFill>
                   <a:schemeClr val="tx1"/>
                 </a:solidFill>
@@ -829,27 +755,6 @@
               </a:rPr>
               <a:t>constraints</a:t>
             </a:r>
-            <a:r>
-              <a:rPr lang="nl-NL" sz="1200" b="0" kern="1200" baseline="0" dirty="0" smtClean="0">
-                <a:solidFill>
-                  <a:schemeClr val="tx1"/>
-                </a:solidFill>
-                <a:effectLst/>
-                <a:latin typeface="+mn-lt"/>
-                <a:ea typeface="+mn-ea"/>
-                <a:cs typeface="+mn-cs"/>
-              </a:rPr>
-              <a:t>. </a:t>
-            </a:r>
-            <a:endParaRPr lang="en-GB" sz="1200" b="0" kern="1200" dirty="0" smtClean="0">
-              <a:solidFill>
-                <a:schemeClr val="tx1"/>
-              </a:solidFill>
-              <a:effectLst/>
-              <a:latin typeface="+mn-lt"/>
-              <a:ea typeface="+mn-ea"/>
-              <a:cs typeface="+mn-cs"/>
-            </a:endParaRPr>
           </a:p>
           <a:p>
             <a:r>
@@ -862,8 +767,43 @@
                 <a:ea typeface="+mn-ea"/>
                 <a:cs typeface="+mn-cs"/>
               </a:rPr>
-              <a:t>User constraints limits the user’s freedom in controlling the machine. This is necessary so the machine achieves its purpose according to the use-cases, without influencing the condition of the machine. </a:t>
-            </a:r>
+              <a:t>Limit</a:t>
+            </a:r>
+          </a:p>
+          <a:p>
+            <a:r>
+              <a:rPr lang="en-GB" sz="1200" kern="1200" dirty="0" smtClean="0">
+                <a:solidFill>
+                  <a:schemeClr val="tx1"/>
+                </a:solidFill>
+                <a:effectLst/>
+                <a:latin typeface="+mn-lt"/>
+                <a:ea typeface="+mn-ea"/>
+                <a:cs typeface="+mn-cs"/>
+              </a:rPr>
+              <a:t>Necessity</a:t>
+            </a:r>
+            <a:r>
+              <a:rPr lang="en-GB" sz="1200" kern="1200" baseline="0" dirty="0" smtClean="0">
+                <a:solidFill>
+                  <a:schemeClr val="tx1"/>
+                </a:solidFill>
+                <a:effectLst/>
+                <a:latin typeface="+mn-lt"/>
+                <a:ea typeface="+mn-ea"/>
+                <a:cs typeface="+mn-cs"/>
+              </a:rPr>
+              <a:t>: purpose, use-cases, condition</a:t>
+            </a:r>
+            <a:endParaRPr lang="en-GB" sz="1200" kern="1200" dirty="0" smtClean="0">
+              <a:solidFill>
+                <a:schemeClr val="tx1"/>
+              </a:solidFill>
+              <a:effectLst/>
+              <a:latin typeface="+mn-lt"/>
+              <a:ea typeface="+mn-ea"/>
+              <a:cs typeface="+mn-cs"/>
+            </a:endParaRPr>
           </a:p>
           <a:p>
             <a:r>
@@ -890,82 +830,8 @@
                 <a:ea typeface="+mn-ea"/>
                 <a:cs typeface="+mn-cs"/>
               </a:rPr>
-              <a:t>Now we know how the machine is going to be used it might be nice to cover safety.</a:t>
-            </a:r>
-            <a:r>
-              <a:rPr lang="en-GB" sz="1200" kern="1200" baseline="0" dirty="0" smtClean="0">
-                <a:solidFill>
-                  <a:schemeClr val="tx1"/>
-                </a:solidFill>
-                <a:effectLst/>
-                <a:latin typeface="+mn-lt"/>
-                <a:ea typeface="+mn-ea"/>
-                <a:cs typeface="+mn-cs"/>
-              </a:rPr>
-              <a:t> We do this with safety properties. </a:t>
-            </a:r>
-            <a:r>
-              <a:rPr lang="en-GB" sz="1200" kern="1200" dirty="0" smtClean="0">
-                <a:solidFill>
-                  <a:schemeClr val="tx1"/>
-                </a:solidFill>
-                <a:effectLst/>
-                <a:latin typeface="+mn-lt"/>
-                <a:ea typeface="+mn-ea"/>
-                <a:cs typeface="+mn-cs"/>
-              </a:rPr>
-              <a:t>A safety property is a description of what needs to be ensured to guarantee</a:t>
-            </a:r>
-            <a:r>
-              <a:rPr lang="en-GB" sz="1200" kern="1200" baseline="0" dirty="0" smtClean="0">
-                <a:solidFill>
-                  <a:schemeClr val="tx1"/>
-                </a:solidFill>
-                <a:effectLst/>
-                <a:latin typeface="+mn-lt"/>
-                <a:ea typeface="+mn-ea"/>
-                <a:cs typeface="+mn-cs"/>
-              </a:rPr>
-              <a:t> safety</a:t>
-            </a:r>
-            <a:r>
-              <a:rPr lang="en-GB" sz="1200" kern="1200" dirty="0" smtClean="0">
-                <a:solidFill>
-                  <a:schemeClr val="tx1"/>
-                </a:solidFill>
-                <a:effectLst/>
-                <a:latin typeface="+mn-lt"/>
-                <a:ea typeface="+mn-ea"/>
-                <a:cs typeface="+mn-cs"/>
-              </a:rPr>
-              <a:t>. To give an example: one of our safety properties is that after pressing an emergency button, within 50 </a:t>
-            </a:r>
-            <a:r>
-              <a:rPr lang="en-GB" sz="1200" kern="1200" dirty="0" err="1" smtClean="0">
-                <a:solidFill>
-                  <a:schemeClr val="tx1"/>
-                </a:solidFill>
-                <a:effectLst/>
-                <a:latin typeface="+mn-lt"/>
-                <a:ea typeface="+mn-ea"/>
-                <a:cs typeface="+mn-cs"/>
-              </a:rPr>
-              <a:t>ms</a:t>
-            </a:r>
-            <a:r>
-              <a:rPr lang="en-GB" sz="1200" kern="1200" dirty="0" smtClean="0">
-                <a:solidFill>
-                  <a:schemeClr val="tx1"/>
-                </a:solidFill>
-                <a:effectLst/>
-                <a:latin typeface="+mn-lt"/>
-                <a:ea typeface="+mn-ea"/>
-                <a:cs typeface="+mn-cs"/>
-              </a:rPr>
-              <a:t> there should be no moving part in the machine. </a:t>
-            </a:r>
-          </a:p>
-          <a:p>
+              <a:t>Example</a:t>
+            </a:r>
             <a:endParaRPr lang="en-GB" dirty="0"/>
           </a:p>
         </p:txBody>

--- a/Mid-term presentation/DBL Embedded Systems.pptx
+++ b/Mid-term presentation/DBL Embedded Systems.pptx
@@ -2,7 +2,7 @@
 <file path=ppt/presentation.xml><?xml version="1.0" encoding="utf-8"?>
 <p:presentation xmlns:a="http://schemas.openxmlformats.org/drawingml/2006/main" xmlns:r="http://schemas.openxmlformats.org/officeDocument/2006/relationships" xmlns:p="http://schemas.openxmlformats.org/presentationml/2006/main" autoCompressPictures="0">
   <p:sldMasterIdLst>
-    <p:sldMasterId id="2147483669" r:id="rId1"/>
+    <p:sldMasterId id="2147483687" r:id="rId1"/>
   </p:sldMasterIdLst>
   <p:notesMasterIdLst>
     <p:notesMasterId r:id="rId8"/>
@@ -202,7 +202,7 @@
           <a:p>
             <a:fld id="{6ACF7646-F517-410B-A50A-CA20C9403921}" type="datetimeFigureOut">
               <a:rPr lang="en-GB" smtClean="0"/>
-              <a:t>25/02/2015</a:t>
+              <a:t>26/02/2015</a:t>
             </a:fld>
             <a:endParaRPr lang="en-GB"/>
           </a:p>
@@ -741,19 +741,7 @@
                 <a:ea typeface="+mn-ea"/>
                 <a:cs typeface="+mn-cs"/>
               </a:rPr>
-              <a:t>User </a:t>
-            </a:r>
-            <a:r>
-              <a:rPr lang="en-GB" sz="1200" b="1" kern="1200" dirty="0" smtClean="0">
-                <a:solidFill>
-                  <a:schemeClr val="tx1"/>
-                </a:solidFill>
-                <a:effectLst/>
-                <a:latin typeface="+mn-lt"/>
-                <a:ea typeface="+mn-ea"/>
-                <a:cs typeface="+mn-cs"/>
-              </a:rPr>
-              <a:t>constraints</a:t>
+              <a:t>User constraints</a:t>
             </a:r>
           </a:p>
           <a:p>
@@ -873,7 +861,7 @@
 </file>
 
 <file path=ppt/slideLayouts/slideLayout1.xml><?xml version="1.0" encoding="utf-8"?>
-<p:sldLayout xmlns:a="http://schemas.openxmlformats.org/drawingml/2006/main" xmlns:r="http://schemas.openxmlformats.org/officeDocument/2006/relationships" xmlns:p="http://schemas.openxmlformats.org/presentationml/2006/main" showMasterSp="0" type="title" preserve="1">
+<p:sldLayout xmlns:a="http://schemas.openxmlformats.org/drawingml/2006/main" xmlns:r="http://schemas.openxmlformats.org/officeDocument/2006/relationships" xmlns:p="http://schemas.openxmlformats.org/presentationml/2006/main" type="title" preserve="1">
   <p:cSld name="Titeldia">
     <p:spTree>
       <p:nvGrpSpPr>
@@ -889,196 +877,6 @@
           <a:chExt cx="0" cy="0"/>
         </a:xfrm>
       </p:grpSpPr>
-      <p:grpSp>
-        <p:nvGrpSpPr>
-          <p:cNvPr id="16" name="Group 15"/>
-          <p:cNvGrpSpPr/>
-          <p:nvPr/>
-        </p:nvGrpSpPr>
-        <p:grpSpPr>
-          <a:xfrm>
-            <a:off x="4334933" y="1169931"/>
-            <a:ext cx="4814835" cy="4993802"/>
-            <a:chOff x="4334933" y="1169931"/>
-            <a:chExt cx="4814835" cy="4993802"/>
-          </a:xfrm>
-        </p:grpSpPr>
-        <p:cxnSp>
-          <p:nvCxnSpPr>
-            <p:cNvPr id="17" name="Straight Connector 16"/>
-            <p:cNvCxnSpPr/>
-            <p:nvPr/>
-          </p:nvCxnSpPr>
-          <p:spPr>
-            <a:xfrm flipH="1">
-              <a:off x="6009259" y="1169931"/>
-              <a:ext cx="3134741" cy="3134741"/>
-            </a:xfrm>
-            <a:prstGeom prst="line">
-              <a:avLst/>
-            </a:prstGeom>
-            <a:ln w="12700">
-              <a:solidFill>
-                <a:schemeClr val="tx1"/>
-              </a:solidFill>
-            </a:ln>
-          </p:spPr>
-          <p:style>
-            <a:lnRef idx="2">
-              <a:schemeClr val="accent1"/>
-            </a:lnRef>
-            <a:fillRef idx="0">
-              <a:schemeClr val="accent1"/>
-            </a:fillRef>
-            <a:effectRef idx="1">
-              <a:schemeClr val="accent1"/>
-            </a:effectRef>
-            <a:fontRef idx="minor">
-              <a:schemeClr val="tx1"/>
-            </a:fontRef>
-          </p:style>
-        </p:cxnSp>
-        <p:cxnSp>
-          <p:nvCxnSpPr>
-            <p:cNvPr id="19" name="Straight Connector 18"/>
-            <p:cNvCxnSpPr/>
-            <p:nvPr/>
-          </p:nvCxnSpPr>
-          <p:spPr>
-            <a:xfrm flipH="1">
-              <a:off x="4334933" y="1348898"/>
-              <a:ext cx="4814835" cy="4814835"/>
-            </a:xfrm>
-            <a:prstGeom prst="line">
-              <a:avLst/>
-            </a:prstGeom>
-            <a:ln w="12700">
-              <a:solidFill>
-                <a:schemeClr val="tx1"/>
-              </a:solidFill>
-            </a:ln>
-          </p:spPr>
-          <p:style>
-            <a:lnRef idx="2">
-              <a:schemeClr val="accent1"/>
-            </a:lnRef>
-            <a:fillRef idx="0">
-              <a:schemeClr val="accent1"/>
-            </a:fillRef>
-            <a:effectRef idx="1">
-              <a:schemeClr val="accent1"/>
-            </a:effectRef>
-            <a:fontRef idx="minor">
-              <a:schemeClr val="tx1"/>
-            </a:fontRef>
-          </p:style>
-        </p:cxnSp>
-        <p:cxnSp>
-          <p:nvCxnSpPr>
-            <p:cNvPr id="21" name="Straight Connector 20"/>
-            <p:cNvCxnSpPr/>
-            <p:nvPr/>
-          </p:nvCxnSpPr>
-          <p:spPr>
-            <a:xfrm flipH="1">
-              <a:off x="5225595" y="1469269"/>
-              <a:ext cx="3912054" cy="3912054"/>
-            </a:xfrm>
-            <a:prstGeom prst="line">
-              <a:avLst/>
-            </a:prstGeom>
-            <a:ln w="12700">
-              <a:solidFill>
-                <a:schemeClr val="tx1"/>
-              </a:solidFill>
-            </a:ln>
-          </p:spPr>
-          <p:style>
-            <a:lnRef idx="2">
-              <a:schemeClr val="accent1"/>
-            </a:lnRef>
-            <a:fillRef idx="0">
-              <a:schemeClr val="accent1"/>
-            </a:fillRef>
-            <a:effectRef idx="1">
-              <a:schemeClr val="accent1"/>
-            </a:effectRef>
-            <a:fontRef idx="minor">
-              <a:schemeClr val="tx1"/>
-            </a:fontRef>
-          </p:style>
-        </p:cxnSp>
-        <p:cxnSp>
-          <p:nvCxnSpPr>
-            <p:cNvPr id="22" name="Straight Connector 21"/>
-            <p:cNvCxnSpPr/>
-            <p:nvPr/>
-          </p:nvCxnSpPr>
-          <p:spPr>
-            <a:xfrm flipH="1">
-              <a:off x="5304588" y="1307856"/>
-              <a:ext cx="3839412" cy="3839412"/>
-            </a:xfrm>
-            <a:prstGeom prst="line">
-              <a:avLst/>
-            </a:prstGeom>
-            <a:ln w="31750">
-              <a:solidFill>
-                <a:schemeClr val="tx1"/>
-              </a:solidFill>
-            </a:ln>
-          </p:spPr>
-          <p:style>
-            <a:lnRef idx="2">
-              <a:schemeClr val="accent1"/>
-            </a:lnRef>
-            <a:fillRef idx="0">
-              <a:schemeClr val="accent1"/>
-            </a:fillRef>
-            <a:effectRef idx="1">
-              <a:schemeClr val="accent1"/>
-            </a:effectRef>
-            <a:fontRef idx="minor">
-              <a:schemeClr val="tx1"/>
-            </a:fontRef>
-          </p:style>
-        </p:cxnSp>
-        <p:cxnSp>
-          <p:nvCxnSpPr>
-            <p:cNvPr id="23" name="Straight Connector 22"/>
-            <p:cNvCxnSpPr/>
-            <p:nvPr/>
-          </p:nvCxnSpPr>
-          <p:spPr>
-            <a:xfrm flipH="1">
-              <a:off x="5707078" y="1770196"/>
-              <a:ext cx="3430571" cy="3430570"/>
-            </a:xfrm>
-            <a:prstGeom prst="line">
-              <a:avLst/>
-            </a:prstGeom>
-            <a:ln w="31750">
-              <a:solidFill>
-                <a:schemeClr val="tx1"/>
-              </a:solidFill>
-            </a:ln>
-          </p:spPr>
-          <p:style>
-            <a:lnRef idx="2">
-              <a:schemeClr val="accent1"/>
-            </a:lnRef>
-            <a:fillRef idx="0">
-              <a:schemeClr val="accent1"/>
-            </a:fillRef>
-            <a:effectRef idx="1">
-              <a:schemeClr val="accent1"/>
-            </a:effectRef>
-            <a:fontRef idx="minor">
-              <a:schemeClr val="tx1"/>
-            </a:fontRef>
-          </p:style>
-        </p:cxnSp>
-      </p:grpSp>
       <p:sp>
         <p:nvSpPr>
           <p:cNvPr id="2" name="Title 1"/>
@@ -1091,19 +889,15 @@
         </p:nvSpPr>
         <p:spPr>
           <a:xfrm>
-            <a:off x="533400" y="533400"/>
-            <a:ext cx="6154713" cy="3124201"/>
+            <a:off x="866442" y="1447801"/>
+            <a:ext cx="6620968" cy="3329581"/>
           </a:xfrm>
         </p:spPr>
         <p:txBody>
-          <a:bodyPr anchor="b">
-            <a:normAutofit/>
-          </a:bodyPr>
+          <a:bodyPr anchor="b"/>
           <a:lstStyle>
-            <a:lvl1pPr algn="l">
-              <a:defRPr sz="4400">
-                <a:effectLst/>
-              </a:defRPr>
+            <a:lvl1pPr>
+              <a:defRPr sz="7200"/>
             </a:lvl1pPr>
           </a:lstStyle>
           <a:p>
@@ -1127,21 +921,20 @@
         </p:nvSpPr>
         <p:spPr>
           <a:xfrm>
-            <a:off x="533400" y="3843868"/>
-            <a:ext cx="4954250" cy="1913466"/>
+            <a:off x="866442" y="4777380"/>
+            <a:ext cx="6620968" cy="861420"/>
           </a:xfrm>
         </p:spPr>
         <p:txBody>
-          <a:bodyPr anchor="t">
-            <a:normAutofit/>
-          </a:bodyPr>
+          <a:bodyPr anchor="t"/>
           <a:lstStyle>
             <a:lvl1pPr marL="0" indent="0" algn="l">
               <a:buNone/>
-              <a:defRPr sz="2000">
+              <a:defRPr cap="all">
                 <a:solidFill>
                   <a:schemeClr val="bg2">
-                    <a:lumMod val="75000"/>
+                    <a:lumMod val="40000"/>
+                    <a:lumOff val="60000"/>
                   </a:schemeClr>
                 </a:solidFill>
               </a:defRPr>
@@ -1254,7 +1047,7 @@
             <a:fld id="{B61BEF0D-F0BB-DE4B-95CE-6DB70DBA9567}" type="datetimeFigureOut">
               <a:rPr lang="en-US" smtClean="0"/>
               <a:pPr/>
-              <a:t>2/25/2015</a:t>
+              <a:t>2/26/2015</a:t>
             </a:fld>
             <a:endParaRPr lang="en-US" dirty="0"/>
           </a:p>
@@ -1306,7 +1099,7 @@
     </p:spTree>
     <p:extLst>
       <p:ext uri="{BB962C8B-B14F-4D97-AF65-F5344CB8AC3E}">
-        <p14:creationId xmlns:p14="http://schemas.microsoft.com/office/powerpoint/2010/main" val="2863442532"/>
+        <p14:creationId xmlns:p14="http://schemas.microsoft.com/office/powerpoint/2010/main" val="1751837785"/>
       </p:ext>
     </p:extLst>
   </p:cSld>
@@ -1345,13 +1138,19 @@
         </p:nvSpPr>
         <p:spPr>
           <a:xfrm>
-            <a:off x="533400" y="4495800"/>
-            <a:ext cx="6554867" cy="1524000"/>
+            <a:off x="866443" y="4800587"/>
+            <a:ext cx="6620967" cy="566738"/>
           </a:xfrm>
         </p:spPr>
         <p:txBody>
-          <a:bodyPr/>
-          <a:lstStyle/>
+          <a:bodyPr anchor="b">
+            <a:normAutofit/>
+          </a:bodyPr>
+          <a:lstStyle>
+            <a:lvl1pPr algn="l">
+              <a:defRPr sz="2400" b="0"/>
+            </a:lvl1pPr>
+          </a:lstStyle>
           <a:p>
             <a:r>
               <a:rPr lang="nl-NL" smtClean="0"/>
@@ -1363,38 +1162,30 @@
       </p:sp>
       <p:sp>
         <p:nvSpPr>
-          <p:cNvPr id="6" name="Picture Placeholder 2"/>
+          <p:cNvPr id="3" name="Picture Placeholder 2"/>
           <p:cNvSpPr>
             <a:spLocks noGrp="1" noChangeAspect="1"/>
           </p:cNvSpPr>
           <p:nvPr>
-            <p:ph type="pic" idx="13"/>
+            <p:ph type="pic" idx="1"/>
           </p:nvPr>
         </p:nvSpPr>
         <p:spPr>
           <a:xfrm>
-            <a:off x="533400" y="533400"/>
-            <a:ext cx="8077200" cy="3124200"/>
+            <a:off x="866442" y="685800"/>
+            <a:ext cx="6620968" cy="3640666"/>
           </a:xfrm>
-          <a:prstGeom prst="snip2DiagRect">
+          <a:prstGeom prst="roundRect">
             <a:avLst>
-              <a:gd name="adj1" fmla="val 10815"/>
-              <a:gd name="adj2" fmla="val 0"/>
+              <a:gd name="adj" fmla="val 1858"/>
             </a:avLst>
           </a:prstGeom>
-          <a:ln w="15875">
-            <a:solidFill>
-              <a:schemeClr val="tx1">
-                <a:alpha val="40000"/>
-              </a:schemeClr>
-            </a:solidFill>
-          </a:ln>
           <a:effectLst>
-            <a:innerShdw blurRad="57150" dist="38100" dir="14460000">
+            <a:outerShdw blurRad="50800" dist="50800" dir="5400000" algn="tl" rotWithShape="0">
               <a:srgbClr val="000000">
-                <a:alpha val="70000"/>
+                <a:alpha val="43000"/>
               </a:srgbClr>
-            </a:innerShdw>
+            </a:outerShdw>
           </a:effectLst>
         </p:spPr>
         <p:txBody>
@@ -1450,50 +1241,61 @@
       </p:sp>
       <p:sp>
         <p:nvSpPr>
-          <p:cNvPr id="9" name="Text Placeholder 9"/>
-          <p:cNvSpPr>
-            <a:spLocks noGrp="1"/>
-          </p:cNvSpPr>
-          <p:nvPr>
-            <p:ph type="body" sz="quarter" idx="14"/>
+          <p:cNvPr id="4" name="Text Placeholder 3"/>
+          <p:cNvSpPr>
+            <a:spLocks noGrp="1"/>
+          </p:cNvSpPr>
+          <p:nvPr>
+            <p:ph type="body" sz="half" idx="2"/>
           </p:nvPr>
         </p:nvSpPr>
         <p:spPr>
           <a:xfrm>
-            <a:off x="762002" y="3843867"/>
-            <a:ext cx="7281332" cy="457200"/>
+            <a:off x="866443" y="5367325"/>
+            <a:ext cx="6620966" cy="493712"/>
           </a:xfrm>
         </p:spPr>
         <p:txBody>
-          <a:bodyPr anchor="t">
+          <a:bodyPr>
             <a:normAutofit/>
           </a:bodyPr>
           <a:lstStyle>
             <a:lvl1pPr marL="0" indent="0">
-              <a:buFontTx/>
-              <a:buNone/>
-              <a:defRPr sz="1600"/>
+              <a:buNone/>
+              <a:defRPr sz="1200"/>
             </a:lvl1pPr>
             <a:lvl2pPr marL="457200" indent="0">
-              <a:buFontTx/>
-              <a:buNone/>
-              <a:defRPr/>
+              <a:buNone/>
+              <a:defRPr sz="1200"/>
             </a:lvl2pPr>
             <a:lvl3pPr marL="914400" indent="0">
-              <a:buFontTx/>
-              <a:buNone/>
-              <a:defRPr/>
+              <a:buNone/>
+              <a:defRPr sz="1000"/>
             </a:lvl3pPr>
             <a:lvl4pPr marL="1371600" indent="0">
-              <a:buFontTx/>
-              <a:buNone/>
-              <a:defRPr/>
+              <a:buNone/>
+              <a:defRPr sz="900"/>
             </a:lvl4pPr>
             <a:lvl5pPr marL="1828800" indent="0">
-              <a:buFontTx/>
-              <a:buNone/>
-              <a:defRPr/>
+              <a:buNone/>
+              <a:defRPr sz="900"/>
             </a:lvl5pPr>
+            <a:lvl6pPr marL="2286000" indent="0">
+              <a:buNone/>
+              <a:defRPr sz="900"/>
+            </a:lvl6pPr>
+            <a:lvl7pPr marL="2743200" indent="0">
+              <a:buNone/>
+              <a:defRPr sz="900"/>
+            </a:lvl7pPr>
+            <a:lvl8pPr marL="3200400" indent="0">
+              <a:buNone/>
+              <a:defRPr sz="900"/>
+            </a:lvl8pPr>
+            <a:lvl9pPr marL="3657600" indent="0">
+              <a:buNone/>
+              <a:defRPr sz="900"/>
+            </a:lvl9pPr>
           </a:lstStyle>
           <a:p>
             <a:pPr lvl="0"/>
@@ -1506,7 +1308,7 @@
       </p:sp>
       <p:sp>
         <p:nvSpPr>
-          <p:cNvPr id="3" name="Date Placeholder 2"/>
+          <p:cNvPr id="5" name="Date Placeholder 4"/>
           <p:cNvSpPr>
             <a:spLocks noGrp="1"/>
           </p:cNvSpPr>
@@ -1522,7 +1324,7 @@
             <a:fld id="{B61BEF0D-F0BB-DE4B-95CE-6DB70DBA9567}" type="datetimeFigureOut">
               <a:rPr lang="en-US" smtClean="0"/>
               <a:pPr/>
-              <a:t>2/25/2015</a:t>
+              <a:t>2/26/2015</a:t>
             </a:fld>
             <a:endParaRPr lang="en-US" dirty="0"/>
           </a:p>
@@ -1530,7 +1332,7 @@
       </p:sp>
       <p:sp>
         <p:nvSpPr>
-          <p:cNvPr id="4" name="Footer Placeholder 3"/>
+          <p:cNvPr id="6" name="Footer Placeholder 5"/>
           <p:cNvSpPr>
             <a:spLocks noGrp="1"/>
           </p:cNvSpPr>
@@ -1549,7 +1351,7 @@
       </p:sp>
       <p:sp>
         <p:nvSpPr>
-          <p:cNvPr id="5" name="Slide Number Placeholder 4"/>
+          <p:cNvPr id="7" name="Slide Number Placeholder 6"/>
           <p:cNvSpPr>
             <a:spLocks noGrp="1"/>
           </p:cNvSpPr>
@@ -1574,7 +1376,7 @@
     </p:spTree>
     <p:extLst>
       <p:ext uri="{BB962C8B-B14F-4D97-AF65-F5344CB8AC3E}">
-        <p14:creationId xmlns:p14="http://schemas.microsoft.com/office/powerpoint/2010/main" val="1905297832"/>
+        <p14:creationId xmlns:p14="http://schemas.microsoft.com/office/powerpoint/2010/main" val="757063229"/>
       </p:ext>
     </p:extLst>
   </p:cSld>
@@ -1613,8 +1415,40 @@
         </p:nvSpPr>
         <p:spPr>
           <a:xfrm>
-            <a:off x="533400" y="533400"/>
-            <a:ext cx="8077200" cy="2895600"/>
+            <a:off x="866442" y="1447800"/>
+            <a:ext cx="6620968" cy="1981200"/>
+          </a:xfrm>
+        </p:spPr>
+        <p:txBody>
+          <a:bodyPr/>
+          <a:lstStyle>
+            <a:lvl1pPr>
+              <a:defRPr sz="4800"/>
+            </a:lvl1pPr>
+          </a:lstStyle>
+          <a:p>
+            <a:r>
+              <a:rPr lang="nl-NL" smtClean="0"/>
+              <a:t>Klik om de stijl te bewerken</a:t>
+            </a:r>
+            <a:endParaRPr lang="en-US" dirty="0"/>
+          </a:p>
+        </p:txBody>
+      </p:sp>
+      <p:sp>
+        <p:nvSpPr>
+          <p:cNvPr id="8" name="Text Placeholder 3"/>
+          <p:cNvSpPr>
+            <a:spLocks noGrp="1"/>
+          </p:cNvSpPr>
+          <p:nvPr>
+            <p:ph type="body" sz="half" idx="2"/>
+          </p:nvPr>
+        </p:nvSpPr>
+        <p:spPr>
+          <a:xfrm>
+            <a:off x="866442" y="3657600"/>
+            <a:ext cx="6620968" cy="2362200"/>
           </a:xfrm>
         </p:spPr>
         <p:txBody>
@@ -1622,129 +1456,41 @@
             <a:normAutofit/>
           </a:bodyPr>
           <a:lstStyle>
-            <a:lvl1pPr algn="l">
-              <a:defRPr sz="2800" b="0" cap="all"/>
-            </a:lvl1pPr>
-          </a:lstStyle>
-          <a:p>
-            <a:r>
-              <a:rPr lang="nl-NL" smtClean="0"/>
-              <a:t>Klik om de stijl te bewerken</a:t>
-            </a:r>
-            <a:endParaRPr lang="en-US" dirty="0"/>
-          </a:p>
-        </p:txBody>
-      </p:sp>
-      <p:sp>
-        <p:nvSpPr>
-          <p:cNvPr id="3" name="Text Placeholder 2"/>
-          <p:cNvSpPr>
-            <a:spLocks noGrp="1"/>
-          </p:cNvSpPr>
-          <p:nvPr>
-            <p:ph type="body" idx="1"/>
-          </p:nvPr>
-        </p:nvSpPr>
-        <p:spPr>
-          <a:xfrm>
-            <a:off x="533400" y="4114800"/>
-            <a:ext cx="6383552" cy="1905000"/>
-          </a:xfrm>
-        </p:spPr>
-        <p:txBody>
-          <a:bodyPr anchor="ctr">
-            <a:normAutofit/>
-          </a:bodyPr>
-          <a:lstStyle>
-            <a:lvl1pPr marL="0" indent="0" algn="l">
-              <a:buNone/>
-              <a:defRPr sz="1800">
-                <a:solidFill>
-                  <a:schemeClr val="bg2">
-                    <a:lumMod val="75000"/>
-                  </a:schemeClr>
-                </a:solidFill>
-              </a:defRPr>
+            <a:lvl1pPr marL="0" indent="0">
+              <a:buNone/>
+              <a:defRPr sz="1800"/>
             </a:lvl1pPr>
             <a:lvl2pPr marL="457200" indent="0">
               <a:buNone/>
-              <a:defRPr sz="1800">
-                <a:solidFill>
-                  <a:schemeClr val="tx1">
-                    <a:tint val="75000"/>
-                  </a:schemeClr>
-                </a:solidFill>
-              </a:defRPr>
+              <a:defRPr sz="1200"/>
             </a:lvl2pPr>
             <a:lvl3pPr marL="914400" indent="0">
               <a:buNone/>
-              <a:defRPr sz="1600">
-                <a:solidFill>
-                  <a:schemeClr val="tx1">
-                    <a:tint val="75000"/>
-                  </a:schemeClr>
-                </a:solidFill>
-              </a:defRPr>
+              <a:defRPr sz="1000"/>
             </a:lvl3pPr>
             <a:lvl4pPr marL="1371600" indent="0">
               <a:buNone/>
-              <a:defRPr sz="1400">
-                <a:solidFill>
-                  <a:schemeClr val="tx1">
-                    <a:tint val="75000"/>
-                  </a:schemeClr>
-                </a:solidFill>
-              </a:defRPr>
+              <a:defRPr sz="900"/>
             </a:lvl4pPr>
             <a:lvl5pPr marL="1828800" indent="0">
               <a:buNone/>
-              <a:defRPr sz="1400">
-                <a:solidFill>
-                  <a:schemeClr val="tx1">
-                    <a:tint val="75000"/>
-                  </a:schemeClr>
-                </a:solidFill>
-              </a:defRPr>
+              <a:defRPr sz="900"/>
             </a:lvl5pPr>
             <a:lvl6pPr marL="2286000" indent="0">
               <a:buNone/>
-              <a:defRPr sz="1400">
-                <a:solidFill>
-                  <a:schemeClr val="tx1">
-                    <a:tint val="75000"/>
-                  </a:schemeClr>
-                </a:solidFill>
-              </a:defRPr>
+              <a:defRPr sz="900"/>
             </a:lvl6pPr>
             <a:lvl7pPr marL="2743200" indent="0">
               <a:buNone/>
-              <a:defRPr sz="1400">
-                <a:solidFill>
-                  <a:schemeClr val="tx1">
-                    <a:tint val="75000"/>
-                  </a:schemeClr>
-                </a:solidFill>
-              </a:defRPr>
+              <a:defRPr sz="900"/>
             </a:lvl7pPr>
             <a:lvl8pPr marL="3200400" indent="0">
               <a:buNone/>
-              <a:defRPr sz="1400">
-                <a:solidFill>
-                  <a:schemeClr val="tx1">
-                    <a:tint val="75000"/>
-                  </a:schemeClr>
-                </a:solidFill>
-              </a:defRPr>
+              <a:defRPr sz="900"/>
             </a:lvl8pPr>
             <a:lvl9pPr marL="3657600" indent="0">
               <a:buNone/>
-              <a:defRPr sz="1400">
-                <a:solidFill>
-                  <a:schemeClr val="tx1">
-                    <a:tint val="75000"/>
-                  </a:schemeClr>
-                </a:solidFill>
-              </a:defRPr>
+              <a:defRPr sz="900"/>
             </a:lvl9pPr>
           </a:lstStyle>
           <a:p>
@@ -1774,7 +1520,7 @@
             <a:fld id="{B61BEF0D-F0BB-DE4B-95CE-6DB70DBA9567}" type="datetimeFigureOut">
               <a:rPr lang="en-US" smtClean="0"/>
               <a:pPr/>
-              <a:t>2/25/2015</a:t>
+              <a:t>2/26/2015</a:t>
             </a:fld>
             <a:endParaRPr lang="en-US" dirty="0"/>
           </a:p>
@@ -1826,7 +1572,7 @@
     </p:spTree>
     <p:extLst>
       <p:ext uri="{BB962C8B-B14F-4D97-AF65-F5344CB8AC3E}">
-        <p14:creationId xmlns:p14="http://schemas.microsoft.com/office/powerpoint/2010/main" val="1323937514"/>
+        <p14:creationId xmlns:p14="http://schemas.microsoft.com/office/powerpoint/2010/main" val="2381700450"/>
       </p:ext>
     </p:extLst>
   </p:cSld>
@@ -1865,8 +1611,119 @@
         </p:nvSpPr>
         <p:spPr>
           <a:xfrm>
-            <a:off x="856283" y="533400"/>
-            <a:ext cx="6859787" cy="2895600"/>
+            <a:off x="1181409" y="1447800"/>
+            <a:ext cx="6001049" cy="2323374"/>
+          </a:xfrm>
+        </p:spPr>
+        <p:txBody>
+          <a:bodyPr/>
+          <a:lstStyle>
+            <a:lvl1pPr>
+              <a:defRPr sz="4800"/>
+            </a:lvl1pPr>
+          </a:lstStyle>
+          <a:p>
+            <a:r>
+              <a:rPr lang="nl-NL" smtClean="0"/>
+              <a:t>Klik om de stijl te bewerken</a:t>
+            </a:r>
+            <a:endParaRPr lang="en-US" dirty="0"/>
+          </a:p>
+        </p:txBody>
+      </p:sp>
+      <p:sp>
+        <p:nvSpPr>
+          <p:cNvPr id="11" name="Text Placeholder 3"/>
+          <p:cNvSpPr>
+            <a:spLocks noGrp="1"/>
+          </p:cNvSpPr>
+          <p:nvPr>
+            <p:ph type="body" sz="half" idx="14"/>
+          </p:nvPr>
+        </p:nvSpPr>
+        <p:spPr>
+          <a:xfrm>
+            <a:off x="1448177" y="3771174"/>
+            <a:ext cx="5461159" cy="342174"/>
+          </a:xfrm>
+        </p:spPr>
+        <p:txBody>
+          <a:bodyPr vert="horz" lIns="91440" tIns="45720" rIns="91440" bIns="45720" rtlCol="0" anchor="t">
+            <a:normAutofit/>
+          </a:bodyPr>
+          <a:lstStyle>
+            <a:lvl1pPr marL="0" indent="0">
+              <a:buNone/>
+              <a:defRPr lang="en-US" sz="1400" b="0" i="0" kern="1200" cap="small" dirty="0">
+                <a:solidFill>
+                  <a:schemeClr val="bg2">
+                    <a:lumMod val="40000"/>
+                    <a:lumOff val="60000"/>
+                  </a:schemeClr>
+                </a:solidFill>
+                <a:latin typeface="+mj-lt"/>
+                <a:ea typeface="+mj-ea"/>
+                <a:cs typeface="+mj-cs"/>
+              </a:defRPr>
+            </a:lvl1pPr>
+            <a:lvl2pPr marL="457200" indent="0">
+              <a:buNone/>
+              <a:defRPr sz="1200"/>
+            </a:lvl2pPr>
+            <a:lvl3pPr marL="914400" indent="0">
+              <a:buNone/>
+              <a:defRPr sz="1000"/>
+            </a:lvl3pPr>
+            <a:lvl4pPr marL="1371600" indent="0">
+              <a:buNone/>
+              <a:defRPr sz="900"/>
+            </a:lvl4pPr>
+            <a:lvl5pPr marL="1828800" indent="0">
+              <a:buNone/>
+              <a:defRPr sz="900"/>
+            </a:lvl5pPr>
+            <a:lvl6pPr marL="2286000" indent="0">
+              <a:buNone/>
+              <a:defRPr sz="900"/>
+            </a:lvl6pPr>
+            <a:lvl7pPr marL="2743200" indent="0">
+              <a:buNone/>
+              <a:defRPr sz="900"/>
+            </a:lvl7pPr>
+            <a:lvl8pPr marL="3200400" indent="0">
+              <a:buNone/>
+              <a:defRPr sz="900"/>
+            </a:lvl8pPr>
+            <a:lvl9pPr marL="3657600" indent="0">
+              <a:buNone/>
+              <a:defRPr sz="900"/>
+            </a:lvl9pPr>
+          </a:lstStyle>
+          <a:p>
+            <a:pPr marL="0" lvl="0" indent="0">
+              <a:buNone/>
+            </a:pPr>
+            <a:r>
+              <a:rPr lang="nl-NL" smtClean="0"/>
+              <a:t>Klik om de modelstijlen te bewerken</a:t>
+            </a:r>
+          </a:p>
+        </p:txBody>
+      </p:sp>
+      <p:sp>
+        <p:nvSpPr>
+          <p:cNvPr id="10" name="Text Placeholder 3"/>
+          <p:cNvSpPr>
+            <a:spLocks noGrp="1"/>
+          </p:cNvSpPr>
+          <p:nvPr>
+            <p:ph type="body" sz="half" idx="2"/>
+          </p:nvPr>
+        </p:nvSpPr>
+        <p:spPr>
+          <a:xfrm>
+            <a:off x="866442" y="4350657"/>
+            <a:ext cx="6620968" cy="1676400"/>
           </a:xfrm>
         </p:spPr>
         <p:txBody>
@@ -1874,187 +1731,41 @@
             <a:normAutofit/>
           </a:bodyPr>
           <a:lstStyle>
-            <a:lvl1pPr algn="l">
-              <a:defRPr sz="2800" b="0" cap="all">
-                <a:solidFill>
-                  <a:schemeClr val="tx1"/>
-                </a:solidFill>
-              </a:defRPr>
-            </a:lvl1pPr>
-          </a:lstStyle>
-          <a:p>
-            <a:r>
-              <a:rPr lang="nl-NL" smtClean="0"/>
-              <a:t>Klik om de stijl te bewerken</a:t>
-            </a:r>
-            <a:endParaRPr lang="en-US" dirty="0"/>
-          </a:p>
-        </p:txBody>
-      </p:sp>
-      <p:sp>
-        <p:nvSpPr>
-          <p:cNvPr id="10" name="Text Placeholder 9"/>
-          <p:cNvSpPr>
-            <a:spLocks noGrp="1"/>
-          </p:cNvSpPr>
-          <p:nvPr>
-            <p:ph type="body" sz="quarter" idx="13"/>
-          </p:nvPr>
-        </p:nvSpPr>
-        <p:spPr>
-          <a:xfrm>
-            <a:off x="1066800" y="3429000"/>
-            <a:ext cx="6402467" cy="482600"/>
-          </a:xfrm>
-        </p:spPr>
-        <p:txBody>
-          <a:bodyPr anchor="ctr"/>
-          <a:lstStyle>
             <a:lvl1pPr marL="0" indent="0">
-              <a:buFontTx/>
-              <a:buNone/>
-              <a:defRPr/>
+              <a:buNone/>
+              <a:defRPr sz="1800"/>
             </a:lvl1pPr>
             <a:lvl2pPr marL="457200" indent="0">
-              <a:buFontTx/>
-              <a:buNone/>
-              <a:defRPr/>
+              <a:buNone/>
+              <a:defRPr sz="1200"/>
             </a:lvl2pPr>
             <a:lvl3pPr marL="914400" indent="0">
-              <a:buFontTx/>
-              <a:buNone/>
-              <a:defRPr/>
+              <a:buNone/>
+              <a:defRPr sz="1000"/>
             </a:lvl3pPr>
             <a:lvl4pPr marL="1371600" indent="0">
-              <a:buFontTx/>
-              <a:buNone/>
-              <a:defRPr/>
+              <a:buNone/>
+              <a:defRPr sz="900"/>
             </a:lvl4pPr>
             <a:lvl5pPr marL="1828800" indent="0">
-              <a:buFontTx/>
-              <a:buNone/>
-              <a:defRPr/>
-            </a:lvl5pPr>
-          </a:lstStyle>
-          <a:p>
-            <a:pPr lvl="0"/>
-            <a:r>
-              <a:rPr lang="nl-NL" smtClean="0"/>
-              <a:t>Klik om de modelstijlen te bewerken</a:t>
-            </a:r>
-          </a:p>
-        </p:txBody>
-      </p:sp>
-      <p:sp>
-        <p:nvSpPr>
-          <p:cNvPr id="3" name="Text Placeholder 2"/>
-          <p:cNvSpPr>
-            <a:spLocks noGrp="1"/>
-          </p:cNvSpPr>
-          <p:nvPr>
-            <p:ph type="body" idx="1"/>
-          </p:nvPr>
-        </p:nvSpPr>
-        <p:spPr>
-          <a:xfrm>
-            <a:off x="533400" y="4301070"/>
-            <a:ext cx="6382361" cy="1718730"/>
-          </a:xfrm>
-        </p:spPr>
-        <p:txBody>
-          <a:bodyPr anchor="ctr">
-            <a:normAutofit/>
-          </a:bodyPr>
-          <a:lstStyle>
-            <a:lvl1pPr marL="0" indent="0" algn="l">
-              <a:buNone/>
-              <a:defRPr sz="2000">
-                <a:solidFill>
-                  <a:schemeClr val="bg2">
-                    <a:lumMod val="75000"/>
-                  </a:schemeClr>
-                </a:solidFill>
-              </a:defRPr>
-            </a:lvl1pPr>
-            <a:lvl2pPr marL="457200" indent="0">
-              <a:buNone/>
-              <a:defRPr sz="1800">
-                <a:solidFill>
-                  <a:schemeClr val="tx1">
-                    <a:tint val="75000"/>
-                  </a:schemeClr>
-                </a:solidFill>
-              </a:defRPr>
-            </a:lvl2pPr>
-            <a:lvl3pPr marL="914400" indent="0">
-              <a:buNone/>
-              <a:defRPr sz="1600">
-                <a:solidFill>
-                  <a:schemeClr val="tx1">
-                    <a:tint val="75000"/>
-                  </a:schemeClr>
-                </a:solidFill>
-              </a:defRPr>
-            </a:lvl3pPr>
-            <a:lvl4pPr marL="1371600" indent="0">
-              <a:buNone/>
-              <a:defRPr sz="1400">
-                <a:solidFill>
-                  <a:schemeClr val="tx1">
-                    <a:tint val="75000"/>
-                  </a:schemeClr>
-                </a:solidFill>
-              </a:defRPr>
-            </a:lvl4pPr>
-            <a:lvl5pPr marL="1828800" indent="0">
-              <a:buNone/>
-              <a:defRPr sz="1400">
-                <a:solidFill>
-                  <a:schemeClr val="tx1">
-                    <a:tint val="75000"/>
-                  </a:schemeClr>
-                </a:solidFill>
-              </a:defRPr>
+              <a:buNone/>
+              <a:defRPr sz="900"/>
             </a:lvl5pPr>
             <a:lvl6pPr marL="2286000" indent="0">
               <a:buNone/>
-              <a:defRPr sz="1400">
-                <a:solidFill>
-                  <a:schemeClr val="tx1">
-                    <a:tint val="75000"/>
-                  </a:schemeClr>
-                </a:solidFill>
-              </a:defRPr>
+              <a:defRPr sz="900"/>
             </a:lvl6pPr>
             <a:lvl7pPr marL="2743200" indent="0">
               <a:buNone/>
-              <a:defRPr sz="1400">
-                <a:solidFill>
-                  <a:schemeClr val="tx1">
-                    <a:tint val="75000"/>
-                  </a:schemeClr>
-                </a:solidFill>
-              </a:defRPr>
+              <a:defRPr sz="900"/>
             </a:lvl7pPr>
             <a:lvl8pPr marL="3200400" indent="0">
               <a:buNone/>
-              <a:defRPr sz="1400">
-                <a:solidFill>
-                  <a:schemeClr val="tx1">
-                    <a:tint val="75000"/>
-                  </a:schemeClr>
-                </a:solidFill>
-              </a:defRPr>
+              <a:defRPr sz="900"/>
             </a:lvl8pPr>
             <a:lvl9pPr marL="3657600" indent="0">
               <a:buNone/>
-              <a:defRPr sz="1400">
-                <a:solidFill>
-                  <a:schemeClr val="tx1">
-                    <a:tint val="75000"/>
-                  </a:schemeClr>
-                </a:solidFill>
-              </a:defRPr>
+              <a:defRPr sz="900"/>
             </a:lvl9pPr>
           </a:lstStyle>
           <a:p>
@@ -2084,7 +1795,7 @@
             <a:fld id="{B61BEF0D-F0BB-DE4B-95CE-6DB70DBA9567}" type="datetimeFigureOut">
               <a:rPr lang="en-US" smtClean="0"/>
               <a:pPr/>
-              <a:t>2/25/2015</a:t>
+              <a:t>2/26/2015</a:t>
             </a:fld>
             <a:endParaRPr lang="en-US" dirty="0"/>
           </a:p>
@@ -2135,33 +1846,46 @@
       </p:sp>
       <p:sp>
         <p:nvSpPr>
-          <p:cNvPr id="14" name="TextBox 13"/>
+          <p:cNvPr id="12" name="TextBox 11"/>
           <p:cNvSpPr txBox="1"/>
           <p:nvPr/>
         </p:nvSpPr>
         <p:spPr>
           <a:xfrm>
-            <a:off x="228600" y="710624"/>
-            <a:ext cx="457319" cy="584776"/>
+            <a:off x="673897" y="971253"/>
+            <a:ext cx="601591" cy="1969770"/>
           </a:xfrm>
           <a:prstGeom prst="rect">
             <a:avLst/>
           </a:prstGeom>
+          <a:noFill/>
         </p:spPr>
         <p:txBody>
-          <a:bodyPr vert="horz" lIns="91440" tIns="45720" rIns="91440" bIns="45720" rtlCol="0" anchor="ctr">
-            <a:noAutofit/>
+          <a:bodyPr wrap="square" rtlCol="0">
+            <a:spAutoFit/>
           </a:bodyPr>
-          <a:lstStyle/>
+          <a:lstStyle>
+            <a:defPPr>
+              <a:defRPr lang="en-US"/>
+            </a:defPPr>
+            <a:lvl1pPr algn="r">
+              <a:defRPr sz="12200" b="0" i="0">
+                <a:solidFill>
+                  <a:schemeClr val="bg2">
+                    <a:lumMod val="40000"/>
+                    <a:lumOff val="60000"/>
+                  </a:schemeClr>
+                </a:solidFill>
+                <a:latin typeface="Arial"/>
+                <a:ea typeface="+mj-ea"/>
+                <a:cs typeface="+mj-cs"/>
+              </a:defRPr>
+            </a:lvl1pPr>
+          </a:lstStyle>
           <a:p>
             <a:pPr lvl="0"/>
             <a:r>
-              <a:rPr lang="en-US" sz="8000" dirty="0">
-                <a:solidFill>
-                  <a:schemeClr val="tx1"/>
-                </a:solidFill>
-                <a:effectLst/>
-              </a:rPr>
+              <a:rPr lang="en-US" sz="12200" dirty="0"/>
               <a:t>“</a:t>
             </a:r>
           </a:p>
@@ -2175,27 +1899,40 @@
         </p:nvSpPr>
         <p:spPr>
           <a:xfrm>
-            <a:off x="7696200" y="2768601"/>
-            <a:ext cx="457319" cy="584776"/>
+            <a:off x="6999690" y="2613787"/>
+            <a:ext cx="601591" cy="1969770"/>
           </a:xfrm>
           <a:prstGeom prst="rect">
             <a:avLst/>
           </a:prstGeom>
+          <a:noFill/>
         </p:spPr>
         <p:txBody>
-          <a:bodyPr vert="horz" lIns="91440" tIns="45720" rIns="91440" bIns="45720" rtlCol="0" anchor="ctr">
-            <a:noAutofit/>
+          <a:bodyPr wrap="square" rtlCol="0">
+            <a:spAutoFit/>
           </a:bodyPr>
-          <a:lstStyle/>
-          <a:p>
-            <a:pPr lvl="0" algn="r"/>
-            <a:r>
-              <a:rPr lang="en-US" sz="8000" dirty="0">
+          <a:lstStyle>
+            <a:defPPr>
+              <a:defRPr lang="en-US"/>
+            </a:defPPr>
+            <a:lvl1pPr algn="r">
+              <a:defRPr sz="12200" b="0" i="0">
                 <a:solidFill>
-                  <a:schemeClr val="tx1"/>
+                  <a:schemeClr val="bg2">
+                    <a:lumMod val="40000"/>
+                    <a:lumOff val="60000"/>
+                  </a:schemeClr>
                 </a:solidFill>
-                <a:effectLst/>
-              </a:rPr>
+                <a:latin typeface="Arial"/>
+                <a:ea typeface="+mj-ea"/>
+                <a:cs typeface="+mj-cs"/>
+              </a:defRPr>
+            </a:lvl1pPr>
+          </a:lstStyle>
+          <a:p>
+            <a:pPr lvl="0"/>
+            <a:r>
+              <a:rPr lang="en-US" sz="12200" dirty="0"/>
               <a:t>”</a:t>
             </a:r>
           </a:p>
@@ -2204,7 +1941,7 @@
     </p:spTree>
     <p:extLst>
       <p:ext uri="{BB962C8B-B14F-4D97-AF65-F5344CB8AC3E}">
-        <p14:creationId xmlns:p14="http://schemas.microsoft.com/office/powerpoint/2010/main" val="923639731"/>
+        <p14:creationId xmlns:p14="http://schemas.microsoft.com/office/powerpoint/2010/main" val="4077008055"/>
       </p:ext>
     </p:extLst>
   </p:cSld>
@@ -2243,17 +1980,15 @@
         </p:nvSpPr>
         <p:spPr>
           <a:xfrm>
-            <a:off x="533400" y="3429000"/>
-            <a:ext cx="6382361" cy="1697400"/>
+            <a:off x="866441" y="3124201"/>
+            <a:ext cx="6620969" cy="1653180"/>
           </a:xfrm>
         </p:spPr>
         <p:txBody>
-          <a:bodyPr anchor="b">
-            <a:normAutofit/>
-          </a:bodyPr>
+          <a:bodyPr anchor="b"/>
           <a:lstStyle>
             <a:lvl1pPr algn="l">
-              <a:defRPr sz="2800" b="0" cap="all"/>
+              <a:defRPr sz="4000" b="0" cap="none"/>
             </a:lvl1pPr>
           </a:lstStyle>
           <a:p>
@@ -2277,21 +2012,20 @@
         </p:nvSpPr>
         <p:spPr>
           <a:xfrm>
-            <a:off x="533400" y="5132980"/>
-            <a:ext cx="6383552" cy="886819"/>
+            <a:off x="866442" y="4777381"/>
+            <a:ext cx="6620968" cy="860400"/>
           </a:xfrm>
         </p:spPr>
         <p:txBody>
-          <a:bodyPr anchor="t">
-            <a:normAutofit/>
-          </a:bodyPr>
+          <a:bodyPr anchor="t"/>
           <a:lstStyle>
             <a:lvl1pPr marL="0" indent="0" algn="l">
               <a:buNone/>
-              <a:defRPr sz="1800">
+              <a:defRPr sz="2000" cap="none">
                 <a:solidFill>
                   <a:schemeClr val="bg2">
-                    <a:lumMod val="75000"/>
+                    <a:lumMod val="40000"/>
+                    <a:lumOff val="60000"/>
                   </a:schemeClr>
                 </a:solidFill>
               </a:defRPr>
@@ -2404,7 +2138,7 @@
             <a:fld id="{B61BEF0D-F0BB-DE4B-95CE-6DB70DBA9567}" type="datetimeFigureOut">
               <a:rPr lang="en-US" smtClean="0"/>
               <a:pPr/>
-              <a:t>2/25/2015</a:t>
+              <a:t>2/26/2015</a:t>
             </a:fld>
             <a:endParaRPr lang="en-US" dirty="0"/>
           </a:p>
@@ -2456,7 +2190,7 @@
     </p:spTree>
     <p:extLst>
       <p:ext uri="{BB962C8B-B14F-4D97-AF65-F5344CB8AC3E}">
-        <p14:creationId xmlns:p14="http://schemas.microsoft.com/office/powerpoint/2010/main" val="3204215455"/>
+        <p14:creationId xmlns:p14="http://schemas.microsoft.com/office/powerpoint/2010/main" val="761047395"/>
       </p:ext>
     </p:extLst>
   </p:cSld>
@@ -2468,7 +2202,7 @@
 
 <file path=ppt/slideLayouts/slideLayout14.xml><?xml version="1.0" encoding="utf-8"?>
 <p:sldLayout xmlns:a="http://schemas.openxmlformats.org/drawingml/2006/main" xmlns:r="http://schemas.openxmlformats.org/officeDocument/2006/relationships" xmlns:p="http://schemas.openxmlformats.org/presentationml/2006/main" preserve="1">
-  <p:cSld name="Offerte naamkaartje">
+  <p:cSld name="3 kolommen">
     <p:spTree>
       <p:nvGrpSpPr>
         <p:cNvPr id="1" name=""/>
@@ -2493,192 +2227,368 @@
             <p:ph type="title"/>
           </p:nvPr>
         </p:nvSpPr>
+        <p:spPr/>
+        <p:txBody>
+          <a:bodyPr/>
+          <a:lstStyle>
+            <a:lvl1pPr>
+              <a:defRPr sz="4200"/>
+            </a:lvl1pPr>
+          </a:lstStyle>
+          <a:p>
+            <a:r>
+              <a:rPr lang="nl-NL" smtClean="0"/>
+              <a:t>Klik om de stijl te bewerken</a:t>
+            </a:r>
+            <a:endParaRPr lang="en-US" dirty="0"/>
+          </a:p>
+        </p:txBody>
+      </p:sp>
+      <p:sp>
+        <p:nvSpPr>
+          <p:cNvPr id="3" name="Text Placeholder 2"/>
+          <p:cNvSpPr>
+            <a:spLocks noGrp="1"/>
+          </p:cNvSpPr>
+          <p:nvPr>
+            <p:ph type="body" idx="1"/>
+          </p:nvPr>
+        </p:nvSpPr>
         <p:spPr>
           <a:xfrm>
-            <a:off x="856284" y="533400"/>
-            <a:ext cx="6859786" cy="2895600"/>
+            <a:off x="474834" y="1981200"/>
+            <a:ext cx="2210725" cy="576262"/>
           </a:xfrm>
         </p:spPr>
         <p:txBody>
-          <a:bodyPr anchor="ctr">
-            <a:normAutofit/>
+          <a:bodyPr anchor="b">
+            <a:noAutofit/>
           </a:bodyPr>
           <a:lstStyle>
-            <a:lvl1pPr algn="l">
-              <a:defRPr sz="2800" b="0" cap="all">
-                <a:solidFill>
-                  <a:schemeClr val="tx1"/>
-                </a:solidFill>
-              </a:defRPr>
-            </a:lvl1pPr>
-          </a:lstStyle>
-          <a:p>
-            <a:r>
-              <a:rPr lang="nl-NL" smtClean="0"/>
-              <a:t>Klik om de stijl te bewerken</a:t>
-            </a:r>
-            <a:endParaRPr lang="en-US" dirty="0"/>
-          </a:p>
-        </p:txBody>
-      </p:sp>
-      <p:sp>
-        <p:nvSpPr>
-          <p:cNvPr id="10" name="Text Placeholder 9"/>
-          <p:cNvSpPr>
-            <a:spLocks noGrp="1"/>
-          </p:cNvSpPr>
-          <p:nvPr>
-            <p:ph type="body" sz="quarter" idx="13"/>
-          </p:nvPr>
-        </p:nvSpPr>
-        <p:spPr>
-          <a:xfrm>
-            <a:off x="533400" y="3886200"/>
-            <a:ext cx="6382361" cy="1049866"/>
-          </a:xfrm>
-        </p:spPr>
-        <p:txBody>
-          <a:bodyPr vert="horz" lIns="91440" tIns="45720" rIns="91440" bIns="45720" rtlCol="0" anchor="b">
-            <a:normAutofit/>
-          </a:bodyPr>
-          <a:lstStyle>
-            <a:lvl1pPr>
-              <a:buNone/>
-              <a:defRPr lang="en-US" sz="2000" b="0" cap="all" dirty="0">
-                <a:ln w="3175" cmpd="sng">
-                  <a:noFill/>
-                </a:ln>
-                <a:solidFill>
-                  <a:schemeClr val="tx1"/>
-                </a:solidFill>
-                <a:effectLst/>
-              </a:defRPr>
-            </a:lvl1pPr>
-          </a:lstStyle>
-          <a:p>
-            <a:pPr marL="0" lvl="0">
-              <a:spcBef>
-                <a:spcPct val="0"/>
-              </a:spcBef>
-              <a:buNone/>
-            </a:pPr>
-            <a:r>
-              <a:rPr lang="nl-NL" smtClean="0"/>
-              <a:t>Klik om de modelstijlen te bewerken</a:t>
-            </a:r>
-          </a:p>
-        </p:txBody>
-      </p:sp>
-      <p:sp>
-        <p:nvSpPr>
-          <p:cNvPr id="3" name="Text Placeholder 2"/>
-          <p:cNvSpPr>
-            <a:spLocks noGrp="1"/>
-          </p:cNvSpPr>
-          <p:nvPr>
-            <p:ph type="body" idx="1"/>
-          </p:nvPr>
-        </p:nvSpPr>
-        <p:spPr>
-          <a:xfrm>
-            <a:off x="533400" y="4953000"/>
-            <a:ext cx="6382360" cy="1066800"/>
-          </a:xfrm>
-        </p:spPr>
-        <p:txBody>
-          <a:bodyPr anchor="t">
-            <a:normAutofit/>
-          </a:bodyPr>
-          <a:lstStyle>
-            <a:lvl1pPr marL="0" indent="0" algn="l">
-              <a:buNone/>
-              <a:defRPr sz="1800">
+            <a:lvl1pPr marL="0" indent="0">
+              <a:buNone/>
+              <a:defRPr sz="2400" b="0">
                 <a:solidFill>
                   <a:schemeClr val="bg2">
-                    <a:lumMod val="75000"/>
+                    <a:lumMod val="40000"/>
+                    <a:lumOff val="60000"/>
                   </a:schemeClr>
                 </a:solidFill>
               </a:defRPr>
             </a:lvl1pPr>
             <a:lvl2pPr marL="457200" indent="0">
               <a:buNone/>
-              <a:defRPr sz="1800">
+              <a:defRPr sz="2000" b="1"/>
+            </a:lvl2pPr>
+            <a:lvl3pPr marL="914400" indent="0">
+              <a:buNone/>
+              <a:defRPr sz="1800" b="1"/>
+            </a:lvl3pPr>
+            <a:lvl4pPr marL="1371600" indent="0">
+              <a:buNone/>
+              <a:defRPr sz="1600" b="1"/>
+            </a:lvl4pPr>
+            <a:lvl5pPr marL="1828800" indent="0">
+              <a:buNone/>
+              <a:defRPr sz="1600" b="1"/>
+            </a:lvl5pPr>
+            <a:lvl6pPr marL="2286000" indent="0">
+              <a:buNone/>
+              <a:defRPr sz="1600" b="1"/>
+            </a:lvl6pPr>
+            <a:lvl7pPr marL="2743200" indent="0">
+              <a:buNone/>
+              <a:defRPr sz="1600" b="1"/>
+            </a:lvl7pPr>
+            <a:lvl8pPr marL="3200400" indent="0">
+              <a:buNone/>
+              <a:defRPr sz="1600" b="1"/>
+            </a:lvl8pPr>
+            <a:lvl9pPr marL="3657600" indent="0">
+              <a:buNone/>
+              <a:defRPr sz="1600" b="1"/>
+            </a:lvl9pPr>
+          </a:lstStyle>
+          <a:p>
+            <a:pPr lvl="0"/>
+            <a:r>
+              <a:rPr lang="nl-NL" smtClean="0"/>
+              <a:t>Klik om de modelstijlen te bewerken</a:t>
+            </a:r>
+          </a:p>
+        </p:txBody>
+      </p:sp>
+      <p:sp>
+        <p:nvSpPr>
+          <p:cNvPr id="16" name="Text Placeholder 3"/>
+          <p:cNvSpPr>
+            <a:spLocks noGrp="1"/>
+          </p:cNvSpPr>
+          <p:nvPr>
+            <p:ph type="body" sz="half" idx="15"/>
+          </p:nvPr>
+        </p:nvSpPr>
+        <p:spPr>
+          <a:xfrm>
+            <a:off x="489475" y="2667000"/>
+            <a:ext cx="2196084" cy="3589338"/>
+          </a:xfrm>
+        </p:spPr>
+        <p:txBody>
+          <a:bodyPr anchor="t">
+            <a:normAutofit/>
+          </a:bodyPr>
+          <a:lstStyle>
+            <a:lvl1pPr marL="0" indent="0">
+              <a:buNone/>
+              <a:defRPr sz="1400"/>
+            </a:lvl1pPr>
+            <a:lvl2pPr marL="457200" indent="0">
+              <a:buNone/>
+              <a:defRPr sz="1200"/>
+            </a:lvl2pPr>
+            <a:lvl3pPr marL="914400" indent="0">
+              <a:buNone/>
+              <a:defRPr sz="1000"/>
+            </a:lvl3pPr>
+            <a:lvl4pPr marL="1371600" indent="0">
+              <a:buNone/>
+              <a:defRPr sz="900"/>
+            </a:lvl4pPr>
+            <a:lvl5pPr marL="1828800" indent="0">
+              <a:buNone/>
+              <a:defRPr sz="900"/>
+            </a:lvl5pPr>
+            <a:lvl6pPr marL="2286000" indent="0">
+              <a:buNone/>
+              <a:defRPr sz="900"/>
+            </a:lvl6pPr>
+            <a:lvl7pPr marL="2743200" indent="0">
+              <a:buNone/>
+              <a:defRPr sz="900"/>
+            </a:lvl7pPr>
+            <a:lvl8pPr marL="3200400" indent="0">
+              <a:buNone/>
+              <a:defRPr sz="900"/>
+            </a:lvl8pPr>
+            <a:lvl9pPr marL="3657600" indent="0">
+              <a:buNone/>
+              <a:defRPr sz="900"/>
+            </a:lvl9pPr>
+          </a:lstStyle>
+          <a:p>
+            <a:pPr lvl="0"/>
+            <a:r>
+              <a:rPr lang="nl-NL" smtClean="0"/>
+              <a:t>Klik om de modelstijlen te bewerken</a:t>
+            </a:r>
+          </a:p>
+        </p:txBody>
+      </p:sp>
+      <p:sp>
+        <p:nvSpPr>
+          <p:cNvPr id="5" name="Text Placeholder 4"/>
+          <p:cNvSpPr>
+            <a:spLocks noGrp="1"/>
+          </p:cNvSpPr>
+          <p:nvPr>
+            <p:ph type="body" sz="quarter" idx="3"/>
+          </p:nvPr>
+        </p:nvSpPr>
+        <p:spPr>
+          <a:xfrm>
+            <a:off x="2913504" y="1981200"/>
+            <a:ext cx="2202754" cy="576262"/>
+          </a:xfrm>
+        </p:spPr>
+        <p:txBody>
+          <a:bodyPr anchor="b">
+            <a:noAutofit/>
+          </a:bodyPr>
+          <a:lstStyle>
+            <a:lvl1pPr marL="0" indent="0">
+              <a:buNone/>
+              <a:defRPr sz="2400" b="0">
                 <a:solidFill>
-                  <a:schemeClr val="tx1">
-                    <a:tint val="75000"/>
+                  <a:schemeClr val="bg2">
+                    <a:lumMod val="40000"/>
+                    <a:lumOff val="60000"/>
                   </a:schemeClr>
                 </a:solidFill>
               </a:defRPr>
+            </a:lvl1pPr>
+            <a:lvl2pPr marL="457200" indent="0">
+              <a:buNone/>
+              <a:defRPr sz="2000" b="1"/>
             </a:lvl2pPr>
             <a:lvl3pPr marL="914400" indent="0">
               <a:buNone/>
-              <a:defRPr sz="1600">
+              <a:defRPr sz="1800" b="1"/>
+            </a:lvl3pPr>
+            <a:lvl4pPr marL="1371600" indent="0">
+              <a:buNone/>
+              <a:defRPr sz="1600" b="1"/>
+            </a:lvl4pPr>
+            <a:lvl5pPr marL="1828800" indent="0">
+              <a:buNone/>
+              <a:defRPr sz="1600" b="1"/>
+            </a:lvl5pPr>
+            <a:lvl6pPr marL="2286000" indent="0">
+              <a:buNone/>
+              <a:defRPr sz="1600" b="1"/>
+            </a:lvl6pPr>
+            <a:lvl7pPr marL="2743200" indent="0">
+              <a:buNone/>
+              <a:defRPr sz="1600" b="1"/>
+            </a:lvl7pPr>
+            <a:lvl8pPr marL="3200400" indent="0">
+              <a:buNone/>
+              <a:defRPr sz="1600" b="1"/>
+            </a:lvl8pPr>
+            <a:lvl9pPr marL="3657600" indent="0">
+              <a:buNone/>
+              <a:defRPr sz="1600" b="1"/>
+            </a:lvl9pPr>
+          </a:lstStyle>
+          <a:p>
+            <a:pPr lvl="0"/>
+            <a:r>
+              <a:rPr lang="nl-NL" smtClean="0"/>
+              <a:t>Klik om de modelstijlen te bewerken</a:t>
+            </a:r>
+          </a:p>
+        </p:txBody>
+      </p:sp>
+      <p:sp>
+        <p:nvSpPr>
+          <p:cNvPr id="19" name="Text Placeholder 3"/>
+          <p:cNvSpPr>
+            <a:spLocks noGrp="1"/>
+          </p:cNvSpPr>
+          <p:nvPr>
+            <p:ph type="body" sz="half" idx="16"/>
+          </p:nvPr>
+        </p:nvSpPr>
+        <p:spPr>
+          <a:xfrm>
+            <a:off x="2905586" y="2667000"/>
+            <a:ext cx="2210671" cy="3589338"/>
+          </a:xfrm>
+        </p:spPr>
+        <p:txBody>
+          <a:bodyPr anchor="t">
+            <a:normAutofit/>
+          </a:bodyPr>
+          <a:lstStyle>
+            <a:lvl1pPr marL="0" indent="0">
+              <a:buNone/>
+              <a:defRPr sz="1400"/>
+            </a:lvl1pPr>
+            <a:lvl2pPr marL="457200" indent="0">
+              <a:buNone/>
+              <a:defRPr sz="1200"/>
+            </a:lvl2pPr>
+            <a:lvl3pPr marL="914400" indent="0">
+              <a:buNone/>
+              <a:defRPr sz="1000"/>
+            </a:lvl3pPr>
+            <a:lvl4pPr marL="1371600" indent="0">
+              <a:buNone/>
+              <a:defRPr sz="900"/>
+            </a:lvl4pPr>
+            <a:lvl5pPr marL="1828800" indent="0">
+              <a:buNone/>
+              <a:defRPr sz="900"/>
+            </a:lvl5pPr>
+            <a:lvl6pPr marL="2286000" indent="0">
+              <a:buNone/>
+              <a:defRPr sz="900"/>
+            </a:lvl6pPr>
+            <a:lvl7pPr marL="2743200" indent="0">
+              <a:buNone/>
+              <a:defRPr sz="900"/>
+            </a:lvl7pPr>
+            <a:lvl8pPr marL="3200400" indent="0">
+              <a:buNone/>
+              <a:defRPr sz="900"/>
+            </a:lvl8pPr>
+            <a:lvl9pPr marL="3657600" indent="0">
+              <a:buNone/>
+              <a:defRPr sz="900"/>
+            </a:lvl9pPr>
+          </a:lstStyle>
+          <a:p>
+            <a:pPr lvl="0"/>
+            <a:r>
+              <a:rPr lang="nl-NL" smtClean="0"/>
+              <a:t>Klik om de modelstijlen te bewerken</a:t>
+            </a:r>
+          </a:p>
+        </p:txBody>
+      </p:sp>
+      <p:sp>
+        <p:nvSpPr>
+          <p:cNvPr id="14" name="Text Placeholder 4"/>
+          <p:cNvSpPr>
+            <a:spLocks noGrp="1"/>
+          </p:cNvSpPr>
+          <p:nvPr>
+            <p:ph type="body" sz="quarter" idx="13"/>
+          </p:nvPr>
+        </p:nvSpPr>
+        <p:spPr>
+          <a:xfrm>
+            <a:off x="5344917" y="1981200"/>
+            <a:ext cx="2199658" cy="576262"/>
+          </a:xfrm>
+        </p:spPr>
+        <p:txBody>
+          <a:bodyPr anchor="b">
+            <a:noAutofit/>
+          </a:bodyPr>
+          <a:lstStyle>
+            <a:lvl1pPr marL="0" indent="0">
+              <a:buNone/>
+              <a:defRPr sz="2400" b="0">
                 <a:solidFill>
-                  <a:schemeClr val="tx1">
-                    <a:tint val="75000"/>
+                  <a:schemeClr val="bg2">
+                    <a:lumMod val="40000"/>
+                    <a:lumOff val="60000"/>
                   </a:schemeClr>
                 </a:solidFill>
               </a:defRPr>
+            </a:lvl1pPr>
+            <a:lvl2pPr marL="457200" indent="0">
+              <a:buNone/>
+              <a:defRPr sz="2000" b="1"/>
+            </a:lvl2pPr>
+            <a:lvl3pPr marL="914400" indent="0">
+              <a:buNone/>
+              <a:defRPr sz="1800" b="1"/>
             </a:lvl3pPr>
             <a:lvl4pPr marL="1371600" indent="0">
               <a:buNone/>
-              <a:defRPr sz="1400">
-                <a:solidFill>
-                  <a:schemeClr val="tx1">
-                    <a:tint val="75000"/>
-                  </a:schemeClr>
-                </a:solidFill>
-              </a:defRPr>
+              <a:defRPr sz="1600" b="1"/>
             </a:lvl4pPr>
             <a:lvl5pPr marL="1828800" indent="0">
               <a:buNone/>
-              <a:defRPr sz="1400">
-                <a:solidFill>
-                  <a:schemeClr val="tx1">
-                    <a:tint val="75000"/>
-                  </a:schemeClr>
-                </a:solidFill>
-              </a:defRPr>
+              <a:defRPr sz="1600" b="1"/>
             </a:lvl5pPr>
             <a:lvl6pPr marL="2286000" indent="0">
               <a:buNone/>
-              <a:defRPr sz="1400">
-                <a:solidFill>
-                  <a:schemeClr val="tx1">
-                    <a:tint val="75000"/>
-                  </a:schemeClr>
-                </a:solidFill>
-              </a:defRPr>
+              <a:defRPr sz="1600" b="1"/>
             </a:lvl6pPr>
             <a:lvl7pPr marL="2743200" indent="0">
               <a:buNone/>
-              <a:defRPr sz="1400">
-                <a:solidFill>
-                  <a:schemeClr val="tx1">
-                    <a:tint val="75000"/>
-                  </a:schemeClr>
-                </a:solidFill>
-              </a:defRPr>
+              <a:defRPr sz="1600" b="1"/>
             </a:lvl7pPr>
             <a:lvl8pPr marL="3200400" indent="0">
               <a:buNone/>
-              <a:defRPr sz="1400">
-                <a:solidFill>
-                  <a:schemeClr val="tx1">
-                    <a:tint val="75000"/>
-                  </a:schemeClr>
-                </a:solidFill>
-              </a:defRPr>
+              <a:defRPr sz="1600" b="1"/>
             </a:lvl8pPr>
             <a:lvl9pPr marL="3657600" indent="0">
               <a:buNone/>
-              <a:defRPr sz="1400">
-                <a:solidFill>
-                  <a:schemeClr val="tx1">
-                    <a:tint val="75000"/>
-                  </a:schemeClr>
-                </a:solidFill>
-              </a:defRPr>
+              <a:defRPr sz="1600" b="1"/>
             </a:lvl9pPr>
           </a:lstStyle>
           <a:p>
@@ -2692,7 +2602,152 @@
       </p:sp>
       <p:sp>
         <p:nvSpPr>
-          <p:cNvPr id="4" name="Date Placeholder 3"/>
+          <p:cNvPr id="20" name="Text Placeholder 3"/>
+          <p:cNvSpPr>
+            <a:spLocks noGrp="1"/>
+          </p:cNvSpPr>
+          <p:nvPr>
+            <p:ph type="body" sz="half" idx="17"/>
+          </p:nvPr>
+        </p:nvSpPr>
+        <p:spPr>
+          <a:xfrm>
+            <a:off x="5344917" y="2667000"/>
+            <a:ext cx="2199658" cy="3589338"/>
+          </a:xfrm>
+        </p:spPr>
+        <p:txBody>
+          <a:bodyPr anchor="t">
+            <a:normAutofit/>
+          </a:bodyPr>
+          <a:lstStyle>
+            <a:lvl1pPr marL="0" indent="0">
+              <a:buNone/>
+              <a:defRPr sz="1400"/>
+            </a:lvl1pPr>
+            <a:lvl2pPr marL="457200" indent="0">
+              <a:buNone/>
+              <a:defRPr sz="1200"/>
+            </a:lvl2pPr>
+            <a:lvl3pPr marL="914400" indent="0">
+              <a:buNone/>
+              <a:defRPr sz="1000"/>
+            </a:lvl3pPr>
+            <a:lvl4pPr marL="1371600" indent="0">
+              <a:buNone/>
+              <a:defRPr sz="900"/>
+            </a:lvl4pPr>
+            <a:lvl5pPr marL="1828800" indent="0">
+              <a:buNone/>
+              <a:defRPr sz="900"/>
+            </a:lvl5pPr>
+            <a:lvl6pPr marL="2286000" indent="0">
+              <a:buNone/>
+              <a:defRPr sz="900"/>
+            </a:lvl6pPr>
+            <a:lvl7pPr marL="2743200" indent="0">
+              <a:buNone/>
+              <a:defRPr sz="900"/>
+            </a:lvl7pPr>
+            <a:lvl8pPr marL="3200400" indent="0">
+              <a:buNone/>
+              <a:defRPr sz="900"/>
+            </a:lvl8pPr>
+            <a:lvl9pPr marL="3657600" indent="0">
+              <a:buNone/>
+              <a:defRPr sz="900"/>
+            </a:lvl9pPr>
+          </a:lstStyle>
+          <a:p>
+            <a:pPr lvl="0"/>
+            <a:r>
+              <a:rPr lang="nl-NL" smtClean="0"/>
+              <a:t>Klik om de modelstijlen te bewerken</a:t>
+            </a:r>
+          </a:p>
+        </p:txBody>
+      </p:sp>
+      <p:cxnSp>
+        <p:nvCxnSpPr>
+          <p:cNvPr id="17" name="Straight Connector 16"/>
+          <p:cNvCxnSpPr/>
+          <p:nvPr/>
+        </p:nvCxnSpPr>
+        <p:spPr>
+          <a:xfrm>
+            <a:off x="2795334" y="2133600"/>
+            <a:ext cx="0" cy="3962400"/>
+          </a:xfrm>
+          <a:prstGeom prst="line">
+            <a:avLst/>
+          </a:prstGeom>
+          <a:ln w="12700" cmpd="sng">
+            <a:solidFill>
+              <a:schemeClr val="bg2">
+                <a:lumMod val="40000"/>
+                <a:lumOff val="60000"/>
+                <a:alpha val="40000"/>
+              </a:schemeClr>
+            </a:solidFill>
+          </a:ln>
+        </p:spPr>
+        <p:style>
+          <a:lnRef idx="2">
+            <a:schemeClr val="accent1"/>
+          </a:lnRef>
+          <a:fillRef idx="0">
+            <a:schemeClr val="accent1"/>
+          </a:fillRef>
+          <a:effectRef idx="1">
+            <a:schemeClr val="accent1"/>
+          </a:effectRef>
+          <a:fontRef idx="minor">
+            <a:schemeClr val="tx1"/>
+          </a:fontRef>
+        </p:style>
+      </p:cxnSp>
+      <p:cxnSp>
+        <p:nvCxnSpPr>
+          <p:cNvPr id="18" name="Straight Connector 17"/>
+          <p:cNvCxnSpPr/>
+          <p:nvPr/>
+        </p:nvCxnSpPr>
+        <p:spPr>
+          <a:xfrm>
+            <a:off x="5223030" y="2133600"/>
+            <a:ext cx="0" cy="3966882"/>
+          </a:xfrm>
+          <a:prstGeom prst="line">
+            <a:avLst/>
+          </a:prstGeom>
+          <a:ln w="12700" cmpd="sng">
+            <a:solidFill>
+              <a:schemeClr val="bg2">
+                <a:lumMod val="40000"/>
+                <a:lumOff val="60000"/>
+                <a:alpha val="40000"/>
+              </a:schemeClr>
+            </a:solidFill>
+          </a:ln>
+        </p:spPr>
+        <p:style>
+          <a:lnRef idx="2">
+            <a:schemeClr val="accent1"/>
+          </a:lnRef>
+          <a:fillRef idx="0">
+            <a:schemeClr val="accent1"/>
+          </a:fillRef>
+          <a:effectRef idx="1">
+            <a:schemeClr val="accent1"/>
+          </a:effectRef>
+          <a:fontRef idx="minor">
+            <a:schemeClr val="tx1"/>
+          </a:fontRef>
+        </p:style>
+      </p:cxnSp>
+      <p:sp>
+        <p:nvSpPr>
+          <p:cNvPr id="7" name="Date Placeholder 3"/>
           <p:cNvSpPr>
             <a:spLocks noGrp="1"/>
           </p:cNvSpPr>
@@ -2708,7 +2763,7 @@
             <a:fld id="{B61BEF0D-F0BB-DE4B-95CE-6DB70DBA9567}" type="datetimeFigureOut">
               <a:rPr lang="en-US" smtClean="0"/>
               <a:pPr/>
-              <a:t>2/25/2015</a:t>
+              <a:t>2/26/2015</a:t>
             </a:fld>
             <a:endParaRPr lang="en-US" dirty="0"/>
           </a:p>
@@ -2716,7 +2771,7 @@
       </p:sp>
       <p:sp>
         <p:nvSpPr>
-          <p:cNvPr id="5" name="Footer Placeholder 4"/>
+          <p:cNvPr id="4" name="Footer Placeholder 4"/>
           <p:cNvSpPr>
             <a:spLocks noGrp="1"/>
           </p:cNvSpPr>
@@ -2757,78 +2812,10 @@
           </a:p>
         </p:txBody>
       </p:sp>
-      <p:sp>
-        <p:nvSpPr>
-          <p:cNvPr id="14" name="TextBox 13"/>
-          <p:cNvSpPr txBox="1"/>
-          <p:nvPr/>
-        </p:nvSpPr>
-        <p:spPr>
-          <a:xfrm>
-            <a:off x="228600" y="710624"/>
-            <a:ext cx="457319" cy="584776"/>
-          </a:xfrm>
-          <a:prstGeom prst="rect">
-            <a:avLst/>
-          </a:prstGeom>
-        </p:spPr>
-        <p:txBody>
-          <a:bodyPr vert="horz" lIns="91440" tIns="45720" rIns="91440" bIns="45720" rtlCol="0" anchor="ctr">
-            <a:noAutofit/>
-          </a:bodyPr>
-          <a:lstStyle/>
-          <a:p>
-            <a:pPr lvl="0"/>
-            <a:r>
-              <a:rPr lang="en-US" sz="8000" dirty="0">
-                <a:solidFill>
-                  <a:schemeClr val="tx1"/>
-                </a:solidFill>
-                <a:effectLst/>
-              </a:rPr>
-              <a:t>“</a:t>
-            </a:r>
-          </a:p>
-        </p:txBody>
-      </p:sp>
-      <p:sp>
-        <p:nvSpPr>
-          <p:cNvPr id="15" name="TextBox 14"/>
-          <p:cNvSpPr txBox="1"/>
-          <p:nvPr/>
-        </p:nvSpPr>
-        <p:spPr>
-          <a:xfrm>
-            <a:off x="7696200" y="2768601"/>
-            <a:ext cx="457319" cy="584776"/>
-          </a:xfrm>
-          <a:prstGeom prst="rect">
-            <a:avLst/>
-          </a:prstGeom>
-        </p:spPr>
-        <p:txBody>
-          <a:bodyPr vert="horz" lIns="91440" tIns="45720" rIns="91440" bIns="45720" rtlCol="0" anchor="ctr">
-            <a:noAutofit/>
-          </a:bodyPr>
-          <a:lstStyle/>
-          <a:p>
-            <a:pPr lvl="0" algn="r"/>
-            <a:r>
-              <a:rPr lang="en-US" sz="8000" dirty="0">
-                <a:solidFill>
-                  <a:schemeClr val="tx1"/>
-                </a:solidFill>
-                <a:effectLst/>
-              </a:rPr>
-              <a:t>”</a:t>
-            </a:r>
-          </a:p>
-        </p:txBody>
-      </p:sp>
     </p:spTree>
     <p:extLst>
       <p:ext uri="{BB962C8B-B14F-4D97-AF65-F5344CB8AC3E}">
-        <p14:creationId xmlns:p14="http://schemas.microsoft.com/office/powerpoint/2010/main" val="4079420803"/>
+        <p14:creationId xmlns:p14="http://schemas.microsoft.com/office/powerpoint/2010/main" val="537795222"/>
       </p:ext>
     </p:extLst>
   </p:cSld>
@@ -2840,7 +2827,7 @@
 
 <file path=ppt/slideLayouts/slideLayout15.xml><?xml version="1.0" encoding="utf-8"?>
 <p:sldLayout xmlns:a="http://schemas.openxmlformats.org/drawingml/2006/main" xmlns:r="http://schemas.openxmlformats.org/officeDocument/2006/relationships" xmlns:p="http://schemas.openxmlformats.org/presentationml/2006/main" preserve="1">
-  <p:cSld name="Waar of onwaar">
+  <p:cSld name="3 Afbeelding-kolom">
     <p:spTree>
       <p:nvGrpSpPr>
         <p:cNvPr id="1" name=""/>
@@ -2865,189 +2852,526 @@
             <p:ph type="title"/>
           </p:nvPr>
         </p:nvSpPr>
+        <p:spPr/>
+        <p:txBody>
+          <a:bodyPr/>
+          <a:lstStyle>
+            <a:lvl1pPr>
+              <a:defRPr sz="4200"/>
+            </a:lvl1pPr>
+          </a:lstStyle>
+          <a:p>
+            <a:r>
+              <a:rPr lang="nl-NL" smtClean="0"/>
+              <a:t>Klik om de stijl te bewerken</a:t>
+            </a:r>
+            <a:endParaRPr lang="en-US" dirty="0"/>
+          </a:p>
+        </p:txBody>
+      </p:sp>
+      <p:sp>
+        <p:nvSpPr>
+          <p:cNvPr id="3" name="Text Placeholder 2"/>
+          <p:cNvSpPr>
+            <a:spLocks noGrp="1"/>
+          </p:cNvSpPr>
+          <p:nvPr>
+            <p:ph type="body" idx="1"/>
+          </p:nvPr>
+        </p:nvSpPr>
         <p:spPr>
           <a:xfrm>
-            <a:off x="533400" y="533400"/>
-            <a:ext cx="7525658" cy="2895600"/>
+            <a:off x="489475" y="4250949"/>
+            <a:ext cx="2205612" cy="576262"/>
           </a:xfrm>
         </p:spPr>
         <p:txBody>
-          <a:bodyPr vert="horz" lIns="91440" tIns="45720" rIns="91440" bIns="45720" rtlCol="0" anchor="ctr">
-            <a:normAutofit/>
+          <a:bodyPr anchor="b">
+            <a:noAutofit/>
           </a:bodyPr>
           <a:lstStyle>
-            <a:lvl1pPr>
-              <a:defRPr lang="en-US" sz="2800" b="0" dirty="0"/>
-            </a:lvl1pPr>
-          </a:lstStyle>
-          <a:p>
-            <a:pPr marL="0" lvl="0"/>
-            <a:r>
-              <a:rPr lang="nl-NL" smtClean="0"/>
-              <a:t>Klik om de stijl te bewerken</a:t>
-            </a:r>
-            <a:endParaRPr lang="en-US" dirty="0"/>
-          </a:p>
-        </p:txBody>
-      </p:sp>
-      <p:sp>
-        <p:nvSpPr>
-          <p:cNvPr id="10" name="Text Placeholder 9"/>
-          <p:cNvSpPr>
-            <a:spLocks noGrp="1"/>
-          </p:cNvSpPr>
-          <p:nvPr>
-            <p:ph type="body" sz="quarter" idx="13"/>
-          </p:nvPr>
-        </p:nvSpPr>
-        <p:spPr>
-          <a:xfrm>
-            <a:off x="533400" y="3928534"/>
-            <a:ext cx="6382361" cy="838200"/>
-          </a:xfrm>
-        </p:spPr>
-        <p:txBody>
-          <a:bodyPr vert="horz" lIns="91440" tIns="45720" rIns="91440" bIns="45720" rtlCol="0" anchor="b">
-            <a:normAutofit/>
-          </a:bodyPr>
-          <a:lstStyle>
-            <a:lvl1pPr>
-              <a:buNone/>
-              <a:defRPr lang="en-US" sz="2000" b="0" cap="all" dirty="0">
-                <a:ln w="3175" cmpd="sng">
-                  <a:noFill/>
-                </a:ln>
-                <a:solidFill>
-                  <a:schemeClr val="tx1"/>
-                </a:solidFill>
-                <a:effectLst/>
-              </a:defRPr>
-            </a:lvl1pPr>
-          </a:lstStyle>
-          <a:p>
-            <a:pPr marL="0" lvl="0">
-              <a:spcBef>
-                <a:spcPct val="0"/>
-              </a:spcBef>
-              <a:buNone/>
-            </a:pPr>
-            <a:r>
-              <a:rPr lang="nl-NL" smtClean="0"/>
-              <a:t>Klik om de modelstijlen te bewerken</a:t>
-            </a:r>
-          </a:p>
-        </p:txBody>
-      </p:sp>
-      <p:sp>
-        <p:nvSpPr>
-          <p:cNvPr id="3" name="Text Placeholder 2"/>
-          <p:cNvSpPr>
-            <a:spLocks noGrp="1"/>
-          </p:cNvSpPr>
-          <p:nvPr>
-            <p:ph type="body" idx="1"/>
-          </p:nvPr>
-        </p:nvSpPr>
-        <p:spPr>
-          <a:xfrm>
-            <a:off x="533400" y="4766735"/>
-            <a:ext cx="6382360" cy="1253065"/>
-          </a:xfrm>
-        </p:spPr>
-        <p:txBody>
-          <a:bodyPr anchor="t">
-            <a:normAutofit/>
-          </a:bodyPr>
-          <a:lstStyle>
-            <a:lvl1pPr marL="0" indent="0" algn="l">
-              <a:buNone/>
-              <a:defRPr sz="1800">
+            <a:lvl1pPr marL="0" indent="0">
+              <a:buNone/>
+              <a:defRPr sz="2400" b="0">
                 <a:solidFill>
                   <a:schemeClr val="bg2">
-                    <a:lumMod val="75000"/>
+                    <a:lumMod val="40000"/>
+                    <a:lumOff val="60000"/>
                   </a:schemeClr>
                 </a:solidFill>
               </a:defRPr>
             </a:lvl1pPr>
             <a:lvl2pPr marL="457200" indent="0">
               <a:buNone/>
-              <a:defRPr sz="1800">
+              <a:defRPr sz="2000" b="1"/>
+            </a:lvl2pPr>
+            <a:lvl3pPr marL="914400" indent="0">
+              <a:buNone/>
+              <a:defRPr sz="1800" b="1"/>
+            </a:lvl3pPr>
+            <a:lvl4pPr marL="1371600" indent="0">
+              <a:buNone/>
+              <a:defRPr sz="1600" b="1"/>
+            </a:lvl4pPr>
+            <a:lvl5pPr marL="1828800" indent="0">
+              <a:buNone/>
+              <a:defRPr sz="1600" b="1"/>
+            </a:lvl5pPr>
+            <a:lvl6pPr marL="2286000" indent="0">
+              <a:buNone/>
+              <a:defRPr sz="1600" b="1"/>
+            </a:lvl6pPr>
+            <a:lvl7pPr marL="2743200" indent="0">
+              <a:buNone/>
+              <a:defRPr sz="1600" b="1"/>
+            </a:lvl7pPr>
+            <a:lvl8pPr marL="3200400" indent="0">
+              <a:buNone/>
+              <a:defRPr sz="1600" b="1"/>
+            </a:lvl8pPr>
+            <a:lvl9pPr marL="3657600" indent="0">
+              <a:buNone/>
+              <a:defRPr sz="1600" b="1"/>
+            </a:lvl9pPr>
+          </a:lstStyle>
+          <a:p>
+            <a:pPr lvl="0"/>
+            <a:r>
+              <a:rPr lang="nl-NL" smtClean="0"/>
+              <a:t>Klik om de modelstijlen te bewerken</a:t>
+            </a:r>
+          </a:p>
+        </p:txBody>
+      </p:sp>
+      <p:sp>
+        <p:nvSpPr>
+          <p:cNvPr id="29" name="Picture Placeholder 2"/>
+          <p:cNvSpPr>
+            <a:spLocks noGrp="1" noChangeAspect="1"/>
+          </p:cNvSpPr>
+          <p:nvPr>
+            <p:ph type="pic" idx="15"/>
+          </p:nvPr>
+        </p:nvSpPr>
+        <p:spPr>
+          <a:xfrm>
+            <a:off x="489475" y="2209800"/>
+            <a:ext cx="2205612" cy="1524000"/>
+          </a:xfrm>
+          <a:prstGeom prst="roundRect">
+            <a:avLst>
+              <a:gd name="adj" fmla="val 1858"/>
+            </a:avLst>
+          </a:prstGeom>
+          <a:effectLst>
+            <a:outerShdw blurRad="50800" dist="50800" dir="5400000" algn="tl" rotWithShape="0">
+              <a:srgbClr val="000000">
+                <a:alpha val="43000"/>
+              </a:srgbClr>
+            </a:outerShdw>
+          </a:effectLst>
+        </p:spPr>
+        <p:txBody>
+          <a:bodyPr anchor="t">
+            <a:normAutofit/>
+          </a:bodyPr>
+          <a:lstStyle>
+            <a:lvl1pPr marL="0" indent="0" algn="ctr">
+              <a:buNone/>
+              <a:defRPr sz="1600"/>
+            </a:lvl1pPr>
+            <a:lvl2pPr marL="457200" indent="0">
+              <a:buNone/>
+              <a:defRPr sz="1600"/>
+            </a:lvl2pPr>
+            <a:lvl3pPr marL="914400" indent="0">
+              <a:buNone/>
+              <a:defRPr sz="1600"/>
+            </a:lvl3pPr>
+            <a:lvl4pPr marL="1371600" indent="0">
+              <a:buNone/>
+              <a:defRPr sz="1600"/>
+            </a:lvl4pPr>
+            <a:lvl5pPr marL="1828800" indent="0">
+              <a:buNone/>
+              <a:defRPr sz="1600"/>
+            </a:lvl5pPr>
+            <a:lvl6pPr marL="2286000" indent="0">
+              <a:buNone/>
+              <a:defRPr sz="1600"/>
+            </a:lvl6pPr>
+            <a:lvl7pPr marL="2743200" indent="0">
+              <a:buNone/>
+              <a:defRPr sz="1600"/>
+            </a:lvl7pPr>
+            <a:lvl8pPr marL="3200400" indent="0">
+              <a:buNone/>
+              <a:defRPr sz="1600"/>
+            </a:lvl8pPr>
+            <a:lvl9pPr marL="3657600" indent="0">
+              <a:buNone/>
+              <a:defRPr sz="1600"/>
+            </a:lvl9pPr>
+          </a:lstStyle>
+          <a:p>
+            <a:r>
+              <a:rPr lang="nl-NL" smtClean="0"/>
+              <a:t>Klik op het pictogram als u een afbeelding wilt toevoegen</a:t>
+            </a:r>
+            <a:endParaRPr lang="en-US" dirty="0"/>
+          </a:p>
+        </p:txBody>
+      </p:sp>
+      <p:sp>
+        <p:nvSpPr>
+          <p:cNvPr id="22" name="Text Placeholder 3"/>
+          <p:cNvSpPr>
+            <a:spLocks noGrp="1"/>
+          </p:cNvSpPr>
+          <p:nvPr>
+            <p:ph type="body" sz="half" idx="18"/>
+          </p:nvPr>
+        </p:nvSpPr>
+        <p:spPr>
+          <a:xfrm>
+            <a:off x="489475" y="4827212"/>
+            <a:ext cx="2205612" cy="659189"/>
+          </a:xfrm>
+        </p:spPr>
+        <p:txBody>
+          <a:bodyPr anchor="t">
+            <a:normAutofit/>
+          </a:bodyPr>
+          <a:lstStyle>
+            <a:lvl1pPr marL="0" indent="0">
+              <a:buNone/>
+              <a:defRPr sz="1400"/>
+            </a:lvl1pPr>
+            <a:lvl2pPr marL="457200" indent="0">
+              <a:buNone/>
+              <a:defRPr sz="1200"/>
+            </a:lvl2pPr>
+            <a:lvl3pPr marL="914400" indent="0">
+              <a:buNone/>
+              <a:defRPr sz="1000"/>
+            </a:lvl3pPr>
+            <a:lvl4pPr marL="1371600" indent="0">
+              <a:buNone/>
+              <a:defRPr sz="900"/>
+            </a:lvl4pPr>
+            <a:lvl5pPr marL="1828800" indent="0">
+              <a:buNone/>
+              <a:defRPr sz="900"/>
+            </a:lvl5pPr>
+            <a:lvl6pPr marL="2286000" indent="0">
+              <a:buNone/>
+              <a:defRPr sz="900"/>
+            </a:lvl6pPr>
+            <a:lvl7pPr marL="2743200" indent="0">
+              <a:buNone/>
+              <a:defRPr sz="900"/>
+            </a:lvl7pPr>
+            <a:lvl8pPr marL="3200400" indent="0">
+              <a:buNone/>
+              <a:defRPr sz="900"/>
+            </a:lvl8pPr>
+            <a:lvl9pPr marL="3657600" indent="0">
+              <a:buNone/>
+              <a:defRPr sz="900"/>
+            </a:lvl9pPr>
+          </a:lstStyle>
+          <a:p>
+            <a:pPr lvl="0"/>
+            <a:r>
+              <a:rPr lang="nl-NL" smtClean="0"/>
+              <a:t>Klik om de modelstijlen te bewerken</a:t>
+            </a:r>
+          </a:p>
+        </p:txBody>
+      </p:sp>
+      <p:sp>
+        <p:nvSpPr>
+          <p:cNvPr id="5" name="Text Placeholder 4"/>
+          <p:cNvSpPr>
+            <a:spLocks noGrp="1"/>
+          </p:cNvSpPr>
+          <p:nvPr>
+            <p:ph type="body" sz="quarter" idx="3"/>
+          </p:nvPr>
+        </p:nvSpPr>
+        <p:spPr>
+          <a:xfrm>
+            <a:off x="2917792" y="4250949"/>
+            <a:ext cx="2198466" cy="576262"/>
+          </a:xfrm>
+        </p:spPr>
+        <p:txBody>
+          <a:bodyPr anchor="b">
+            <a:noAutofit/>
+          </a:bodyPr>
+          <a:lstStyle>
+            <a:lvl1pPr marL="0" indent="0">
+              <a:buNone/>
+              <a:defRPr sz="2400" b="0">
                 <a:solidFill>
-                  <a:schemeClr val="tx1">
-                    <a:tint val="75000"/>
+                  <a:schemeClr val="bg2">
+                    <a:lumMod val="40000"/>
+                    <a:lumOff val="60000"/>
                   </a:schemeClr>
                 </a:solidFill>
               </a:defRPr>
+            </a:lvl1pPr>
+            <a:lvl2pPr marL="457200" indent="0">
+              <a:buNone/>
+              <a:defRPr sz="2000" b="1"/>
             </a:lvl2pPr>
             <a:lvl3pPr marL="914400" indent="0">
               <a:buNone/>
-              <a:defRPr sz="1600">
+              <a:defRPr sz="1800" b="1"/>
+            </a:lvl3pPr>
+            <a:lvl4pPr marL="1371600" indent="0">
+              <a:buNone/>
+              <a:defRPr sz="1600" b="1"/>
+            </a:lvl4pPr>
+            <a:lvl5pPr marL="1828800" indent="0">
+              <a:buNone/>
+              <a:defRPr sz="1600" b="1"/>
+            </a:lvl5pPr>
+            <a:lvl6pPr marL="2286000" indent="0">
+              <a:buNone/>
+              <a:defRPr sz="1600" b="1"/>
+            </a:lvl6pPr>
+            <a:lvl7pPr marL="2743200" indent="0">
+              <a:buNone/>
+              <a:defRPr sz="1600" b="1"/>
+            </a:lvl7pPr>
+            <a:lvl8pPr marL="3200400" indent="0">
+              <a:buNone/>
+              <a:defRPr sz="1600" b="1"/>
+            </a:lvl8pPr>
+            <a:lvl9pPr marL="3657600" indent="0">
+              <a:buNone/>
+              <a:defRPr sz="1600" b="1"/>
+            </a:lvl9pPr>
+          </a:lstStyle>
+          <a:p>
+            <a:pPr lvl="0"/>
+            <a:r>
+              <a:rPr lang="nl-NL" smtClean="0"/>
+              <a:t>Klik om de modelstijlen te bewerken</a:t>
+            </a:r>
+          </a:p>
+        </p:txBody>
+      </p:sp>
+      <p:sp>
+        <p:nvSpPr>
+          <p:cNvPr id="30" name="Picture Placeholder 2"/>
+          <p:cNvSpPr>
+            <a:spLocks noGrp="1" noChangeAspect="1"/>
+          </p:cNvSpPr>
+          <p:nvPr>
+            <p:ph type="pic" idx="21"/>
+          </p:nvPr>
+        </p:nvSpPr>
+        <p:spPr>
+          <a:xfrm>
+            <a:off x="2917791" y="2209800"/>
+            <a:ext cx="2198466" cy="1524000"/>
+          </a:xfrm>
+          <a:prstGeom prst="roundRect">
+            <a:avLst>
+              <a:gd name="adj" fmla="val 1858"/>
+            </a:avLst>
+          </a:prstGeom>
+          <a:effectLst>
+            <a:outerShdw blurRad="50800" dist="50800" dir="5400000" algn="tl" rotWithShape="0">
+              <a:srgbClr val="000000">
+                <a:alpha val="43000"/>
+              </a:srgbClr>
+            </a:outerShdw>
+          </a:effectLst>
+        </p:spPr>
+        <p:txBody>
+          <a:bodyPr anchor="t">
+            <a:normAutofit/>
+          </a:bodyPr>
+          <a:lstStyle>
+            <a:lvl1pPr marL="0" indent="0" algn="ctr">
+              <a:buNone/>
+              <a:defRPr sz="1600"/>
+            </a:lvl1pPr>
+            <a:lvl2pPr marL="457200" indent="0">
+              <a:buNone/>
+              <a:defRPr sz="1600"/>
+            </a:lvl2pPr>
+            <a:lvl3pPr marL="914400" indent="0">
+              <a:buNone/>
+              <a:defRPr sz="1600"/>
+            </a:lvl3pPr>
+            <a:lvl4pPr marL="1371600" indent="0">
+              <a:buNone/>
+              <a:defRPr sz="1600"/>
+            </a:lvl4pPr>
+            <a:lvl5pPr marL="1828800" indent="0">
+              <a:buNone/>
+              <a:defRPr sz="1600"/>
+            </a:lvl5pPr>
+            <a:lvl6pPr marL="2286000" indent="0">
+              <a:buNone/>
+              <a:defRPr sz="1600"/>
+            </a:lvl6pPr>
+            <a:lvl7pPr marL="2743200" indent="0">
+              <a:buNone/>
+              <a:defRPr sz="1600"/>
+            </a:lvl7pPr>
+            <a:lvl8pPr marL="3200400" indent="0">
+              <a:buNone/>
+              <a:defRPr sz="1600"/>
+            </a:lvl8pPr>
+            <a:lvl9pPr marL="3657600" indent="0">
+              <a:buNone/>
+              <a:defRPr sz="1600"/>
+            </a:lvl9pPr>
+          </a:lstStyle>
+          <a:p>
+            <a:r>
+              <a:rPr lang="nl-NL" smtClean="0"/>
+              <a:t>Klik op het pictogram als u een afbeelding wilt toevoegen</a:t>
+            </a:r>
+            <a:endParaRPr lang="en-US" dirty="0"/>
+          </a:p>
+        </p:txBody>
+      </p:sp>
+      <p:sp>
+        <p:nvSpPr>
+          <p:cNvPr id="23" name="Text Placeholder 3"/>
+          <p:cNvSpPr>
+            <a:spLocks noGrp="1"/>
+          </p:cNvSpPr>
+          <p:nvPr>
+            <p:ph type="body" sz="half" idx="19"/>
+          </p:nvPr>
+        </p:nvSpPr>
+        <p:spPr>
+          <a:xfrm>
+            <a:off x="2916776" y="4827211"/>
+            <a:ext cx="2201378" cy="659189"/>
+          </a:xfrm>
+        </p:spPr>
+        <p:txBody>
+          <a:bodyPr anchor="t">
+            <a:normAutofit/>
+          </a:bodyPr>
+          <a:lstStyle>
+            <a:lvl1pPr marL="0" indent="0">
+              <a:buNone/>
+              <a:defRPr sz="1400"/>
+            </a:lvl1pPr>
+            <a:lvl2pPr marL="457200" indent="0">
+              <a:buNone/>
+              <a:defRPr sz="1200"/>
+            </a:lvl2pPr>
+            <a:lvl3pPr marL="914400" indent="0">
+              <a:buNone/>
+              <a:defRPr sz="1000"/>
+            </a:lvl3pPr>
+            <a:lvl4pPr marL="1371600" indent="0">
+              <a:buNone/>
+              <a:defRPr sz="900"/>
+            </a:lvl4pPr>
+            <a:lvl5pPr marL="1828800" indent="0">
+              <a:buNone/>
+              <a:defRPr sz="900"/>
+            </a:lvl5pPr>
+            <a:lvl6pPr marL="2286000" indent="0">
+              <a:buNone/>
+              <a:defRPr sz="900"/>
+            </a:lvl6pPr>
+            <a:lvl7pPr marL="2743200" indent="0">
+              <a:buNone/>
+              <a:defRPr sz="900"/>
+            </a:lvl7pPr>
+            <a:lvl8pPr marL="3200400" indent="0">
+              <a:buNone/>
+              <a:defRPr sz="900"/>
+            </a:lvl8pPr>
+            <a:lvl9pPr marL="3657600" indent="0">
+              <a:buNone/>
+              <a:defRPr sz="900"/>
+            </a:lvl9pPr>
+          </a:lstStyle>
+          <a:p>
+            <a:pPr lvl="0"/>
+            <a:r>
+              <a:rPr lang="nl-NL" smtClean="0"/>
+              <a:t>Klik om de modelstijlen te bewerken</a:t>
+            </a:r>
+          </a:p>
+        </p:txBody>
+      </p:sp>
+      <p:sp>
+        <p:nvSpPr>
+          <p:cNvPr id="14" name="Text Placeholder 4"/>
+          <p:cNvSpPr>
+            <a:spLocks noGrp="1"/>
+          </p:cNvSpPr>
+          <p:nvPr>
+            <p:ph type="body" sz="quarter" idx="13"/>
+          </p:nvPr>
+        </p:nvSpPr>
+        <p:spPr>
+          <a:xfrm>
+            <a:off x="5344917" y="4250949"/>
+            <a:ext cx="2199658" cy="576262"/>
+          </a:xfrm>
+        </p:spPr>
+        <p:txBody>
+          <a:bodyPr anchor="b">
+            <a:noAutofit/>
+          </a:bodyPr>
+          <a:lstStyle>
+            <a:lvl1pPr marL="0" indent="0">
+              <a:buNone/>
+              <a:defRPr sz="2400" b="0">
                 <a:solidFill>
-                  <a:schemeClr val="tx1">
-                    <a:tint val="75000"/>
+                  <a:schemeClr val="bg2">
+                    <a:lumMod val="40000"/>
+                    <a:lumOff val="60000"/>
                   </a:schemeClr>
                 </a:solidFill>
               </a:defRPr>
+            </a:lvl1pPr>
+            <a:lvl2pPr marL="457200" indent="0">
+              <a:buNone/>
+              <a:defRPr sz="2000" b="1"/>
+            </a:lvl2pPr>
+            <a:lvl3pPr marL="914400" indent="0">
+              <a:buNone/>
+              <a:defRPr sz="1800" b="1"/>
             </a:lvl3pPr>
             <a:lvl4pPr marL="1371600" indent="0">
               <a:buNone/>
-              <a:defRPr sz="1400">
-                <a:solidFill>
-                  <a:schemeClr val="tx1">
-                    <a:tint val="75000"/>
-                  </a:schemeClr>
-                </a:solidFill>
-              </a:defRPr>
+              <a:defRPr sz="1600" b="1"/>
             </a:lvl4pPr>
             <a:lvl5pPr marL="1828800" indent="0">
               <a:buNone/>
-              <a:defRPr sz="1400">
-                <a:solidFill>
-                  <a:schemeClr val="tx1">
-                    <a:tint val="75000"/>
-                  </a:schemeClr>
-                </a:solidFill>
-              </a:defRPr>
+              <a:defRPr sz="1600" b="1"/>
             </a:lvl5pPr>
             <a:lvl6pPr marL="2286000" indent="0">
               <a:buNone/>
-              <a:defRPr sz="1400">
-                <a:solidFill>
-                  <a:schemeClr val="tx1">
-                    <a:tint val="75000"/>
-                  </a:schemeClr>
-                </a:solidFill>
-              </a:defRPr>
+              <a:defRPr sz="1600" b="1"/>
             </a:lvl6pPr>
             <a:lvl7pPr marL="2743200" indent="0">
               <a:buNone/>
-              <a:defRPr sz="1400">
-                <a:solidFill>
-                  <a:schemeClr val="tx1">
-                    <a:tint val="75000"/>
-                  </a:schemeClr>
-                </a:solidFill>
-              </a:defRPr>
+              <a:defRPr sz="1600" b="1"/>
             </a:lvl7pPr>
             <a:lvl8pPr marL="3200400" indent="0">
               <a:buNone/>
-              <a:defRPr sz="1400">
-                <a:solidFill>
-                  <a:schemeClr val="tx1">
-                    <a:tint val="75000"/>
-                  </a:schemeClr>
-                </a:solidFill>
-              </a:defRPr>
+              <a:defRPr sz="1600" b="1"/>
             </a:lvl8pPr>
             <a:lvl9pPr marL="3657600" indent="0">
               <a:buNone/>
-              <a:defRPr sz="1400">
-                <a:solidFill>
-                  <a:schemeClr val="tx1">
-                    <a:tint val="75000"/>
-                  </a:schemeClr>
-                </a:solidFill>
-              </a:defRPr>
+              <a:defRPr sz="1600" b="1"/>
             </a:lvl9pPr>
           </a:lstStyle>
           <a:p>
@@ -3061,7 +3385,231 @@
       </p:sp>
       <p:sp>
         <p:nvSpPr>
-          <p:cNvPr id="4" name="Date Placeholder 3"/>
+          <p:cNvPr id="31" name="Picture Placeholder 2"/>
+          <p:cNvSpPr>
+            <a:spLocks noGrp="1" noChangeAspect="1"/>
+          </p:cNvSpPr>
+          <p:nvPr>
+            <p:ph type="pic" idx="22"/>
+          </p:nvPr>
+        </p:nvSpPr>
+        <p:spPr>
+          <a:xfrm>
+            <a:off x="5344916" y="2209800"/>
+            <a:ext cx="2199658" cy="1524000"/>
+          </a:xfrm>
+          <a:prstGeom prst="roundRect">
+            <a:avLst>
+              <a:gd name="adj" fmla="val 1858"/>
+            </a:avLst>
+          </a:prstGeom>
+          <a:effectLst>
+            <a:outerShdw blurRad="50800" dist="50800" dir="5400000" algn="tl" rotWithShape="0">
+              <a:srgbClr val="000000">
+                <a:alpha val="43000"/>
+              </a:srgbClr>
+            </a:outerShdw>
+          </a:effectLst>
+        </p:spPr>
+        <p:txBody>
+          <a:bodyPr anchor="t">
+            <a:normAutofit/>
+          </a:bodyPr>
+          <a:lstStyle>
+            <a:lvl1pPr marL="0" indent="0" algn="ctr">
+              <a:buNone/>
+              <a:defRPr sz="1600"/>
+            </a:lvl1pPr>
+            <a:lvl2pPr marL="457200" indent="0">
+              <a:buNone/>
+              <a:defRPr sz="1600"/>
+            </a:lvl2pPr>
+            <a:lvl3pPr marL="914400" indent="0">
+              <a:buNone/>
+              <a:defRPr sz="1600"/>
+            </a:lvl3pPr>
+            <a:lvl4pPr marL="1371600" indent="0">
+              <a:buNone/>
+              <a:defRPr sz="1600"/>
+            </a:lvl4pPr>
+            <a:lvl5pPr marL="1828800" indent="0">
+              <a:buNone/>
+              <a:defRPr sz="1600"/>
+            </a:lvl5pPr>
+            <a:lvl6pPr marL="2286000" indent="0">
+              <a:buNone/>
+              <a:defRPr sz="1600"/>
+            </a:lvl6pPr>
+            <a:lvl7pPr marL="2743200" indent="0">
+              <a:buNone/>
+              <a:defRPr sz="1600"/>
+            </a:lvl7pPr>
+            <a:lvl8pPr marL="3200400" indent="0">
+              <a:buNone/>
+              <a:defRPr sz="1600"/>
+            </a:lvl8pPr>
+            <a:lvl9pPr marL="3657600" indent="0">
+              <a:buNone/>
+              <a:defRPr sz="1600"/>
+            </a:lvl9pPr>
+          </a:lstStyle>
+          <a:p>
+            <a:r>
+              <a:rPr lang="nl-NL" smtClean="0"/>
+              <a:t>Klik op het pictogram als u een afbeelding wilt toevoegen</a:t>
+            </a:r>
+            <a:endParaRPr lang="en-US" dirty="0"/>
+          </a:p>
+        </p:txBody>
+      </p:sp>
+      <p:sp>
+        <p:nvSpPr>
+          <p:cNvPr id="24" name="Text Placeholder 3"/>
+          <p:cNvSpPr>
+            <a:spLocks noGrp="1"/>
+          </p:cNvSpPr>
+          <p:nvPr>
+            <p:ph type="body" sz="half" idx="20"/>
+          </p:nvPr>
+        </p:nvSpPr>
+        <p:spPr>
+          <a:xfrm>
+            <a:off x="5344824" y="4827209"/>
+            <a:ext cx="2202571" cy="659189"/>
+          </a:xfrm>
+        </p:spPr>
+        <p:txBody>
+          <a:bodyPr anchor="t">
+            <a:normAutofit/>
+          </a:bodyPr>
+          <a:lstStyle>
+            <a:lvl1pPr marL="0" indent="0">
+              <a:buNone/>
+              <a:defRPr sz="1400"/>
+            </a:lvl1pPr>
+            <a:lvl2pPr marL="457200" indent="0">
+              <a:buNone/>
+              <a:defRPr sz="1200"/>
+            </a:lvl2pPr>
+            <a:lvl3pPr marL="914400" indent="0">
+              <a:buNone/>
+              <a:defRPr sz="1000"/>
+            </a:lvl3pPr>
+            <a:lvl4pPr marL="1371600" indent="0">
+              <a:buNone/>
+              <a:defRPr sz="900"/>
+            </a:lvl4pPr>
+            <a:lvl5pPr marL="1828800" indent="0">
+              <a:buNone/>
+              <a:defRPr sz="900"/>
+            </a:lvl5pPr>
+            <a:lvl6pPr marL="2286000" indent="0">
+              <a:buNone/>
+              <a:defRPr sz="900"/>
+            </a:lvl6pPr>
+            <a:lvl7pPr marL="2743200" indent="0">
+              <a:buNone/>
+              <a:defRPr sz="900"/>
+            </a:lvl7pPr>
+            <a:lvl8pPr marL="3200400" indent="0">
+              <a:buNone/>
+              <a:defRPr sz="900"/>
+            </a:lvl8pPr>
+            <a:lvl9pPr marL="3657600" indent="0">
+              <a:buNone/>
+              <a:defRPr sz="900"/>
+            </a:lvl9pPr>
+          </a:lstStyle>
+          <a:p>
+            <a:pPr lvl="0"/>
+            <a:r>
+              <a:rPr lang="nl-NL" smtClean="0"/>
+              <a:t>Klik om de modelstijlen te bewerken</a:t>
+            </a:r>
+          </a:p>
+        </p:txBody>
+      </p:sp>
+      <p:cxnSp>
+        <p:nvCxnSpPr>
+          <p:cNvPr id="19" name="Straight Connector 18"/>
+          <p:cNvCxnSpPr/>
+          <p:nvPr/>
+        </p:nvCxnSpPr>
+        <p:spPr>
+          <a:xfrm>
+            <a:off x="2795334" y="2133600"/>
+            <a:ext cx="0" cy="3962400"/>
+          </a:xfrm>
+          <a:prstGeom prst="line">
+            <a:avLst/>
+          </a:prstGeom>
+          <a:ln w="12700" cmpd="sng">
+            <a:solidFill>
+              <a:schemeClr val="bg2">
+                <a:lumMod val="40000"/>
+                <a:lumOff val="60000"/>
+                <a:alpha val="40000"/>
+              </a:schemeClr>
+            </a:solidFill>
+          </a:ln>
+        </p:spPr>
+        <p:style>
+          <a:lnRef idx="2">
+            <a:schemeClr val="accent1"/>
+          </a:lnRef>
+          <a:fillRef idx="0">
+            <a:schemeClr val="accent1"/>
+          </a:fillRef>
+          <a:effectRef idx="1">
+            <a:schemeClr val="accent1"/>
+          </a:effectRef>
+          <a:fontRef idx="minor">
+            <a:schemeClr val="tx1"/>
+          </a:fontRef>
+        </p:style>
+      </p:cxnSp>
+      <p:cxnSp>
+        <p:nvCxnSpPr>
+          <p:cNvPr id="20" name="Straight Connector 19"/>
+          <p:cNvCxnSpPr/>
+          <p:nvPr/>
+        </p:nvCxnSpPr>
+        <p:spPr>
+          <a:xfrm>
+            <a:off x="5223030" y="2133600"/>
+            <a:ext cx="0" cy="3966882"/>
+          </a:xfrm>
+          <a:prstGeom prst="line">
+            <a:avLst/>
+          </a:prstGeom>
+          <a:ln w="12700" cmpd="sng">
+            <a:solidFill>
+              <a:schemeClr val="bg2">
+                <a:lumMod val="40000"/>
+                <a:lumOff val="60000"/>
+                <a:alpha val="40000"/>
+              </a:schemeClr>
+            </a:solidFill>
+          </a:ln>
+        </p:spPr>
+        <p:style>
+          <a:lnRef idx="2">
+            <a:schemeClr val="accent1"/>
+          </a:lnRef>
+          <a:fillRef idx="0">
+            <a:schemeClr val="accent1"/>
+          </a:fillRef>
+          <a:effectRef idx="1">
+            <a:schemeClr val="accent1"/>
+          </a:effectRef>
+          <a:fontRef idx="minor">
+            <a:schemeClr val="tx1"/>
+          </a:fontRef>
+        </p:style>
+      </p:cxnSp>
+      <p:sp>
+        <p:nvSpPr>
+          <p:cNvPr id="7" name="Date Placeholder 3"/>
           <p:cNvSpPr>
             <a:spLocks noGrp="1"/>
           </p:cNvSpPr>
@@ -3077,7 +3625,7 @@
             <a:fld id="{B61BEF0D-F0BB-DE4B-95CE-6DB70DBA9567}" type="datetimeFigureOut">
               <a:rPr lang="en-US" smtClean="0"/>
               <a:pPr/>
-              <a:t>2/25/2015</a:t>
+              <a:t>2/26/2015</a:t>
             </a:fld>
             <a:endParaRPr lang="en-US" dirty="0"/>
           </a:p>
@@ -3085,7 +3633,7 @@
       </p:sp>
       <p:sp>
         <p:nvSpPr>
-          <p:cNvPr id="5" name="Footer Placeholder 4"/>
+          <p:cNvPr id="4" name="Footer Placeholder 4"/>
           <p:cNvSpPr>
             <a:spLocks noGrp="1"/>
           </p:cNvSpPr>
@@ -3129,7 +3677,7 @@
     </p:spTree>
     <p:extLst>
       <p:ext uri="{BB962C8B-B14F-4D97-AF65-F5344CB8AC3E}">
-        <p14:creationId xmlns:p14="http://schemas.microsoft.com/office/powerpoint/2010/main" val="2267124572"/>
+        <p14:creationId xmlns:p14="http://schemas.microsoft.com/office/powerpoint/2010/main" val="3118503072"/>
       </p:ext>
     </p:extLst>
   </p:cSld>
@@ -3166,21 +3714,10 @@
             <p:ph type="title"/>
           </p:nvPr>
         </p:nvSpPr>
-        <p:spPr>
-          <a:xfrm>
-            <a:off x="533400" y="4495800"/>
-            <a:ext cx="6554867" cy="1524000"/>
-          </a:xfrm>
-        </p:spPr>
-        <p:txBody>
-          <a:bodyPr>
-            <a:normAutofit/>
-          </a:bodyPr>
-          <a:lstStyle>
-            <a:lvl1pPr algn="l">
-              <a:defRPr sz="2800"/>
-            </a:lvl1pPr>
-          </a:lstStyle>
+        <p:spPr/>
+        <p:txBody>
+          <a:bodyPr/>
+          <a:lstStyle/>
           <a:p>
             <a:r>
               <a:rPr lang="nl-NL" smtClean="0"/>
@@ -3200,14 +3737,9 @@
             <p:ph type="body" orient="vert" idx="1"/>
           </p:nvPr>
         </p:nvSpPr>
-        <p:spPr>
-          <a:xfrm>
-            <a:off x="533400" y="533401"/>
-            <a:ext cx="6554867" cy="3767670"/>
-          </a:xfrm>
-        </p:spPr>
-        <p:txBody>
-          <a:bodyPr vert="eaVert" anchor="t"/>
+        <p:spPr/>
+        <p:txBody>
+          <a:bodyPr vert="eaVert" anchor="t" anchorCtr="0"/>
           <a:lstStyle/>
           <a:p>
             <a:pPr lvl="0"/>
@@ -3265,7 +3797,7 @@
             <a:fld id="{B61BEF0D-F0BB-DE4B-95CE-6DB70DBA9567}" type="datetimeFigureOut">
               <a:rPr lang="en-US" smtClean="0"/>
               <a:pPr/>
-              <a:t>2/25/2015</a:t>
+              <a:t>2/26/2015</a:t>
             </a:fld>
             <a:endParaRPr lang="en-US" dirty="0"/>
           </a:p>
@@ -3317,7 +3849,7 @@
     </p:spTree>
     <p:extLst>
       <p:ext uri="{BB962C8B-B14F-4D97-AF65-F5344CB8AC3E}">
-        <p14:creationId xmlns:p14="http://schemas.microsoft.com/office/powerpoint/2010/main" val="110131329"/>
+        <p14:creationId xmlns:p14="http://schemas.microsoft.com/office/powerpoint/2010/main" val="196187730"/>
       </p:ext>
     </p:extLst>
   </p:cSld>
@@ -3356,19 +3888,13 @@
         </p:nvSpPr>
         <p:spPr>
           <a:xfrm>
-            <a:off x="6566406" y="533400"/>
-            <a:ext cx="2044194" cy="4419600"/>
+            <a:off x="6229782" y="430214"/>
+            <a:ext cx="1314793" cy="5826125"/>
           </a:xfrm>
         </p:spPr>
         <p:txBody>
-          <a:bodyPr vert="eaVert">
-            <a:normAutofit/>
-          </a:bodyPr>
-          <a:lstStyle>
-            <a:lvl1pPr>
-              <a:defRPr sz="2800"/>
-            </a:lvl1pPr>
-          </a:lstStyle>
+          <a:bodyPr vert="eaVert" anchor="b" anchorCtr="0"/>
+          <a:lstStyle/>
           <a:p>
             <a:r>
               <a:rPr lang="nl-NL" smtClean="0"/>
@@ -3390,12 +3916,12 @@
         </p:nvSpPr>
         <p:spPr>
           <a:xfrm>
-            <a:off x="533400" y="533400"/>
-            <a:ext cx="5850012" cy="5486400"/>
+            <a:off x="489475" y="773205"/>
+            <a:ext cx="5568812" cy="5483134"/>
           </a:xfrm>
         </p:spPr>
         <p:txBody>
-          <a:bodyPr vert="eaVert" anchor="t"/>
+          <a:bodyPr vert="eaVert"/>
           <a:lstStyle/>
           <a:p>
             <a:pPr lvl="0"/>
@@ -3453,7 +3979,7 @@
             <a:fld id="{B61BEF0D-F0BB-DE4B-95CE-6DB70DBA9567}" type="datetimeFigureOut">
               <a:rPr lang="en-US" smtClean="0"/>
               <a:pPr/>
-              <a:t>2/25/2015</a:t>
+              <a:t>2/26/2015</a:t>
             </a:fld>
             <a:endParaRPr lang="en-US" dirty="0"/>
           </a:p>
@@ -3505,7 +4031,7 @@
     </p:spTree>
     <p:extLst>
       <p:ext uri="{BB962C8B-B14F-4D97-AF65-F5344CB8AC3E}">
-        <p14:creationId xmlns:p14="http://schemas.microsoft.com/office/powerpoint/2010/main" val="212597826"/>
+        <p14:creationId xmlns:p14="http://schemas.microsoft.com/office/powerpoint/2010/main" val="597236338"/>
       </p:ext>
     </p:extLst>
   </p:cSld>
@@ -3542,12 +4068,7 @@
             <p:ph type="title"/>
           </p:nvPr>
         </p:nvSpPr>
-        <p:spPr>
-          <a:xfrm>
-            <a:off x="533400" y="4495800"/>
-            <a:ext cx="6554867" cy="1524000"/>
-          </a:xfrm>
-        </p:spPr>
+        <p:spPr/>
         <p:txBody>
           <a:bodyPr/>
           <a:lstStyle/>
@@ -3570,14 +4091,9 @@
             <p:ph idx="1"/>
           </p:nvPr>
         </p:nvSpPr>
-        <p:spPr>
-          <a:xfrm>
-            <a:off x="533400" y="533400"/>
-            <a:ext cx="6554867" cy="3767670"/>
-          </a:xfrm>
-        </p:spPr>
-        <p:txBody>
-          <a:bodyPr anchor="ctr"/>
+        <p:spPr/>
+        <p:txBody>
+          <a:bodyPr/>
           <a:lstStyle/>
           <a:p>
             <a:pPr lvl="0"/>
@@ -3619,7 +4135,7 @@
       </p:sp>
       <p:sp>
         <p:nvSpPr>
-          <p:cNvPr id="4" name="Date Placeholder 3"/>
+          <p:cNvPr id="7" name="Date Placeholder 3"/>
           <p:cNvSpPr>
             <a:spLocks noGrp="1"/>
           </p:cNvSpPr>
@@ -3635,7 +4151,7 @@
             <a:fld id="{B61BEF0D-F0BB-DE4B-95CE-6DB70DBA9567}" type="datetimeFigureOut">
               <a:rPr lang="en-US" smtClean="0"/>
               <a:pPr/>
-              <a:t>2/25/2015</a:t>
+              <a:t>2/26/2015</a:t>
             </a:fld>
             <a:endParaRPr lang="en-US" dirty="0"/>
           </a:p>
@@ -3687,7 +4203,7 @@
     </p:spTree>
     <p:extLst>
       <p:ext uri="{BB962C8B-B14F-4D97-AF65-F5344CB8AC3E}">
-        <p14:creationId xmlns:p14="http://schemas.microsoft.com/office/powerpoint/2010/main" val="2963672551"/>
+        <p14:creationId xmlns:p14="http://schemas.microsoft.com/office/powerpoint/2010/main" val="233676202"/>
       </p:ext>
     </p:extLst>
   </p:cSld>
@@ -3726,17 +4242,15 @@
         </p:nvSpPr>
         <p:spPr>
           <a:xfrm>
-            <a:off x="533400" y="1981199"/>
-            <a:ext cx="6402468" cy="2319867"/>
+            <a:off x="866443" y="2861734"/>
+            <a:ext cx="6620967" cy="1915647"/>
           </a:xfrm>
         </p:spPr>
         <p:txBody>
-          <a:bodyPr anchor="b">
-            <a:normAutofit/>
-          </a:bodyPr>
+          <a:bodyPr anchor="b"/>
           <a:lstStyle>
             <a:lvl1pPr algn="l">
-              <a:defRPr sz="3200" b="0" cap="all"/>
+              <a:defRPr sz="4000" b="0" cap="none"/>
             </a:lvl1pPr>
           </a:lstStyle>
           <a:p>
@@ -3760,21 +4274,20 @@
         </p:nvSpPr>
         <p:spPr>
           <a:xfrm>
-            <a:off x="533400" y="4487333"/>
-            <a:ext cx="6402467" cy="1532467"/>
+            <a:off x="866442" y="4777381"/>
+            <a:ext cx="6620968" cy="860400"/>
           </a:xfrm>
         </p:spPr>
         <p:txBody>
-          <a:bodyPr anchor="t">
-            <a:normAutofit/>
-          </a:bodyPr>
+          <a:bodyPr anchor="t"/>
           <a:lstStyle>
             <a:lvl1pPr marL="0" indent="0" algn="l">
               <a:buNone/>
-              <a:defRPr sz="1800">
+              <a:defRPr sz="2000" cap="all">
                 <a:solidFill>
                   <a:schemeClr val="bg2">
-                    <a:lumMod val="75000"/>
+                    <a:lumMod val="40000"/>
+                    <a:lumOff val="60000"/>
                   </a:schemeClr>
                 </a:solidFill>
               </a:defRPr>
@@ -3887,7 +4400,7 @@
             <a:fld id="{B61BEF0D-F0BB-DE4B-95CE-6DB70DBA9567}" type="datetimeFigureOut">
               <a:rPr lang="en-US" smtClean="0"/>
               <a:pPr/>
-              <a:t>2/25/2015</a:t>
+              <a:t>2/26/2015</a:t>
             </a:fld>
             <a:endParaRPr lang="en-US" dirty="0"/>
           </a:p>
@@ -3939,7 +4452,7 @@
     </p:spTree>
     <p:extLst>
       <p:ext uri="{BB962C8B-B14F-4D97-AF65-F5344CB8AC3E}">
-        <p14:creationId xmlns:p14="http://schemas.microsoft.com/office/powerpoint/2010/main" val="2773235676"/>
+        <p14:creationId xmlns:p14="http://schemas.microsoft.com/office/powerpoint/2010/main" val="1247178581"/>
       </p:ext>
     </p:extLst>
   </p:cSld>
@@ -3976,10 +4489,33 @@
             <p:ph type="title"/>
           </p:nvPr>
         </p:nvSpPr>
+        <p:spPr/>
+        <p:txBody>
+          <a:bodyPr/>
+          <a:lstStyle/>
+          <a:p>
+            <a:r>
+              <a:rPr lang="nl-NL" smtClean="0"/>
+              <a:t>Klik om de stijl te bewerken</a:t>
+            </a:r>
+            <a:endParaRPr lang="en-US" dirty="0"/>
+          </a:p>
+        </p:txBody>
+      </p:sp>
+      <p:sp>
+        <p:nvSpPr>
+          <p:cNvPr id="3" name="Content Placeholder 2"/>
+          <p:cNvSpPr>
+            <a:spLocks noGrp="1"/>
+          </p:cNvSpPr>
+          <p:nvPr>
+            <p:ph sz="half" idx="1"/>
+          </p:nvPr>
+        </p:nvSpPr>
         <p:spPr>
           <a:xfrm>
-            <a:off x="533400" y="4495800"/>
-            <a:ext cx="6554867" cy="1524000"/>
+            <a:off x="827700" y="2060576"/>
+            <a:ext cx="3298113" cy="4195763"/>
           </a:xfrm>
         </p:spPr>
         <p:txBody>
@@ -3988,13 +4524,66 @@
           </a:bodyPr>
           <a:lstStyle>
             <a:lvl1pPr>
-              <a:defRPr sz="3200"/>
+              <a:defRPr sz="1800"/>
             </a:lvl1pPr>
+            <a:lvl2pPr>
+              <a:defRPr sz="1600"/>
+            </a:lvl2pPr>
+            <a:lvl3pPr>
+              <a:defRPr sz="1400"/>
+            </a:lvl3pPr>
+            <a:lvl4pPr>
+              <a:defRPr sz="1200"/>
+            </a:lvl4pPr>
+            <a:lvl5pPr>
+              <a:defRPr sz="1200"/>
+            </a:lvl5pPr>
+            <a:lvl6pPr>
+              <a:defRPr sz="1200"/>
+            </a:lvl6pPr>
+            <a:lvl7pPr>
+              <a:defRPr sz="1200"/>
+            </a:lvl7pPr>
+            <a:lvl8pPr>
+              <a:defRPr sz="1200"/>
+            </a:lvl8pPr>
+            <a:lvl9pPr>
+              <a:defRPr sz="1200"/>
+            </a:lvl9pPr>
           </a:lstStyle>
           <a:p>
+            <a:pPr lvl="0"/>
             <a:r>
               <a:rPr lang="nl-NL" smtClean="0"/>
-              <a:t>Klik om de stijl te bewerken</a:t>
+              <a:t>Klik om de modelstijlen te bewerken</a:t>
+            </a:r>
+          </a:p>
+          <a:p>
+            <a:pPr lvl="1"/>
+            <a:r>
+              <a:rPr lang="nl-NL" smtClean="0"/>
+              <a:t>Tweede niveau</a:t>
+            </a:r>
+          </a:p>
+          <a:p>
+            <a:pPr lvl="2"/>
+            <a:r>
+              <a:rPr lang="nl-NL" smtClean="0"/>
+              <a:t>Derde niveau</a:t>
+            </a:r>
+          </a:p>
+          <a:p>
+            <a:pPr lvl="3"/>
+            <a:r>
+              <a:rPr lang="nl-NL" smtClean="0"/>
+              <a:t>Vierde niveau</a:t>
+            </a:r>
+          </a:p>
+          <a:p>
+            <a:pPr lvl="4"/>
+            <a:r>
+              <a:rPr lang="nl-NL" smtClean="0"/>
+              <a:t>Vijfde niveau</a:t>
             </a:r>
             <a:endParaRPr lang="en-US" dirty="0"/>
           </a:p>
@@ -4002,84 +4591,53 @@
       </p:sp>
       <p:sp>
         <p:nvSpPr>
-          <p:cNvPr id="11" name="Content Placeholder 3"/>
-          <p:cNvSpPr>
-            <a:spLocks noGrp="1"/>
-          </p:cNvSpPr>
-          <p:nvPr>
-            <p:ph sz="half" idx="13"/>
+          <p:cNvPr id="4" name="Content Placeholder 3"/>
+          <p:cNvSpPr>
+            <a:spLocks noGrp="1"/>
+          </p:cNvSpPr>
+          <p:nvPr>
+            <p:ph sz="half" idx="2"/>
           </p:nvPr>
         </p:nvSpPr>
         <p:spPr>
           <a:xfrm>
-            <a:off x="533400" y="533400"/>
-            <a:ext cx="3949967" cy="3767667"/>
+            <a:off x="4241975" y="2056093"/>
+            <a:ext cx="3298115" cy="4200245"/>
           </a:xfrm>
         </p:spPr>
         <p:txBody>
-          <a:bodyPr anchor="ctr">
+          <a:bodyPr>
             <a:normAutofit/>
           </a:bodyPr>
-          <a:lstStyle/>
-          <a:p>
-            <a:pPr lvl="0"/>
-            <a:r>
-              <a:rPr lang="nl-NL" smtClean="0"/>
-              <a:t>Klik om de modelstijlen te bewerken</a:t>
-            </a:r>
-          </a:p>
-          <a:p>
-            <a:pPr lvl="1"/>
-            <a:r>
-              <a:rPr lang="nl-NL" smtClean="0"/>
-              <a:t>Tweede niveau</a:t>
-            </a:r>
-          </a:p>
-          <a:p>
-            <a:pPr lvl="2"/>
-            <a:r>
-              <a:rPr lang="nl-NL" smtClean="0"/>
-              <a:t>Derde niveau</a:t>
-            </a:r>
-          </a:p>
-          <a:p>
-            <a:pPr lvl="3"/>
-            <a:r>
-              <a:rPr lang="nl-NL" smtClean="0"/>
-              <a:t>Vierde niveau</a:t>
-            </a:r>
-          </a:p>
-          <a:p>
-            <a:pPr lvl="4"/>
-            <a:r>
-              <a:rPr lang="nl-NL" smtClean="0"/>
-              <a:t>Vijfde niveau</a:t>
-            </a:r>
-            <a:endParaRPr lang="en-US" dirty="0"/>
-          </a:p>
-        </p:txBody>
-      </p:sp>
-      <p:sp>
-        <p:nvSpPr>
-          <p:cNvPr id="12" name="Content Placeholder 5"/>
-          <p:cNvSpPr>
-            <a:spLocks noGrp="1"/>
-          </p:cNvSpPr>
-          <p:nvPr>
-            <p:ph sz="quarter" idx="4"/>
-          </p:nvPr>
-        </p:nvSpPr>
-        <p:spPr>
-          <a:xfrm>
-            <a:off x="4662362" y="533400"/>
-            <a:ext cx="3948238" cy="3759200"/>
-          </a:xfrm>
-        </p:spPr>
-        <p:txBody>
-          <a:bodyPr anchor="ctr">
-            <a:normAutofit/>
-          </a:bodyPr>
-          <a:lstStyle/>
+          <a:lstStyle>
+            <a:lvl1pPr>
+              <a:defRPr sz="1800"/>
+            </a:lvl1pPr>
+            <a:lvl2pPr>
+              <a:defRPr sz="1600"/>
+            </a:lvl2pPr>
+            <a:lvl3pPr>
+              <a:defRPr sz="1400"/>
+            </a:lvl3pPr>
+            <a:lvl4pPr>
+              <a:defRPr sz="1200"/>
+            </a:lvl4pPr>
+            <a:lvl5pPr>
+              <a:defRPr sz="1200"/>
+            </a:lvl5pPr>
+            <a:lvl6pPr>
+              <a:defRPr sz="1200"/>
+            </a:lvl6pPr>
+            <a:lvl7pPr>
+              <a:defRPr sz="1200"/>
+            </a:lvl7pPr>
+            <a:lvl8pPr>
+              <a:defRPr sz="1200"/>
+            </a:lvl8pPr>
+            <a:lvl9pPr>
+              <a:defRPr sz="1200"/>
+            </a:lvl9pPr>
+          </a:lstStyle>
           <a:p>
             <a:pPr lvl="0"/>
             <a:r>
@@ -4136,7 +4694,7 @@
             <a:fld id="{B61BEF0D-F0BB-DE4B-95CE-6DB70DBA9567}" type="datetimeFigureOut">
               <a:rPr lang="en-US" smtClean="0"/>
               <a:pPr/>
-              <a:t>2/25/2015</a:t>
+              <a:t>2/26/2015</a:t>
             </a:fld>
             <a:endParaRPr lang="en-US" dirty="0"/>
           </a:p>
@@ -4188,7 +4746,7 @@
     </p:spTree>
     <p:extLst>
       <p:ext uri="{BB962C8B-B14F-4D97-AF65-F5344CB8AC3E}">
-        <p14:creationId xmlns:p14="http://schemas.microsoft.com/office/powerpoint/2010/main" val="488524622"/>
+        <p14:creationId xmlns:p14="http://schemas.microsoft.com/office/powerpoint/2010/main" val="1858592433"/>
       </p:ext>
     </p:extLst>
   </p:cSld>
@@ -4225,10 +4783,111 @@
             <p:ph type="title"/>
           </p:nvPr>
         </p:nvSpPr>
+        <p:spPr/>
+        <p:txBody>
+          <a:bodyPr/>
+          <a:lstStyle>
+            <a:lvl1pPr>
+              <a:defRPr/>
+            </a:lvl1pPr>
+          </a:lstStyle>
+          <a:p>
+            <a:r>
+              <a:rPr lang="nl-NL" smtClean="0"/>
+              <a:t>Klik om de stijl te bewerken</a:t>
+            </a:r>
+            <a:endParaRPr lang="en-US" dirty="0"/>
+          </a:p>
+        </p:txBody>
+      </p:sp>
+      <p:sp>
+        <p:nvSpPr>
+          <p:cNvPr id="3" name="Text Placeholder 2"/>
+          <p:cNvSpPr>
+            <a:spLocks noGrp="1"/>
+          </p:cNvSpPr>
+          <p:nvPr>
+            <p:ph type="body" idx="1"/>
+          </p:nvPr>
+        </p:nvSpPr>
         <p:spPr>
           <a:xfrm>
-            <a:off x="533400" y="4495800"/>
-            <a:ext cx="6554867" cy="1524000"/>
+            <a:off x="827700" y="1905000"/>
+            <a:ext cx="3298112" cy="576262"/>
+          </a:xfrm>
+        </p:spPr>
+        <p:txBody>
+          <a:bodyPr anchor="b">
+            <a:noAutofit/>
+          </a:bodyPr>
+          <a:lstStyle>
+            <a:lvl1pPr marL="0" indent="0">
+              <a:buNone/>
+              <a:defRPr sz="2400" b="0">
+                <a:solidFill>
+                  <a:schemeClr val="bg2">
+                    <a:lumMod val="40000"/>
+                    <a:lumOff val="60000"/>
+                  </a:schemeClr>
+                </a:solidFill>
+              </a:defRPr>
+            </a:lvl1pPr>
+            <a:lvl2pPr marL="457200" indent="0">
+              <a:buNone/>
+              <a:defRPr sz="2000" b="1"/>
+            </a:lvl2pPr>
+            <a:lvl3pPr marL="914400" indent="0">
+              <a:buNone/>
+              <a:defRPr sz="1800" b="1"/>
+            </a:lvl3pPr>
+            <a:lvl4pPr marL="1371600" indent="0">
+              <a:buNone/>
+              <a:defRPr sz="1600" b="1"/>
+            </a:lvl4pPr>
+            <a:lvl5pPr marL="1828800" indent="0">
+              <a:buNone/>
+              <a:defRPr sz="1600" b="1"/>
+            </a:lvl5pPr>
+            <a:lvl6pPr marL="2286000" indent="0">
+              <a:buNone/>
+              <a:defRPr sz="1600" b="1"/>
+            </a:lvl6pPr>
+            <a:lvl7pPr marL="2743200" indent="0">
+              <a:buNone/>
+              <a:defRPr sz="1600" b="1"/>
+            </a:lvl7pPr>
+            <a:lvl8pPr marL="3200400" indent="0">
+              <a:buNone/>
+              <a:defRPr sz="1600" b="1"/>
+            </a:lvl8pPr>
+            <a:lvl9pPr marL="3657600" indent="0">
+              <a:buNone/>
+              <a:defRPr sz="1600" b="1"/>
+            </a:lvl9pPr>
+          </a:lstStyle>
+          <a:p>
+            <a:pPr lvl="0"/>
+            <a:r>
+              <a:rPr lang="nl-NL" smtClean="0"/>
+              <a:t>Klik om de modelstijlen te bewerken</a:t>
+            </a:r>
+          </a:p>
+        </p:txBody>
+      </p:sp>
+      <p:sp>
+        <p:nvSpPr>
+          <p:cNvPr id="4" name="Content Placeholder 3"/>
+          <p:cNvSpPr>
+            <a:spLocks noGrp="1"/>
+          </p:cNvSpPr>
+          <p:nvPr>
+            <p:ph sz="half" idx="2"/>
+          </p:nvPr>
+        </p:nvSpPr>
+        <p:spPr>
+          <a:xfrm>
+            <a:off x="827700" y="2514600"/>
+            <a:ext cx="3298113" cy="3741738"/>
           </a:xfrm>
         </p:spPr>
         <p:txBody>
@@ -4237,13 +4896,66 @@
           </a:bodyPr>
           <a:lstStyle>
             <a:lvl1pPr>
-              <a:defRPr sz="3200"/>
+              <a:defRPr sz="1800"/>
             </a:lvl1pPr>
+            <a:lvl2pPr>
+              <a:defRPr sz="1600"/>
+            </a:lvl2pPr>
+            <a:lvl3pPr>
+              <a:defRPr sz="1400"/>
+            </a:lvl3pPr>
+            <a:lvl4pPr>
+              <a:defRPr sz="1200"/>
+            </a:lvl4pPr>
+            <a:lvl5pPr>
+              <a:defRPr sz="1200"/>
+            </a:lvl5pPr>
+            <a:lvl6pPr>
+              <a:defRPr sz="1200"/>
+            </a:lvl6pPr>
+            <a:lvl7pPr>
+              <a:defRPr sz="1200"/>
+            </a:lvl7pPr>
+            <a:lvl8pPr>
+              <a:defRPr sz="1200"/>
+            </a:lvl8pPr>
+            <a:lvl9pPr>
+              <a:defRPr sz="1200"/>
+            </a:lvl9pPr>
           </a:lstStyle>
           <a:p>
+            <a:pPr lvl="0"/>
             <a:r>
               <a:rPr lang="nl-NL" smtClean="0"/>
-              <a:t>Klik om de stijl te bewerken</a:t>
+              <a:t>Klik om de modelstijlen te bewerken</a:t>
+            </a:r>
+          </a:p>
+          <a:p>
+            <a:pPr lvl="1"/>
+            <a:r>
+              <a:rPr lang="nl-NL" smtClean="0"/>
+              <a:t>Tweede niveau</a:t>
+            </a:r>
+          </a:p>
+          <a:p>
+            <a:pPr lvl="2"/>
+            <a:r>
+              <a:rPr lang="nl-NL" smtClean="0"/>
+              <a:t>Derde niveau</a:t>
+            </a:r>
+          </a:p>
+          <a:p>
+            <a:pPr lvl="3"/>
+            <a:r>
+              <a:rPr lang="nl-NL" smtClean="0"/>
+              <a:t>Vierde niveau</a:t>
+            </a:r>
+          </a:p>
+          <a:p>
+            <a:pPr lvl="4"/>
+            <a:r>
+              <a:rPr lang="nl-NL" smtClean="0"/>
+              <a:t>Vijfde niveau</a:t>
             </a:r>
             <a:endParaRPr lang="en-US" dirty="0"/>
           </a:p>
@@ -4251,18 +4963,18 @@
       </p:sp>
       <p:sp>
         <p:nvSpPr>
-          <p:cNvPr id="3" name="Text Placeholder 2"/>
-          <p:cNvSpPr>
-            <a:spLocks noGrp="1"/>
-          </p:cNvSpPr>
-          <p:nvPr>
-            <p:ph type="body" idx="1"/>
+          <p:cNvPr id="5" name="Text Placeholder 4"/>
+          <p:cNvSpPr>
+            <a:spLocks noGrp="1"/>
+          </p:cNvSpPr>
+          <p:nvPr>
+            <p:ph type="body" sz="quarter" idx="3"/>
           </p:nvPr>
         </p:nvSpPr>
         <p:spPr>
           <a:xfrm>
-            <a:off x="762001" y="533400"/>
-            <a:ext cx="3716866" cy="609600"/>
+            <a:off x="4241976" y="1905000"/>
+            <a:ext cx="3298113" cy="576262"/>
           </a:xfrm>
         </p:spPr>
         <p:txBody>
@@ -4272,9 +4984,12 @@
           <a:lstStyle>
             <a:lvl1pPr marL="0" indent="0">
               <a:buNone/>
-              <a:defRPr sz="2400" b="0" cap="all">
+              <a:defRPr sz="2400" b="0">
                 <a:solidFill>
-                  <a:schemeClr val="tx1"/>
+                  <a:schemeClr val="bg2">
+                    <a:lumMod val="40000"/>
+                    <a:lumOff val="60000"/>
+                  </a:schemeClr>
                 </a:solidFill>
               </a:defRPr>
             </a:lvl1pPr>
@@ -4322,155 +5037,53 @@
       </p:sp>
       <p:sp>
         <p:nvSpPr>
-          <p:cNvPr id="4" name="Content Placeholder 3"/>
-          <p:cNvSpPr>
-            <a:spLocks noGrp="1"/>
-          </p:cNvSpPr>
-          <p:nvPr>
-            <p:ph sz="half" idx="2"/>
+          <p:cNvPr id="6" name="Content Placeholder 5"/>
+          <p:cNvSpPr>
+            <a:spLocks noGrp="1"/>
+          </p:cNvSpPr>
+          <p:nvPr>
+            <p:ph sz="quarter" idx="4"/>
           </p:nvPr>
         </p:nvSpPr>
         <p:spPr>
           <a:xfrm>
-            <a:off x="533399" y="1143000"/>
-            <a:ext cx="3945467" cy="3158067"/>
+            <a:off x="4241976" y="2514600"/>
+            <a:ext cx="3298113" cy="3741738"/>
           </a:xfrm>
         </p:spPr>
         <p:txBody>
-          <a:bodyPr anchor="t">
+          <a:bodyPr>
             <a:normAutofit/>
           </a:bodyPr>
-          <a:lstStyle/>
-          <a:p>
-            <a:pPr lvl="0"/>
-            <a:r>
-              <a:rPr lang="nl-NL" smtClean="0"/>
-              <a:t>Klik om de modelstijlen te bewerken</a:t>
-            </a:r>
-          </a:p>
-          <a:p>
-            <a:pPr lvl="1"/>
-            <a:r>
-              <a:rPr lang="nl-NL" smtClean="0"/>
-              <a:t>Tweede niveau</a:t>
-            </a:r>
-          </a:p>
-          <a:p>
-            <a:pPr lvl="2"/>
-            <a:r>
-              <a:rPr lang="nl-NL" smtClean="0"/>
-              <a:t>Derde niveau</a:t>
-            </a:r>
-          </a:p>
-          <a:p>
-            <a:pPr lvl="3"/>
-            <a:r>
-              <a:rPr lang="nl-NL" smtClean="0"/>
-              <a:t>Vierde niveau</a:t>
-            </a:r>
-          </a:p>
-          <a:p>
-            <a:pPr lvl="4"/>
-            <a:r>
-              <a:rPr lang="nl-NL" smtClean="0"/>
-              <a:t>Vijfde niveau</a:t>
-            </a:r>
-            <a:endParaRPr lang="en-US" dirty="0"/>
-          </a:p>
-        </p:txBody>
-      </p:sp>
-      <p:sp>
-        <p:nvSpPr>
-          <p:cNvPr id="5" name="Text Placeholder 4"/>
-          <p:cNvSpPr>
-            <a:spLocks noGrp="1"/>
-          </p:cNvSpPr>
-          <p:nvPr>
-            <p:ph type="body" sz="quarter" idx="3"/>
-          </p:nvPr>
-        </p:nvSpPr>
-        <p:spPr>
-          <a:xfrm>
-            <a:off x="4855016" y="566738"/>
-            <a:ext cx="3764051" cy="576262"/>
-          </a:xfrm>
-        </p:spPr>
-        <p:txBody>
-          <a:bodyPr anchor="b">
-            <a:noAutofit/>
-          </a:bodyPr>
           <a:lstStyle>
-            <a:lvl1pPr marL="0" indent="0">
-              <a:buNone/>
-              <a:defRPr sz="2400" b="0" cap="all">
-                <a:solidFill>
-                  <a:schemeClr val="tx1"/>
-                </a:solidFill>
-              </a:defRPr>
+            <a:lvl1pPr>
+              <a:defRPr sz="1800"/>
             </a:lvl1pPr>
-            <a:lvl2pPr marL="457200" indent="0">
-              <a:buNone/>
-              <a:defRPr sz="2000" b="1"/>
+            <a:lvl2pPr>
+              <a:defRPr sz="1600"/>
             </a:lvl2pPr>
-            <a:lvl3pPr marL="914400" indent="0">
-              <a:buNone/>
-              <a:defRPr sz="1800" b="1"/>
+            <a:lvl3pPr>
+              <a:defRPr sz="1400"/>
             </a:lvl3pPr>
-            <a:lvl4pPr marL="1371600" indent="0">
-              <a:buNone/>
-              <a:defRPr sz="1600" b="1"/>
+            <a:lvl4pPr>
+              <a:defRPr sz="1200"/>
             </a:lvl4pPr>
-            <a:lvl5pPr marL="1828800" indent="0">
-              <a:buNone/>
-              <a:defRPr sz="1600" b="1"/>
+            <a:lvl5pPr>
+              <a:defRPr sz="1200"/>
             </a:lvl5pPr>
-            <a:lvl6pPr marL="2286000" indent="0">
-              <a:buNone/>
-              <a:defRPr sz="1600" b="1"/>
+            <a:lvl6pPr>
+              <a:defRPr sz="1200"/>
             </a:lvl6pPr>
-            <a:lvl7pPr marL="2743200" indent="0">
-              <a:buNone/>
-              <a:defRPr sz="1600" b="1"/>
+            <a:lvl7pPr>
+              <a:defRPr sz="1200"/>
             </a:lvl7pPr>
-            <a:lvl8pPr marL="3200400" indent="0">
-              <a:buNone/>
-              <a:defRPr sz="1600" b="1"/>
+            <a:lvl8pPr>
+              <a:defRPr sz="1200"/>
             </a:lvl8pPr>
-            <a:lvl9pPr marL="3657600" indent="0">
-              <a:buNone/>
-              <a:defRPr sz="1600" b="1"/>
+            <a:lvl9pPr>
+              <a:defRPr sz="1200"/>
             </a:lvl9pPr>
           </a:lstStyle>
-          <a:p>
-            <a:pPr lvl="0"/>
-            <a:r>
-              <a:rPr lang="nl-NL" smtClean="0"/>
-              <a:t>Klik om de modelstijlen te bewerken</a:t>
-            </a:r>
-          </a:p>
-        </p:txBody>
-      </p:sp>
-      <p:sp>
-        <p:nvSpPr>
-          <p:cNvPr id="6" name="Content Placeholder 5"/>
-          <p:cNvSpPr>
-            <a:spLocks noGrp="1"/>
-          </p:cNvSpPr>
-          <p:nvPr>
-            <p:ph sz="quarter" idx="4"/>
-          </p:nvPr>
-        </p:nvSpPr>
-        <p:spPr>
-          <a:xfrm>
-            <a:off x="4662362" y="1143000"/>
-            <a:ext cx="3956705" cy="3149600"/>
-          </a:xfrm>
-        </p:spPr>
-        <p:txBody>
-          <a:bodyPr anchor="t">
-            <a:normAutofit/>
-          </a:bodyPr>
-          <a:lstStyle/>
           <a:p>
             <a:pPr lvl="0"/>
             <a:r>
@@ -4527,7 +5140,7 @@
             <a:fld id="{B61BEF0D-F0BB-DE4B-95CE-6DB70DBA9567}" type="datetimeFigureOut">
               <a:rPr lang="en-US" smtClean="0"/>
               <a:pPr/>
-              <a:t>2/25/2015</a:t>
+              <a:t>2/26/2015</a:t>
             </a:fld>
             <a:endParaRPr lang="en-US" dirty="0"/>
           </a:p>
@@ -4579,7 +5192,7 @@
     </p:spTree>
     <p:extLst>
       <p:ext uri="{BB962C8B-B14F-4D97-AF65-F5344CB8AC3E}">
-        <p14:creationId xmlns:p14="http://schemas.microsoft.com/office/powerpoint/2010/main" val="2273540747"/>
+        <p14:creationId xmlns:p14="http://schemas.microsoft.com/office/powerpoint/2010/main" val="327660570"/>
       </p:ext>
     </p:extLst>
   </p:cSld>
@@ -4616,21 +5229,10 @@
             <p:ph type="title"/>
           </p:nvPr>
         </p:nvSpPr>
-        <p:spPr>
-          <a:xfrm>
-            <a:off x="533400" y="4495800"/>
-            <a:ext cx="6554867" cy="1524000"/>
-          </a:xfrm>
-        </p:spPr>
-        <p:txBody>
-          <a:bodyPr>
-            <a:normAutofit/>
-          </a:bodyPr>
-          <a:lstStyle>
-            <a:lvl1pPr>
-              <a:defRPr sz="3200"/>
-            </a:lvl1pPr>
-          </a:lstStyle>
+        <p:spPr/>
+        <p:txBody>
+          <a:bodyPr/>
+          <a:lstStyle/>
           <a:p>
             <a:r>
               <a:rPr lang="nl-NL" smtClean="0"/>
@@ -4642,7 +5244,7 @@
       </p:sp>
       <p:sp>
         <p:nvSpPr>
-          <p:cNvPr id="3" name="Date Placeholder 2"/>
+          <p:cNvPr id="7" name="Date Placeholder 2"/>
           <p:cNvSpPr>
             <a:spLocks noGrp="1"/>
           </p:cNvSpPr>
@@ -4658,7 +5260,7 @@
             <a:fld id="{B61BEF0D-F0BB-DE4B-95CE-6DB70DBA9567}" type="datetimeFigureOut">
               <a:rPr lang="en-US" smtClean="0"/>
               <a:pPr/>
-              <a:t>2/25/2015</a:t>
+              <a:t>2/26/2015</a:t>
             </a:fld>
             <a:endParaRPr lang="en-US" dirty="0"/>
           </a:p>
@@ -4666,7 +5268,7 @@
       </p:sp>
       <p:sp>
         <p:nvSpPr>
-          <p:cNvPr id="4" name="Footer Placeholder 3"/>
+          <p:cNvPr id="5" name="Footer Placeholder 3"/>
           <p:cNvSpPr>
             <a:spLocks noGrp="1"/>
           </p:cNvSpPr>
@@ -4685,7 +5287,7 @@
       </p:sp>
       <p:sp>
         <p:nvSpPr>
-          <p:cNvPr id="5" name="Slide Number Placeholder 4"/>
+          <p:cNvPr id="6" name="Slide Number Placeholder 4"/>
           <p:cNvSpPr>
             <a:spLocks noGrp="1"/>
           </p:cNvSpPr>
@@ -4710,7 +5312,7 @@
     </p:spTree>
     <p:extLst>
       <p:ext uri="{BB962C8B-B14F-4D97-AF65-F5344CB8AC3E}">
-        <p14:creationId xmlns:p14="http://schemas.microsoft.com/office/powerpoint/2010/main" val="2408500651"/>
+        <p14:creationId xmlns:p14="http://schemas.microsoft.com/office/powerpoint/2010/main" val="3302015073"/>
       </p:ext>
     </p:extLst>
   </p:cSld>
@@ -4739,7 +5341,7 @@
       </p:grpSpPr>
       <p:sp>
         <p:nvSpPr>
-          <p:cNvPr id="2" name="Date Placeholder 1"/>
+          <p:cNvPr id="7" name="Date Placeholder 1"/>
           <p:cNvSpPr>
             <a:spLocks noGrp="1"/>
           </p:cNvSpPr>
@@ -4755,7 +5357,7 @@
             <a:fld id="{B61BEF0D-F0BB-DE4B-95CE-6DB70DBA9567}" type="datetimeFigureOut">
               <a:rPr lang="en-US" smtClean="0"/>
               <a:pPr/>
-              <a:t>2/25/2015</a:t>
+              <a:t>2/26/2015</a:t>
             </a:fld>
             <a:endParaRPr lang="en-US" dirty="0"/>
           </a:p>
@@ -4763,7 +5365,7 @@
       </p:sp>
       <p:sp>
         <p:nvSpPr>
-          <p:cNvPr id="3" name="Footer Placeholder 2"/>
+          <p:cNvPr id="5" name="Footer Placeholder 2"/>
           <p:cNvSpPr>
             <a:spLocks noGrp="1"/>
           </p:cNvSpPr>
@@ -4782,7 +5384,7 @@
       </p:sp>
       <p:sp>
         <p:nvSpPr>
-          <p:cNvPr id="4" name="Slide Number Placeholder 3"/>
+          <p:cNvPr id="6" name="Slide Number Placeholder 3"/>
           <p:cNvSpPr>
             <a:spLocks noGrp="1"/>
           </p:cNvSpPr>
@@ -4807,7 +5409,7 @@
     </p:spTree>
     <p:extLst>
       <p:ext uri="{BB962C8B-B14F-4D97-AF65-F5344CB8AC3E}">
-        <p14:creationId xmlns:p14="http://schemas.microsoft.com/office/powerpoint/2010/main" val="85588577"/>
+        <p14:creationId xmlns:p14="http://schemas.microsoft.com/office/powerpoint/2010/main" val="2824506966"/>
       </p:ext>
     </p:extLst>
   </p:cSld>
@@ -4846,23 +5448,108 @@
         </p:nvSpPr>
         <p:spPr>
           <a:xfrm>
-            <a:off x="5418667" y="533400"/>
-            <a:ext cx="3200400" cy="1524000"/>
+            <a:off x="866441" y="1447800"/>
+            <a:ext cx="2551462" cy="1447800"/>
           </a:xfrm>
         </p:spPr>
         <p:txBody>
-          <a:bodyPr anchor="b">
+          <a:bodyPr anchor="b"/>
+          <a:lstStyle>
+            <a:lvl1pPr algn="l">
+              <a:defRPr sz="2400" b="0"/>
+            </a:lvl1pPr>
+          </a:lstStyle>
+          <a:p>
+            <a:r>
+              <a:rPr lang="nl-NL" smtClean="0"/>
+              <a:t>Klik om de stijl te bewerken</a:t>
+            </a:r>
+            <a:endParaRPr lang="en-US" dirty="0"/>
+          </a:p>
+        </p:txBody>
+      </p:sp>
+      <p:sp>
+        <p:nvSpPr>
+          <p:cNvPr id="3" name="Content Placeholder 2"/>
+          <p:cNvSpPr>
+            <a:spLocks noGrp="1"/>
+          </p:cNvSpPr>
+          <p:nvPr>
+            <p:ph idx="1"/>
+          </p:nvPr>
+        </p:nvSpPr>
+        <p:spPr>
+          <a:xfrm>
+            <a:off x="3589397" y="1447800"/>
+            <a:ext cx="3898013" cy="4572000"/>
+          </a:xfrm>
+        </p:spPr>
+        <p:txBody>
+          <a:bodyPr anchor="ctr">
             <a:normAutofit/>
           </a:bodyPr>
           <a:lstStyle>
-            <a:lvl1pPr algn="l">
-              <a:defRPr sz="2000" b="0"/>
+            <a:lvl1pPr>
+              <a:defRPr sz="2000"/>
             </a:lvl1pPr>
+            <a:lvl2pPr>
+              <a:defRPr sz="1800"/>
+            </a:lvl2pPr>
+            <a:lvl3pPr>
+              <a:defRPr sz="1600"/>
+            </a:lvl3pPr>
+            <a:lvl4pPr>
+              <a:defRPr sz="1400"/>
+            </a:lvl4pPr>
+            <a:lvl5pPr>
+              <a:defRPr sz="1400"/>
+            </a:lvl5pPr>
+            <a:lvl6pPr>
+              <a:defRPr sz="1400"/>
+            </a:lvl6pPr>
+            <a:lvl7pPr>
+              <a:defRPr sz="1400"/>
+            </a:lvl7pPr>
+            <a:lvl8pPr>
+              <a:defRPr sz="1400"/>
+            </a:lvl8pPr>
+            <a:lvl9pPr>
+              <a:defRPr sz="1400"/>
+            </a:lvl9pPr>
           </a:lstStyle>
           <a:p>
+            <a:pPr lvl="0"/>
             <a:r>
               <a:rPr lang="nl-NL" smtClean="0"/>
-              <a:t>Klik om de stijl te bewerken</a:t>
+              <a:t>Klik om de modelstijlen te bewerken</a:t>
+            </a:r>
+          </a:p>
+          <a:p>
+            <a:pPr lvl="1"/>
+            <a:r>
+              <a:rPr lang="nl-NL" smtClean="0"/>
+              <a:t>Tweede niveau</a:t>
+            </a:r>
+          </a:p>
+          <a:p>
+            <a:pPr lvl="2"/>
+            <a:r>
+              <a:rPr lang="nl-NL" smtClean="0"/>
+              <a:t>Derde niveau</a:t>
+            </a:r>
+          </a:p>
+          <a:p>
+            <a:pPr lvl="3"/>
+            <a:r>
+              <a:rPr lang="nl-NL" smtClean="0"/>
+              <a:t>Vierde niveau</a:t>
+            </a:r>
+          </a:p>
+          <a:p>
+            <a:pPr lvl="4"/>
+            <a:r>
+              <a:rPr lang="nl-NL" smtClean="0"/>
+              <a:t>Vijfde niveau</a:t>
             </a:r>
             <a:endParaRPr lang="en-US" dirty="0"/>
           </a:p>
@@ -4870,87 +5557,26 @@
       </p:sp>
       <p:sp>
         <p:nvSpPr>
-          <p:cNvPr id="3" name="Content Placeholder 2"/>
-          <p:cNvSpPr>
-            <a:spLocks noGrp="1"/>
-          </p:cNvSpPr>
-          <p:nvPr>
-            <p:ph idx="1"/>
+          <p:cNvPr id="4" name="Text Placeholder 3"/>
+          <p:cNvSpPr>
+            <a:spLocks noGrp="1"/>
+          </p:cNvSpPr>
+          <p:nvPr>
+            <p:ph type="body" sz="half" idx="2"/>
           </p:nvPr>
         </p:nvSpPr>
         <p:spPr>
           <a:xfrm>
-            <a:off x="533399" y="533400"/>
-            <a:ext cx="4438755" cy="5486400"/>
+            <a:off x="866441" y="3129281"/>
+            <a:ext cx="2551462" cy="2895599"/>
           </a:xfrm>
         </p:spPr>
         <p:txBody>
-          <a:bodyPr anchor="ctr">
-            <a:normAutofit/>
-          </a:bodyPr>
-          <a:lstStyle/>
-          <a:p>
-            <a:pPr lvl="0"/>
-            <a:r>
-              <a:rPr lang="nl-NL" smtClean="0"/>
-              <a:t>Klik om de modelstijlen te bewerken</a:t>
-            </a:r>
-          </a:p>
-          <a:p>
-            <a:pPr lvl="1"/>
-            <a:r>
-              <a:rPr lang="nl-NL" smtClean="0"/>
-              <a:t>Tweede niveau</a:t>
-            </a:r>
-          </a:p>
-          <a:p>
-            <a:pPr lvl="2"/>
-            <a:r>
-              <a:rPr lang="nl-NL" smtClean="0"/>
-              <a:t>Derde niveau</a:t>
-            </a:r>
-          </a:p>
-          <a:p>
-            <a:pPr lvl="3"/>
-            <a:r>
-              <a:rPr lang="nl-NL" smtClean="0"/>
-              <a:t>Vierde niveau</a:t>
-            </a:r>
-          </a:p>
-          <a:p>
-            <a:pPr lvl="4"/>
-            <a:r>
-              <a:rPr lang="nl-NL" smtClean="0"/>
-              <a:t>Vijfde niveau</a:t>
-            </a:r>
-            <a:endParaRPr lang="en-US" dirty="0"/>
-          </a:p>
-        </p:txBody>
-      </p:sp>
-      <p:sp>
-        <p:nvSpPr>
-          <p:cNvPr id="4" name="Text Placeholder 3"/>
-          <p:cNvSpPr>
-            <a:spLocks noGrp="1"/>
-          </p:cNvSpPr>
-          <p:nvPr>
-            <p:ph type="body" sz="half" idx="2"/>
-          </p:nvPr>
-        </p:nvSpPr>
-        <p:spPr>
-          <a:xfrm>
-            <a:off x="5418667" y="2209802"/>
-            <a:ext cx="3200400" cy="2091267"/>
-          </a:xfrm>
-        </p:spPr>
-        <p:txBody>
-          <a:bodyPr anchor="t">
-            <a:normAutofit/>
-          </a:bodyPr>
+          <a:bodyPr/>
           <a:lstStyle>
             <a:lvl1pPr marL="0" indent="0">
               <a:buNone/>
-              <a:defRPr sz="1600"/>
+              <a:defRPr sz="1400"/>
             </a:lvl1pPr>
             <a:lvl2pPr marL="457200" indent="0">
               <a:buNone/>
@@ -4996,7 +5622,7 @@
       </p:sp>
       <p:sp>
         <p:nvSpPr>
-          <p:cNvPr id="5" name="Date Placeholder 4"/>
+          <p:cNvPr id="7" name="Date Placeholder 4"/>
           <p:cNvSpPr>
             <a:spLocks noGrp="1"/>
           </p:cNvSpPr>
@@ -5012,7 +5638,7 @@
             <a:fld id="{B61BEF0D-F0BB-DE4B-95CE-6DB70DBA9567}" type="datetimeFigureOut">
               <a:rPr lang="en-US" smtClean="0"/>
               <a:pPr/>
-              <a:t>2/25/2015</a:t>
+              <a:t>2/26/2015</a:t>
             </a:fld>
             <a:endParaRPr lang="en-US" dirty="0"/>
           </a:p>
@@ -5020,7 +5646,7 @@
       </p:sp>
       <p:sp>
         <p:nvSpPr>
-          <p:cNvPr id="6" name="Footer Placeholder 5"/>
+          <p:cNvPr id="5" name="Footer Placeholder 5"/>
           <p:cNvSpPr>
             <a:spLocks noGrp="1"/>
           </p:cNvSpPr>
@@ -5039,7 +5665,7 @@
       </p:sp>
       <p:sp>
         <p:nvSpPr>
-          <p:cNvPr id="7" name="Slide Number Placeholder 6"/>
+          <p:cNvPr id="6" name="Slide Number Placeholder 6"/>
           <p:cNvSpPr>
             <a:spLocks noGrp="1"/>
           </p:cNvSpPr>
@@ -5064,7 +5690,7 @@
     </p:spTree>
     <p:extLst>
       <p:ext uri="{BB962C8B-B14F-4D97-AF65-F5344CB8AC3E}">
-        <p14:creationId xmlns:p14="http://schemas.microsoft.com/office/powerpoint/2010/main" val="2198125525"/>
+        <p14:creationId xmlns:p14="http://schemas.microsoft.com/office/powerpoint/2010/main" val="3318488927"/>
       </p:ext>
     </p:extLst>
   </p:cSld>
@@ -5103,8 +5729,8 @@
         </p:nvSpPr>
         <p:spPr>
           <a:xfrm>
-            <a:off x="4495800" y="1447800"/>
-            <a:ext cx="3563258" cy="1143000"/>
+            <a:off x="865656" y="1854192"/>
+            <a:ext cx="3820674" cy="1574808"/>
           </a:xfrm>
         </p:spPr>
         <p:txBody>
@@ -5113,7 +5739,7 @@
           </a:bodyPr>
           <a:lstStyle>
             <a:lvl1pPr algn="l">
-              <a:defRPr sz="2400" b="0"/>
+              <a:defRPr sz="3600" b="0"/>
             </a:lvl1pPr>
           </a:lstStyle>
           <a:p>
@@ -5127,38 +5753,30 @@
       </p:sp>
       <p:sp>
         <p:nvSpPr>
-          <p:cNvPr id="17" name="Picture Placeholder 2"/>
+          <p:cNvPr id="3" name="Picture Placeholder 2"/>
           <p:cNvSpPr>
             <a:spLocks noGrp="1" noChangeAspect="1"/>
           </p:cNvSpPr>
           <p:nvPr>
-            <p:ph type="pic" idx="13"/>
+            <p:ph type="pic" idx="1"/>
           </p:nvPr>
         </p:nvSpPr>
         <p:spPr>
           <a:xfrm>
-            <a:off x="762000" y="914400"/>
-            <a:ext cx="3280974" cy="4800600"/>
+            <a:off x="5213517" y="1143000"/>
+            <a:ext cx="2400925" cy="4572000"/>
           </a:xfrm>
-          <a:prstGeom prst="snip2DiagRect">
+          <a:prstGeom prst="roundRect">
             <a:avLst>
-              <a:gd name="adj1" fmla="val 10815"/>
-              <a:gd name="adj2" fmla="val 0"/>
+              <a:gd name="adj" fmla="val 1858"/>
             </a:avLst>
           </a:prstGeom>
-          <a:ln w="15875">
-            <a:solidFill>
-              <a:schemeClr val="tx1">
-                <a:alpha val="40000"/>
-              </a:schemeClr>
-            </a:solidFill>
-          </a:ln>
           <a:effectLst>
-            <a:innerShdw blurRad="57150" dist="38100" dir="14460000">
+            <a:outerShdw blurRad="50800" dist="50800" dir="5400000" algn="tl" rotWithShape="0">
               <a:srgbClr val="000000">
-                <a:alpha val="70000"/>
+                <a:alpha val="43000"/>
               </a:srgbClr>
-            </a:innerShdw>
+            </a:outerShdw>
           </a:effectLst>
         </p:spPr>
         <p:txBody>
@@ -5224,18 +5842,18 @@
         </p:nvSpPr>
         <p:spPr>
           <a:xfrm>
-            <a:off x="4496027" y="2743200"/>
-            <a:ext cx="3564223" cy="2082800"/>
+            <a:off x="866441" y="3657600"/>
+            <a:ext cx="3814728" cy="1371600"/>
           </a:xfrm>
         </p:spPr>
         <p:txBody>
-          <a:bodyPr anchor="t">
+          <a:bodyPr>
             <a:normAutofit/>
           </a:bodyPr>
           <a:lstStyle>
             <a:lvl1pPr marL="0" indent="0">
               <a:buNone/>
-              <a:defRPr sz="1800"/>
+              <a:defRPr sz="1400"/>
             </a:lvl1pPr>
             <a:lvl2pPr marL="457200" indent="0">
               <a:buNone/>
@@ -5297,7 +5915,7 @@
             <a:fld id="{B61BEF0D-F0BB-DE4B-95CE-6DB70DBA9567}" type="datetimeFigureOut">
               <a:rPr lang="en-US" smtClean="0"/>
               <a:pPr/>
-              <a:t>2/25/2015</a:t>
+              <a:t>2/26/2015</a:t>
             </a:fld>
             <a:endParaRPr lang="en-US" dirty="0"/>
           </a:p>
@@ -5313,12 +5931,7 @@
             <p:ph type="ftr" sz="quarter" idx="11"/>
           </p:nvPr>
         </p:nvSpPr>
-        <p:spPr>
-          <a:xfrm>
-            <a:off x="533400" y="6172200"/>
-            <a:ext cx="5811724" cy="365125"/>
-          </a:xfrm>
-        </p:spPr>
+        <p:spPr/>
         <p:txBody>
           <a:bodyPr/>
           <a:lstStyle/>
@@ -5354,7 +5967,7 @@
     </p:spTree>
     <p:extLst>
       <p:ext uri="{BB962C8B-B14F-4D97-AF65-F5344CB8AC3E}">
-        <p14:creationId xmlns:p14="http://schemas.microsoft.com/office/powerpoint/2010/main" val="2763721314"/>
+        <p14:creationId xmlns:p14="http://schemas.microsoft.com/office/powerpoint/2010/main" val="108482805"/>
       </p:ext>
     </p:extLst>
   </p:cSld>
@@ -5368,7 +5981,7 @@
 <p:sldMaster xmlns:a="http://schemas.openxmlformats.org/drawingml/2006/main" xmlns:r="http://schemas.openxmlformats.org/officeDocument/2006/relationships" xmlns:p="http://schemas.openxmlformats.org/presentationml/2006/main">
   <p:cSld>
     <p:bg>
-      <p:bgRef idx="1002">
+      <p:bgRef idx="1003">
         <a:schemeClr val="bg2"/>
       </p:bgRef>
     </p:bg>
@@ -5386,287 +5999,385 @@
           <a:chExt cx="0" cy="0"/>
         </a:xfrm>
       </p:grpSpPr>
-      <p:grpSp>
-        <p:nvGrpSpPr>
-          <p:cNvPr id="7" name="Group 6"/>
-          <p:cNvGrpSpPr/>
+      <p:sp>
+        <p:nvSpPr>
+          <p:cNvPr id="22" name="Oval 21"/>
+          <p:cNvSpPr/>
           <p:nvPr/>
-        </p:nvGrpSpPr>
-        <p:grpSpPr>
-          <a:xfrm>
-            <a:off x="6670675" y="3894667"/>
-            <a:ext cx="2470456" cy="2658533"/>
-            <a:chOff x="6687077" y="3259666"/>
-            <a:chExt cx="2981857" cy="3208867"/>
-          </a:xfrm>
-        </p:grpSpPr>
-        <p:cxnSp>
-          <p:nvCxnSpPr>
-            <p:cNvPr id="8" name="Straight Connector 7"/>
-            <p:cNvCxnSpPr/>
-            <p:nvPr/>
-          </p:nvCxnSpPr>
-          <p:spPr>
-            <a:xfrm flipH="1">
-              <a:off x="8756120" y="3259666"/>
-              <a:ext cx="912814" cy="912812"/>
-            </a:xfrm>
-            <a:prstGeom prst="line">
-              <a:avLst/>
-            </a:prstGeom>
-            <a:ln w="9525">
-              <a:solidFill>
-                <a:schemeClr val="tx1"/>
-              </a:solidFill>
-            </a:ln>
-          </p:spPr>
-          <p:style>
-            <a:lnRef idx="2">
-              <a:schemeClr val="accent1"/>
-            </a:lnRef>
-            <a:fillRef idx="0">
-              <a:schemeClr val="accent1"/>
-            </a:fillRef>
-            <a:effectRef idx="1">
-              <a:schemeClr val="accent1"/>
-            </a:effectRef>
-            <a:fontRef idx="minor">
-              <a:schemeClr val="tx1"/>
-            </a:fontRef>
-          </p:style>
-        </p:cxnSp>
-        <p:cxnSp>
-          <p:nvCxnSpPr>
-            <p:cNvPr id="9" name="Straight Connector 8"/>
-            <p:cNvCxnSpPr/>
-            <p:nvPr/>
-          </p:nvCxnSpPr>
-          <p:spPr>
-            <a:xfrm flipH="1">
-              <a:off x="6687077" y="3486677"/>
-              <a:ext cx="2981857" cy="2981856"/>
-            </a:xfrm>
-            <a:prstGeom prst="line">
-              <a:avLst/>
-            </a:prstGeom>
-            <a:ln w="9525">
-              <a:solidFill>
-                <a:schemeClr val="tx1"/>
-              </a:solidFill>
-            </a:ln>
-          </p:spPr>
-          <p:style>
-            <a:lnRef idx="2">
-              <a:schemeClr val="accent1"/>
-            </a:lnRef>
-            <a:fillRef idx="0">
-              <a:schemeClr val="accent1"/>
-            </a:fillRef>
-            <a:effectRef idx="1">
-              <a:schemeClr val="accent1"/>
-            </a:effectRef>
-            <a:fontRef idx="minor">
-              <a:schemeClr val="tx1"/>
-            </a:fontRef>
-          </p:style>
-        </p:cxnSp>
-        <p:cxnSp>
-          <p:nvCxnSpPr>
-            <p:cNvPr id="10" name="Straight Connector 9"/>
-            <p:cNvCxnSpPr/>
-            <p:nvPr/>
-          </p:nvCxnSpPr>
-          <p:spPr>
-            <a:xfrm flipH="1">
-              <a:off x="7772400" y="3581400"/>
-              <a:ext cx="1896534" cy="1896533"/>
-            </a:xfrm>
-            <a:prstGeom prst="line">
-              <a:avLst/>
-            </a:prstGeom>
-            <a:ln w="9525">
-              <a:solidFill>
-                <a:schemeClr val="tx1"/>
-              </a:solidFill>
-            </a:ln>
-          </p:spPr>
-          <p:style>
-            <a:lnRef idx="2">
-              <a:schemeClr val="accent1"/>
-            </a:lnRef>
-            <a:fillRef idx="0">
-              <a:schemeClr val="accent1"/>
-            </a:fillRef>
-            <a:effectRef idx="1">
-              <a:schemeClr val="accent1"/>
-            </a:effectRef>
-            <a:fontRef idx="minor">
-              <a:schemeClr val="tx1"/>
-            </a:fontRef>
-          </p:style>
-        </p:cxnSp>
-        <p:cxnSp>
-          <p:nvCxnSpPr>
-            <p:cNvPr id="11" name="Straight Connector 10"/>
-            <p:cNvCxnSpPr/>
-            <p:nvPr/>
-          </p:nvCxnSpPr>
-          <p:spPr>
-            <a:xfrm flipH="1">
-              <a:off x="7923214" y="3433394"/>
-              <a:ext cx="1739738" cy="1739740"/>
-            </a:xfrm>
-            <a:prstGeom prst="line">
-              <a:avLst/>
-            </a:prstGeom>
-            <a:ln w="28575">
-              <a:solidFill>
-                <a:schemeClr val="tx1"/>
-              </a:solidFill>
-            </a:ln>
-          </p:spPr>
-          <p:style>
-            <a:lnRef idx="2">
-              <a:schemeClr val="accent1"/>
-            </a:lnRef>
-            <a:fillRef idx="0">
-              <a:schemeClr val="accent1"/>
-            </a:fillRef>
-            <a:effectRef idx="1">
-              <a:schemeClr val="accent1"/>
-            </a:effectRef>
-            <a:fontRef idx="minor">
-              <a:schemeClr val="tx1"/>
-            </a:fontRef>
-          </p:style>
-        </p:cxnSp>
-        <p:cxnSp>
-          <p:nvCxnSpPr>
-            <p:cNvPr id="12" name="Straight Connector 11"/>
-            <p:cNvCxnSpPr/>
-            <p:nvPr/>
-          </p:nvCxnSpPr>
-          <p:spPr>
-            <a:xfrm flipH="1">
-              <a:off x="8398935" y="3985317"/>
-              <a:ext cx="1264017" cy="1264016"/>
-            </a:xfrm>
-            <a:prstGeom prst="line">
-              <a:avLst/>
-            </a:prstGeom>
-            <a:ln w="28575">
-              <a:solidFill>
-                <a:schemeClr val="tx1"/>
-              </a:solidFill>
-            </a:ln>
-          </p:spPr>
-          <p:style>
-            <a:lnRef idx="2">
-              <a:schemeClr val="accent1"/>
-            </a:lnRef>
-            <a:fillRef idx="0">
-              <a:schemeClr val="accent1"/>
-            </a:fillRef>
-            <a:effectRef idx="1">
-              <a:schemeClr val="accent1"/>
-            </a:effectRef>
-            <a:fontRef idx="minor">
-              <a:schemeClr val="tx1"/>
-            </a:fontRef>
-          </p:style>
-        </p:cxnSp>
-      </p:grpSp>
-      <p:sp>
-        <p:nvSpPr>
-          <p:cNvPr id="2" name="Title Placeholder 1"/>
-          <p:cNvSpPr>
-            <a:spLocks noGrp="1"/>
-          </p:cNvSpPr>
-          <p:nvPr>
-            <p:ph type="title"/>
-          </p:nvPr>
         </p:nvSpPr>
         <p:spPr>
           <a:xfrm>
-            <a:off x="533400" y="4495800"/>
-            <a:ext cx="6554867" cy="1524000"/>
+            <a:off x="6299432" y="1676400"/>
+            <a:ext cx="2819400" cy="2819400"/>
+          </a:xfrm>
+          <a:prstGeom prst="ellipse">
+            <a:avLst/>
+          </a:prstGeom>
+          <a:gradFill flip="none" rotWithShape="1">
+            <a:gsLst>
+              <a:gs pos="0">
+                <a:schemeClr val="bg2">
+                  <a:lumMod val="60000"/>
+                  <a:lumOff val="40000"/>
+                  <a:alpha val="7000"/>
+                </a:schemeClr>
+              </a:gs>
+              <a:gs pos="69000">
+                <a:schemeClr val="bg2">
+                  <a:lumMod val="60000"/>
+                  <a:lumOff val="40000"/>
+                  <a:alpha val="0"/>
+                </a:schemeClr>
+              </a:gs>
+              <a:gs pos="36000">
+                <a:schemeClr val="bg2">
+                  <a:lumMod val="60000"/>
+                  <a:lumOff val="40000"/>
+                  <a:alpha val="6000"/>
+                </a:schemeClr>
+              </a:gs>
+            </a:gsLst>
+            <a:path path="circle">
+              <a:fillToRect l="50000" t="50000" r="50000" b="50000"/>
+            </a:path>
+            <a:tileRect/>
+          </a:gradFill>
+          <a:ln>
+            <a:noFill/>
+          </a:ln>
+          <a:effectLst/>
+        </p:spPr>
+        <p:style>
+          <a:lnRef idx="1">
+            <a:schemeClr val="accent1"/>
+          </a:lnRef>
+          <a:fillRef idx="3">
+            <a:schemeClr val="accent1"/>
+          </a:fillRef>
+          <a:effectRef idx="2">
+            <a:schemeClr val="accent1"/>
+          </a:effectRef>
+          <a:fontRef idx="minor">
+            <a:schemeClr val="lt1"/>
+          </a:fontRef>
+        </p:style>
+      </p:sp>
+      <p:sp>
+        <p:nvSpPr>
+          <p:cNvPr id="23" name="Oval 22"/>
+          <p:cNvSpPr/>
+          <p:nvPr/>
+        </p:nvSpPr>
+        <p:spPr>
+          <a:xfrm>
+            <a:off x="5689832" y="-457200"/>
+            <a:ext cx="1600200" cy="1600200"/>
+          </a:xfrm>
+          <a:prstGeom prst="ellipse">
+            <a:avLst/>
+          </a:prstGeom>
+          <a:gradFill flip="none" rotWithShape="1">
+            <a:gsLst>
+              <a:gs pos="0">
+                <a:schemeClr val="bg2">
+                  <a:lumMod val="60000"/>
+                  <a:lumOff val="40000"/>
+                  <a:alpha val="14000"/>
+                </a:schemeClr>
+              </a:gs>
+              <a:gs pos="73000">
+                <a:schemeClr val="bg2">
+                  <a:lumMod val="60000"/>
+                  <a:lumOff val="40000"/>
+                  <a:alpha val="0"/>
+                </a:schemeClr>
+              </a:gs>
+              <a:gs pos="36000">
+                <a:schemeClr val="bg2">
+                  <a:lumMod val="60000"/>
+                  <a:lumOff val="40000"/>
+                  <a:alpha val="7000"/>
+                </a:schemeClr>
+              </a:gs>
+            </a:gsLst>
+            <a:path path="circle">
+              <a:fillToRect l="50000" t="50000" r="50000" b="50000"/>
+            </a:path>
+            <a:tileRect/>
+          </a:gradFill>
+          <a:ln>
+            <a:noFill/>
+          </a:ln>
+          <a:effectLst/>
+        </p:spPr>
+        <p:style>
+          <a:lnRef idx="1">
+            <a:schemeClr val="accent1"/>
+          </a:lnRef>
+          <a:fillRef idx="3">
+            <a:schemeClr val="accent1"/>
+          </a:fillRef>
+          <a:effectRef idx="2">
+            <a:schemeClr val="accent1"/>
+          </a:effectRef>
+          <a:fontRef idx="minor">
+            <a:schemeClr val="lt1"/>
+          </a:fontRef>
+        </p:style>
+      </p:sp>
+      <p:sp>
+        <p:nvSpPr>
+          <p:cNvPr id="24" name="Oval 23"/>
+          <p:cNvSpPr/>
+          <p:nvPr/>
+        </p:nvSpPr>
+        <p:spPr>
+          <a:xfrm>
+            <a:off x="6299432" y="6096000"/>
+            <a:ext cx="990600" cy="990600"/>
+          </a:xfrm>
+          <a:prstGeom prst="ellipse">
+            <a:avLst/>
+          </a:prstGeom>
+          <a:gradFill flip="none" rotWithShape="1">
+            <a:gsLst>
+              <a:gs pos="0">
+                <a:schemeClr val="bg2">
+                  <a:lumMod val="60000"/>
+                  <a:lumOff val="40000"/>
+                  <a:alpha val="9000"/>
+                </a:schemeClr>
+              </a:gs>
+              <a:gs pos="66000">
+                <a:schemeClr val="bg2">
+                  <a:lumMod val="60000"/>
+                  <a:lumOff val="40000"/>
+                  <a:alpha val="0"/>
+                </a:schemeClr>
+              </a:gs>
+              <a:gs pos="36000">
+                <a:schemeClr val="bg2">
+                  <a:lumMod val="60000"/>
+                  <a:lumOff val="40000"/>
+                  <a:alpha val="5000"/>
+                </a:schemeClr>
+              </a:gs>
+            </a:gsLst>
+            <a:path path="circle">
+              <a:fillToRect l="50000" t="50000" r="50000" b="50000"/>
+            </a:path>
+            <a:tileRect/>
+          </a:gradFill>
+          <a:ln>
+            <a:noFill/>
+          </a:ln>
+          <a:effectLst/>
+        </p:spPr>
+        <p:style>
+          <a:lnRef idx="1">
+            <a:schemeClr val="accent1"/>
+          </a:lnRef>
+          <a:fillRef idx="3">
+            <a:schemeClr val="accent1"/>
+          </a:fillRef>
+          <a:effectRef idx="2">
+            <a:schemeClr val="accent1"/>
+          </a:effectRef>
+          <a:fontRef idx="minor">
+            <a:schemeClr val="lt1"/>
+          </a:fontRef>
+        </p:style>
+      </p:sp>
+      <p:sp>
+        <p:nvSpPr>
+          <p:cNvPr id="20" name="Oval 19"/>
+          <p:cNvSpPr/>
+          <p:nvPr/>
+        </p:nvSpPr>
+        <p:spPr>
+          <a:xfrm>
+            <a:off x="-153988" y="2667000"/>
+            <a:ext cx="4191000" cy="4191000"/>
+          </a:xfrm>
+          <a:prstGeom prst="ellipse">
+            <a:avLst/>
+          </a:prstGeom>
+          <a:gradFill flip="none" rotWithShape="1">
+            <a:gsLst>
+              <a:gs pos="0">
+                <a:schemeClr val="bg2">
+                  <a:lumMod val="60000"/>
+                  <a:lumOff val="40000"/>
+                  <a:alpha val="11000"/>
+                </a:schemeClr>
+              </a:gs>
+              <a:gs pos="75000">
+                <a:schemeClr val="bg2">
+                  <a:lumMod val="60000"/>
+                  <a:lumOff val="40000"/>
+                  <a:alpha val="0"/>
+                </a:schemeClr>
+              </a:gs>
+              <a:gs pos="36000">
+                <a:schemeClr val="bg2">
+                  <a:lumMod val="60000"/>
+                  <a:lumOff val="40000"/>
+                  <a:alpha val="10000"/>
+                </a:schemeClr>
+              </a:gs>
+            </a:gsLst>
+            <a:path path="circle">
+              <a:fillToRect l="50000" t="50000" r="50000" b="50000"/>
+            </a:path>
+            <a:tileRect/>
+          </a:gradFill>
+          <a:ln>
+            <a:noFill/>
+          </a:ln>
+          <a:effectLst/>
+        </p:spPr>
+        <p:style>
+          <a:lnRef idx="1">
+            <a:schemeClr val="accent1"/>
+          </a:lnRef>
+          <a:fillRef idx="3">
+            <a:schemeClr val="accent1"/>
+          </a:fillRef>
+          <a:effectRef idx="2">
+            <a:schemeClr val="accent1"/>
+          </a:effectRef>
+          <a:fontRef idx="minor">
+            <a:schemeClr val="lt1"/>
+          </a:fontRef>
+        </p:style>
+      </p:sp>
+      <p:sp>
+        <p:nvSpPr>
+          <p:cNvPr id="21" name="Oval 20"/>
+          <p:cNvSpPr/>
+          <p:nvPr/>
+        </p:nvSpPr>
+        <p:spPr>
+          <a:xfrm>
+            <a:off x="-839788" y="2895600"/>
+            <a:ext cx="2362200" cy="2362200"/>
+          </a:xfrm>
+          <a:prstGeom prst="ellipse">
+            <a:avLst/>
+          </a:prstGeom>
+          <a:gradFill flip="none" rotWithShape="1">
+            <a:gsLst>
+              <a:gs pos="0">
+                <a:schemeClr val="bg2">
+                  <a:lumMod val="60000"/>
+                  <a:lumOff val="40000"/>
+                  <a:alpha val="8000"/>
+                </a:schemeClr>
+              </a:gs>
+              <a:gs pos="72000">
+                <a:schemeClr val="bg2">
+                  <a:lumMod val="60000"/>
+                  <a:lumOff val="40000"/>
+                  <a:alpha val="0"/>
+                </a:schemeClr>
+              </a:gs>
+              <a:gs pos="36000">
+                <a:schemeClr val="bg2">
+                  <a:lumMod val="60000"/>
+                  <a:lumOff val="40000"/>
+                  <a:alpha val="8000"/>
+                </a:schemeClr>
+              </a:gs>
+            </a:gsLst>
+            <a:path path="circle">
+              <a:fillToRect l="50000" t="50000" r="50000" b="50000"/>
+            </a:path>
+            <a:tileRect/>
+          </a:gradFill>
+          <a:ln>
+            <a:noFill/>
+          </a:ln>
+          <a:effectLst/>
+        </p:spPr>
+        <p:style>
+          <a:lnRef idx="1">
+            <a:schemeClr val="accent1"/>
+          </a:lnRef>
+          <a:fillRef idx="3">
+            <a:schemeClr val="accent1"/>
+          </a:fillRef>
+          <a:effectRef idx="2">
+            <a:schemeClr val="accent1"/>
+          </a:effectRef>
+          <a:fontRef idx="minor">
+            <a:schemeClr val="lt1"/>
+          </a:fontRef>
+        </p:style>
+      </p:sp>
+      <p:sp>
+        <p:nvSpPr>
+          <p:cNvPr id="19" name="Rectangle 18"/>
+          <p:cNvSpPr/>
+          <p:nvPr/>
+        </p:nvSpPr>
+        <p:spPr>
+          <a:xfrm>
+            <a:off x="7745644" y="0"/>
+            <a:ext cx="685800" cy="1099458"/>
           </a:xfrm>
           <a:prstGeom prst="rect">
             <a:avLst/>
           </a:prstGeom>
-          <a:effectLst/>
+          <a:solidFill>
+            <a:schemeClr val="accent1"/>
+          </a:solidFill>
+          <a:ln>
+            <a:noFill/>
+          </a:ln>
         </p:spPr>
-        <p:txBody>
-          <a:bodyPr vert="horz" lIns="91440" tIns="45720" rIns="91440" bIns="45720" rtlCol="0" anchor="ctr">
-            <a:normAutofit/>
-          </a:bodyPr>
-          <a:lstStyle/>
-          <a:p>
-            <a:r>
-              <a:rPr lang="nl-NL" smtClean="0"/>
-              <a:t>Klik om de stijl te bewerken</a:t>
-            </a:r>
-            <a:endParaRPr lang="en-US" dirty="0"/>
-          </a:p>
-        </p:txBody>
-      </p:sp>
-      <p:sp>
-        <p:nvSpPr>
-          <p:cNvPr id="3" name="Text Placeholder 2"/>
-          <p:cNvSpPr>
-            <a:spLocks noGrp="1"/>
-          </p:cNvSpPr>
-          <p:nvPr>
-            <p:ph type="body" idx="1"/>
+        <p:style>
+          <a:lnRef idx="1">
+            <a:schemeClr val="accent1"/>
+          </a:lnRef>
+          <a:fillRef idx="3">
+            <a:schemeClr val="accent1"/>
+          </a:fillRef>
+          <a:effectRef idx="2">
+            <a:schemeClr val="accent1"/>
+          </a:effectRef>
+          <a:fontRef idx="minor">
+            <a:schemeClr val="lt1"/>
+          </a:fontRef>
+        </p:style>
+      </p:sp>
+      <p:sp>
+        <p:nvSpPr>
+          <p:cNvPr id="2" name="Title Placeholder 1"/>
+          <p:cNvSpPr>
+            <a:spLocks noGrp="1"/>
+          </p:cNvSpPr>
+          <p:nvPr>
+            <p:ph type="title"/>
           </p:nvPr>
         </p:nvSpPr>
         <p:spPr>
           <a:xfrm>
-            <a:off x="533400" y="533401"/>
-            <a:ext cx="6554867" cy="3767670"/>
+            <a:off x="484710" y="452718"/>
+            <a:ext cx="7055380" cy="1400530"/>
           </a:xfrm>
           <a:prstGeom prst="rect">
             <a:avLst/>
           </a:prstGeom>
         </p:spPr>
         <p:txBody>
-          <a:bodyPr vert="horz" lIns="91440" tIns="45720" rIns="91440" bIns="45720" rtlCol="0" anchor="ctr">
-            <a:normAutofit/>
+          <a:bodyPr vert="horz" lIns="91440" tIns="45720" rIns="91440" bIns="45720" rtlCol="0" anchor="t">
+            <a:noAutofit/>
           </a:bodyPr>
           <a:lstStyle/>
           <a:p>
-            <a:pPr lvl="0"/>
             <a:r>
               <a:rPr lang="nl-NL" smtClean="0"/>
-              <a:t>Klik om de modelstijlen te bewerken</a:t>
-            </a:r>
-          </a:p>
-          <a:p>
-            <a:pPr lvl="1"/>
-            <a:r>
-              <a:rPr lang="nl-NL" smtClean="0"/>
-              <a:t>Tweede niveau</a:t>
-            </a:r>
-          </a:p>
-          <a:p>
-            <a:pPr lvl="2"/>
-            <a:r>
-              <a:rPr lang="nl-NL" smtClean="0"/>
-              <a:t>Derde niveau</a:t>
-            </a:r>
-          </a:p>
-          <a:p>
-            <a:pPr lvl="3"/>
-            <a:r>
-              <a:rPr lang="nl-NL" smtClean="0"/>
-              <a:t>Vierde niveau</a:t>
-            </a:r>
-          </a:p>
-          <a:p>
-            <a:pPr lvl="4"/>
-            <a:r>
-              <a:rPr lang="nl-NL" smtClean="0"/>
-              <a:t>Vijfde niveau</a:t>
+              <a:t>Klik om de stijl te bewerken</a:t>
             </a:r>
             <a:endParaRPr lang="en-US" dirty="0"/>
           </a:p>
@@ -5674,62 +6385,80 @@
       </p:sp>
       <p:sp>
         <p:nvSpPr>
-          <p:cNvPr id="4" name="Date Placeholder 3"/>
-          <p:cNvSpPr>
-            <a:spLocks noGrp="1"/>
-          </p:cNvSpPr>
-          <p:nvPr>
-            <p:ph type="dt" sz="half" idx="2"/>
+          <p:cNvPr id="3" name="Text Placeholder 2"/>
+          <p:cNvSpPr>
+            <a:spLocks noGrp="1"/>
+          </p:cNvSpPr>
+          <p:nvPr>
+            <p:ph type="body" idx="1"/>
           </p:nvPr>
         </p:nvSpPr>
         <p:spPr>
           <a:xfrm>
-            <a:off x="7430245" y="6172203"/>
-            <a:ext cx="1200463" cy="365125"/>
+            <a:off x="827700" y="2052925"/>
+            <a:ext cx="6711654" cy="4195481"/>
           </a:xfrm>
           <a:prstGeom prst="rect">
             <a:avLst/>
           </a:prstGeom>
         </p:spPr>
         <p:txBody>
-          <a:bodyPr vert="horz" lIns="91440" tIns="45720" rIns="91440" bIns="45720" rtlCol="0" anchor="t"/>
-          <a:lstStyle>
-            <a:lvl1pPr algn="r">
-              <a:defRPr sz="1000" b="0" i="0">
-                <a:solidFill>
-                  <a:schemeClr val="bg2">
-                    <a:lumMod val="50000"/>
-                  </a:schemeClr>
-                </a:solidFill>
-                <a:effectLst/>
-                <a:latin typeface="+mn-lt"/>
-              </a:defRPr>
-            </a:lvl1pPr>
-          </a:lstStyle>
-          <a:p>
-            <a:fld id="{B61BEF0D-F0BB-DE4B-95CE-6DB70DBA9567}" type="datetimeFigureOut">
-              <a:rPr lang="en-US" smtClean="0"/>
-              <a:pPr/>
-              <a:t>2/25/2015</a:t>
-            </a:fld>
+          <a:bodyPr vert="horz" lIns="91440" tIns="45720" rIns="91440" bIns="45720" rtlCol="0">
+            <a:normAutofit/>
+          </a:bodyPr>
+          <a:lstStyle/>
+          <a:p>
+            <a:pPr lvl="0"/>
+            <a:r>
+              <a:rPr lang="nl-NL" smtClean="0"/>
+              <a:t>Klik om de modelstijlen te bewerken</a:t>
+            </a:r>
+          </a:p>
+          <a:p>
+            <a:pPr lvl="1"/>
+            <a:r>
+              <a:rPr lang="nl-NL" smtClean="0"/>
+              <a:t>Tweede niveau</a:t>
+            </a:r>
+          </a:p>
+          <a:p>
+            <a:pPr lvl="2"/>
+            <a:r>
+              <a:rPr lang="nl-NL" smtClean="0"/>
+              <a:t>Derde niveau</a:t>
+            </a:r>
+          </a:p>
+          <a:p>
+            <a:pPr lvl="3"/>
+            <a:r>
+              <a:rPr lang="nl-NL" smtClean="0"/>
+              <a:t>Vierde niveau</a:t>
+            </a:r>
+          </a:p>
+          <a:p>
+            <a:pPr lvl="4"/>
+            <a:r>
+              <a:rPr lang="nl-NL" smtClean="0"/>
+              <a:t>Vijfde niveau</a:t>
+            </a:r>
             <a:endParaRPr lang="en-US" dirty="0"/>
           </a:p>
         </p:txBody>
       </p:sp>
       <p:sp>
         <p:nvSpPr>
-          <p:cNvPr id="5" name="Footer Placeholder 4"/>
-          <p:cNvSpPr>
-            <a:spLocks noGrp="1"/>
-          </p:cNvSpPr>
-          <p:nvPr>
-            <p:ph type="ftr" sz="quarter" idx="3"/>
+          <p:cNvPr id="4" name="Date Placeholder 3"/>
+          <p:cNvSpPr>
+            <a:spLocks noGrp="1"/>
+          </p:cNvSpPr>
+          <p:nvPr>
+            <p:ph type="dt" sz="half" idx="2"/>
           </p:nvPr>
         </p:nvSpPr>
         <p:spPr>
-          <a:xfrm>
-            <a:off x="533400" y="6172200"/>
-            <a:ext cx="5811724" cy="365125"/>
+          <a:xfrm rot="5400000">
+            <a:off x="7494989" y="1828771"/>
+            <a:ext cx="990599" cy="228659"/>
           </a:xfrm>
           <a:prstGeom prst="rect">
             <a:avLst/>
@@ -5739,36 +6468,40 @@
           <a:bodyPr vert="horz" lIns="91440" tIns="45720" rIns="91440" bIns="45720" rtlCol="0" anchor="t"/>
           <a:lstStyle>
             <a:lvl1pPr algn="l">
-              <a:defRPr sz="1000" b="0" i="0">
+              <a:defRPr sz="1100" b="0" i="0">
                 <a:solidFill>
-                  <a:schemeClr val="bg2">
-                    <a:lumMod val="50000"/>
+                  <a:schemeClr val="tx1">
+                    <a:tint val="75000"/>
+                    <a:alpha val="60000"/>
                   </a:schemeClr>
                 </a:solidFill>
-                <a:effectLst/>
-                <a:latin typeface="+mn-lt"/>
               </a:defRPr>
             </a:lvl1pPr>
           </a:lstStyle>
           <a:p>
+            <a:fld id="{B61BEF0D-F0BB-DE4B-95CE-6DB70DBA9567}" type="datetimeFigureOut">
+              <a:rPr lang="en-US" smtClean="0"/>
+              <a:pPr/>
+              <a:t>2/26/2015</a:t>
+            </a:fld>
             <a:endParaRPr lang="en-US" dirty="0"/>
           </a:p>
         </p:txBody>
       </p:sp>
       <p:sp>
         <p:nvSpPr>
-          <p:cNvPr id="6" name="Slide Number Placeholder 5"/>
-          <p:cNvSpPr>
-            <a:spLocks noGrp="1"/>
-          </p:cNvSpPr>
-          <p:nvPr>
-            <p:ph type="sldNum" sz="quarter" idx="4"/>
+          <p:cNvPr id="5" name="Footer Placeholder 4"/>
+          <p:cNvSpPr>
+            <a:spLocks noGrp="1"/>
+          </p:cNvSpPr>
+          <p:nvPr>
+            <p:ph type="ftr" sz="quarter" idx="3"/>
           </p:nvPr>
         </p:nvSpPr>
         <p:spPr>
-          <a:xfrm>
-            <a:off x="7774426" y="5578478"/>
-            <a:ext cx="856907" cy="669925"/>
+          <a:xfrm rot="5400000">
+            <a:off x="6233335" y="3263371"/>
+            <a:ext cx="3859795" cy="228660"/>
           </a:xfrm>
           <a:prstGeom prst="rect">
             <a:avLst/>
@@ -5777,15 +6510,51 @@
         <p:txBody>
           <a:bodyPr vert="horz" lIns="91440" tIns="45720" rIns="91440" bIns="45720" rtlCol="0" anchor="b"/>
           <a:lstStyle>
-            <a:lvl1pPr algn="r">
-              <a:defRPr sz="2800" b="0" i="0">
+            <a:lvl1pPr algn="l">
+              <a:defRPr sz="1100" b="0" i="0">
                 <a:solidFill>
-                  <a:schemeClr val="bg2">
-                    <a:lumMod val="50000"/>
+                  <a:schemeClr val="tx1">
+                    <a:tint val="75000"/>
+                    <a:alpha val="60000"/>
                   </a:schemeClr>
                 </a:solidFill>
-                <a:effectLst/>
-                <a:latin typeface="+mn-lt"/>
+              </a:defRPr>
+            </a:lvl1pPr>
+          </a:lstStyle>
+          <a:p>
+            <a:endParaRPr lang="en-US" dirty="0"/>
+          </a:p>
+        </p:txBody>
+      </p:sp>
+      <p:sp>
+        <p:nvSpPr>
+          <p:cNvPr id="6" name="Slide Number Placeholder 5"/>
+          <p:cNvSpPr>
+            <a:spLocks noGrp="1"/>
+          </p:cNvSpPr>
+          <p:nvPr>
+            <p:ph type="sldNum" sz="quarter" idx="4"/>
+          </p:nvPr>
+        </p:nvSpPr>
+        <p:spPr bwMode="gray">
+          <a:xfrm>
+            <a:off x="7766431" y="295736"/>
+            <a:ext cx="628813" cy="767687"/>
+          </a:xfrm>
+          <a:prstGeom prst="rect">
+            <a:avLst/>
+          </a:prstGeom>
+        </p:spPr>
+        <p:txBody>
+          <a:bodyPr vert="horz" lIns="91440" tIns="45720" rIns="91440" bIns="45720" rtlCol="0" anchor="b"/>
+          <a:lstStyle>
+            <a:lvl1pPr algn="ctr">
+              <a:defRPr sz="2801" b="0" i="0">
+                <a:solidFill>
+                  <a:schemeClr val="tx1">
+                    <a:tint val="75000"/>
+                  </a:schemeClr>
+                </a:solidFill>
               </a:defRPr>
             </a:lvl1pPr>
           </a:lstStyle>
@@ -5802,45 +6571,41 @@
     </p:spTree>
     <p:extLst>
       <p:ext uri="{BB962C8B-B14F-4D97-AF65-F5344CB8AC3E}">
-        <p14:creationId xmlns:p14="http://schemas.microsoft.com/office/powerpoint/2010/main" val="2490890857"/>
+        <p14:creationId xmlns:p14="http://schemas.microsoft.com/office/powerpoint/2010/main" val="1168759852"/>
       </p:ext>
     </p:extLst>
   </p:cSld>
   <p:clrMap bg1="dk1" tx1="lt1" bg2="dk2" tx2="lt2" accent1="accent1" accent2="accent2" accent3="accent3" accent4="accent4" accent5="accent5" accent6="accent6" hlink="hlink" folHlink="folHlink"/>
   <p:sldLayoutIdLst>
-    <p:sldLayoutId id="2147483670" r:id="rId1"/>
-    <p:sldLayoutId id="2147483671" r:id="rId2"/>
-    <p:sldLayoutId id="2147483672" r:id="rId3"/>
-    <p:sldLayoutId id="2147483673" r:id="rId4"/>
-    <p:sldLayoutId id="2147483674" r:id="rId5"/>
-    <p:sldLayoutId id="2147483675" r:id="rId6"/>
-    <p:sldLayoutId id="2147483676" r:id="rId7"/>
-    <p:sldLayoutId id="2147483677" r:id="rId8"/>
-    <p:sldLayoutId id="2147483678" r:id="rId9"/>
-    <p:sldLayoutId id="2147483679" r:id="rId10"/>
-    <p:sldLayoutId id="2147483680" r:id="rId11"/>
-    <p:sldLayoutId id="2147483681" r:id="rId12"/>
-    <p:sldLayoutId id="2147483682" r:id="rId13"/>
-    <p:sldLayoutId id="2147483683" r:id="rId14"/>
-    <p:sldLayoutId id="2147483684" r:id="rId15"/>
-    <p:sldLayoutId id="2147483685" r:id="rId16"/>
-    <p:sldLayoutId id="2147483686" r:id="rId17"/>
+    <p:sldLayoutId id="2147483688" r:id="rId1"/>
+    <p:sldLayoutId id="2147483689" r:id="rId2"/>
+    <p:sldLayoutId id="2147483690" r:id="rId3"/>
+    <p:sldLayoutId id="2147483691" r:id="rId4"/>
+    <p:sldLayoutId id="2147483692" r:id="rId5"/>
+    <p:sldLayoutId id="2147483693" r:id="rId6"/>
+    <p:sldLayoutId id="2147483694" r:id="rId7"/>
+    <p:sldLayoutId id="2147483695" r:id="rId8"/>
+    <p:sldLayoutId id="2147483696" r:id="rId9"/>
+    <p:sldLayoutId id="2147483697" r:id="rId10"/>
+    <p:sldLayoutId id="2147483698" r:id="rId11"/>
+    <p:sldLayoutId id="2147483699" r:id="rId12"/>
+    <p:sldLayoutId id="2147483700" r:id="rId13"/>
+    <p:sldLayoutId id="2147483701" r:id="rId14"/>
+    <p:sldLayoutId id="2147483702" r:id="rId15"/>
+    <p:sldLayoutId id="2147483703" r:id="rId16"/>
+    <p:sldLayoutId id="2147483704" r:id="rId17"/>
   </p:sldLayoutIdLst>
   <p:txStyles>
     <p:titleStyle>
-      <a:lvl1pPr algn="l" defTabSz="457200" rtl="0" eaLnBrk="1" latinLnBrk="0" hangingPunct="1">
+      <a:lvl1pPr algn="l" defTabSz="457207" rtl="0" eaLnBrk="1" latinLnBrk="0" hangingPunct="1">
         <a:spcBef>
           <a:spcPct val="0"/>
         </a:spcBef>
         <a:buNone/>
-        <a:defRPr sz="3200" kern="1200" cap="all">
-          <a:ln w="3175" cmpd="sng">
-            <a:noFill/>
-          </a:ln>
+        <a:defRPr sz="4200" b="0" i="0" kern="1200">
           <a:solidFill>
-            <a:schemeClr val="tx1"/>
+            <a:schemeClr val="tx2"/>
           </a:solidFill>
-          <a:effectLst/>
           <a:latin typeface="+mj-lt"/>
           <a:ea typeface="+mj-ea"/>
           <a:cs typeface="+mj-cs"/>
@@ -5904,229 +6669,229 @@
       </a:lvl9pPr>
     </p:titleStyle>
     <p:bodyStyle>
-      <a:lvl1pPr marL="285750" indent="-285750" algn="l" defTabSz="457200" rtl="0" eaLnBrk="1" latinLnBrk="0" hangingPunct="1">
+      <a:lvl1pPr marL="342906" indent="-342906" algn="l" defTabSz="457207" rtl="0" eaLnBrk="1" latinLnBrk="0" hangingPunct="1">
         <a:spcBef>
-          <a:spcPct val="20000"/>
+          <a:spcPts val="1000"/>
         </a:spcBef>
         <a:spcAft>
-          <a:spcPts val="600"/>
+          <a:spcPts val="0"/>
         </a:spcAft>
         <a:buClr>
-          <a:schemeClr val="tx1"/>
+          <a:schemeClr val="bg2">
+            <a:lumMod val="40000"/>
+            <a:lumOff val="60000"/>
+          </a:schemeClr>
         </a:buClr>
         <a:buSzPct val="80000"/>
-        <a:buFont typeface="Wingdings 3" panose="05040102010807070707" pitchFamily="18" charset="2"/>
-        <a:buChar char=""/>
-        <a:defRPr sz="2000" kern="1200" cap="none">
+        <a:buFont typeface="Wingdings 3" charset="2"/>
+        <a:buChar char=""/>
+        <a:defRPr sz="2000" b="0" i="0" kern="1200">
           <a:solidFill>
-            <a:schemeClr val="bg2">
-              <a:lumMod val="75000"/>
-            </a:schemeClr>
+            <a:schemeClr val="tx1"/>
           </a:solidFill>
-          <a:effectLst/>
-          <a:latin typeface="+mn-lt"/>
-          <a:ea typeface="+mn-ea"/>
-          <a:cs typeface="+mn-cs"/>
+          <a:latin typeface="+mj-lt"/>
+          <a:ea typeface="+mj-ea"/>
+          <a:cs typeface="+mj-cs"/>
         </a:defRPr>
       </a:lvl1pPr>
-      <a:lvl2pPr marL="742950" indent="-285750" algn="l" defTabSz="457200" rtl="0" eaLnBrk="1" latinLnBrk="0" hangingPunct="1">
+      <a:lvl2pPr marL="742962" indent="-285755" algn="l" defTabSz="457207" rtl="0" eaLnBrk="1" latinLnBrk="0" hangingPunct="1">
         <a:spcBef>
-          <a:spcPct val="20000"/>
+          <a:spcPts val="1000"/>
         </a:spcBef>
         <a:spcAft>
-          <a:spcPts val="600"/>
+          <a:spcPts val="0"/>
         </a:spcAft>
         <a:buClr>
-          <a:schemeClr val="tx1"/>
+          <a:schemeClr val="bg2">
+            <a:lumMod val="40000"/>
+            <a:lumOff val="60000"/>
+          </a:schemeClr>
         </a:buClr>
         <a:buSzPct val="80000"/>
-        <a:buFont typeface="Wingdings 3" panose="05040102010807070707" pitchFamily="18" charset="2"/>
-        <a:buChar char=""/>
-        <a:defRPr sz="1800" kern="1200" cap="none">
+        <a:buFont typeface="Wingdings 3" charset="2"/>
+        <a:buChar char=""/>
+        <a:defRPr sz="1800" b="0" i="0" kern="1200">
           <a:solidFill>
-            <a:schemeClr val="bg2">
-              <a:lumMod val="75000"/>
-            </a:schemeClr>
+            <a:schemeClr val="tx1"/>
           </a:solidFill>
-          <a:effectLst/>
-          <a:latin typeface="+mn-lt"/>
-          <a:ea typeface="+mn-ea"/>
-          <a:cs typeface="+mn-cs"/>
+          <a:latin typeface="+mj-lt"/>
+          <a:ea typeface="+mj-ea"/>
+          <a:cs typeface="+mj-cs"/>
         </a:defRPr>
       </a:lvl2pPr>
-      <a:lvl3pPr marL="1200150" indent="-285750" algn="l" defTabSz="457200" rtl="0" eaLnBrk="1" latinLnBrk="0" hangingPunct="1">
+      <a:lvl3pPr marL="1143020" indent="-228604" algn="l" defTabSz="457207" rtl="0" eaLnBrk="1" latinLnBrk="0" hangingPunct="1">
         <a:spcBef>
-          <a:spcPct val="20000"/>
+          <a:spcPts val="1000"/>
         </a:spcBef>
         <a:spcAft>
-          <a:spcPts val="600"/>
+          <a:spcPts val="0"/>
         </a:spcAft>
         <a:buClr>
-          <a:schemeClr val="tx1"/>
+          <a:schemeClr val="bg2">
+            <a:lumMod val="40000"/>
+            <a:lumOff val="60000"/>
+          </a:schemeClr>
         </a:buClr>
         <a:buSzPct val="80000"/>
-        <a:buFont typeface="Wingdings 3" panose="05040102010807070707" pitchFamily="18" charset="2"/>
-        <a:buChar char=""/>
-        <a:defRPr sz="1600" kern="1200" cap="none">
+        <a:buFont typeface="Wingdings 3" charset="2"/>
+        <a:buChar char=""/>
+        <a:defRPr sz="1600" b="0" i="0" kern="1200">
           <a:solidFill>
-            <a:schemeClr val="bg2">
-              <a:lumMod val="75000"/>
-            </a:schemeClr>
+            <a:schemeClr val="tx1"/>
           </a:solidFill>
-          <a:effectLst/>
-          <a:latin typeface="+mn-lt"/>
-          <a:ea typeface="+mn-ea"/>
-          <a:cs typeface="+mn-cs"/>
+          <a:latin typeface="+mj-lt"/>
+          <a:ea typeface="+mj-ea"/>
+          <a:cs typeface="+mj-cs"/>
         </a:defRPr>
       </a:lvl3pPr>
-      <a:lvl4pPr marL="1543050" indent="-171450" algn="l" defTabSz="457200" rtl="0" eaLnBrk="1" latinLnBrk="0" hangingPunct="1">
+      <a:lvl4pPr marL="1600227" indent="-228604" algn="l" defTabSz="457207" rtl="0" eaLnBrk="1" latinLnBrk="0" hangingPunct="1">
         <a:spcBef>
-          <a:spcPct val="20000"/>
+          <a:spcPts val="1000"/>
         </a:spcBef>
         <a:spcAft>
-          <a:spcPts val="600"/>
+          <a:spcPts val="0"/>
         </a:spcAft>
         <a:buClr>
-          <a:schemeClr val="tx1"/>
+          <a:schemeClr val="bg2">
+            <a:lumMod val="40000"/>
+            <a:lumOff val="60000"/>
+          </a:schemeClr>
         </a:buClr>
         <a:buSzPct val="80000"/>
-        <a:buFont typeface="Wingdings 3" panose="05040102010807070707" pitchFamily="18" charset="2"/>
-        <a:buChar char=""/>
-        <a:defRPr sz="1400" kern="1200" cap="none">
+        <a:buFont typeface="Wingdings 3" charset="2"/>
+        <a:buChar char=""/>
+        <a:defRPr sz="1400" b="0" i="0" kern="1200">
           <a:solidFill>
-            <a:schemeClr val="bg2">
-              <a:lumMod val="75000"/>
-            </a:schemeClr>
+            <a:schemeClr val="tx1"/>
           </a:solidFill>
-          <a:effectLst/>
-          <a:latin typeface="+mn-lt"/>
-          <a:ea typeface="+mn-ea"/>
-          <a:cs typeface="+mn-cs"/>
+          <a:latin typeface="+mj-lt"/>
+          <a:ea typeface="+mj-ea"/>
+          <a:cs typeface="+mj-cs"/>
         </a:defRPr>
       </a:lvl4pPr>
-      <a:lvl5pPr marL="2000250" indent="-171450" algn="l" defTabSz="457200" rtl="0" eaLnBrk="1" latinLnBrk="0" hangingPunct="1">
+      <a:lvl5pPr marL="2057434" indent="-228604" algn="l" defTabSz="457207" rtl="0" eaLnBrk="1" latinLnBrk="0" hangingPunct="1">
         <a:spcBef>
-          <a:spcPct val="20000"/>
+          <a:spcPts val="1000"/>
         </a:spcBef>
         <a:spcAft>
-          <a:spcPts val="600"/>
+          <a:spcPts val="0"/>
         </a:spcAft>
         <a:buClr>
-          <a:schemeClr val="tx1"/>
+          <a:schemeClr val="bg2">
+            <a:lumMod val="40000"/>
+            <a:lumOff val="60000"/>
+          </a:schemeClr>
         </a:buClr>
         <a:buSzPct val="80000"/>
-        <a:buFont typeface="Wingdings 3" panose="05040102010807070707" pitchFamily="18" charset="2"/>
-        <a:buChar char=""/>
-        <a:defRPr sz="1400" kern="1200" cap="none">
+        <a:buFont typeface="Wingdings 3" charset="2"/>
+        <a:buChar char=""/>
+        <a:defRPr sz="1400" b="0" i="0" kern="1200">
           <a:solidFill>
-            <a:schemeClr val="bg2">
-              <a:lumMod val="75000"/>
-            </a:schemeClr>
+            <a:schemeClr val="tx1"/>
           </a:solidFill>
-          <a:effectLst/>
-          <a:latin typeface="+mn-lt"/>
-          <a:ea typeface="+mn-ea"/>
-          <a:cs typeface="+mn-cs"/>
+          <a:latin typeface="+mj-lt"/>
+          <a:ea typeface="+mj-ea"/>
+          <a:cs typeface="+mj-cs"/>
         </a:defRPr>
       </a:lvl5pPr>
-      <a:lvl6pPr marL="2514600" indent="-228600" algn="l" defTabSz="457200" rtl="0" eaLnBrk="1" latinLnBrk="0" hangingPunct="1">
+      <a:lvl6pPr marL="2514642" indent="-228604" algn="l" defTabSz="457207" rtl="0" eaLnBrk="1" latinLnBrk="0" hangingPunct="1">
         <a:spcBef>
-          <a:spcPct val="20000"/>
+          <a:spcPts val="1000"/>
         </a:spcBef>
         <a:spcAft>
-          <a:spcPts val="600"/>
+          <a:spcPts val="0"/>
         </a:spcAft>
         <a:buClr>
-          <a:schemeClr val="tx1"/>
+          <a:schemeClr val="bg2">
+            <a:lumMod val="40000"/>
+            <a:lumOff val="60000"/>
+          </a:schemeClr>
         </a:buClr>
         <a:buSzPct val="80000"/>
-        <a:buFont typeface="Wingdings 3" panose="05040102010807070707" pitchFamily="18" charset="2"/>
-        <a:buChar char=""/>
-        <a:defRPr sz="1400" kern="1200" cap="none">
+        <a:buFont typeface="Wingdings 3" charset="2"/>
+        <a:buChar char=""/>
+        <a:defRPr sz="1400" b="0" i="0" kern="1200">
           <a:solidFill>
-            <a:schemeClr val="bg2">
-              <a:lumMod val="75000"/>
-            </a:schemeClr>
+            <a:schemeClr val="tx1"/>
           </a:solidFill>
-          <a:effectLst/>
-          <a:latin typeface="+mn-lt"/>
-          <a:ea typeface="+mn-ea"/>
-          <a:cs typeface="+mn-cs"/>
+          <a:latin typeface="+mj-lt"/>
+          <a:ea typeface="+mj-ea"/>
+          <a:cs typeface="+mj-cs"/>
         </a:defRPr>
       </a:lvl6pPr>
-      <a:lvl7pPr marL="2971800" indent="-228600" algn="l" defTabSz="457200" rtl="0" eaLnBrk="1" latinLnBrk="0" hangingPunct="1">
+      <a:lvl7pPr marL="2971849" indent="-228604" algn="l" defTabSz="457207" rtl="0" eaLnBrk="1" latinLnBrk="0" hangingPunct="1">
         <a:spcBef>
-          <a:spcPct val="20000"/>
+          <a:spcPts val="1000"/>
         </a:spcBef>
         <a:spcAft>
-          <a:spcPts val="600"/>
+          <a:spcPts val="0"/>
         </a:spcAft>
         <a:buClr>
-          <a:schemeClr val="tx1"/>
+          <a:schemeClr val="bg2">
+            <a:lumMod val="40000"/>
+            <a:lumOff val="60000"/>
+          </a:schemeClr>
         </a:buClr>
         <a:buSzPct val="80000"/>
-        <a:buFont typeface="Wingdings 3" panose="05040102010807070707" pitchFamily="18" charset="2"/>
-        <a:buChar char=""/>
-        <a:defRPr sz="1400" kern="1200" cap="none">
+        <a:buFont typeface="Wingdings 3" charset="2"/>
+        <a:buChar char=""/>
+        <a:defRPr sz="1400" b="0" i="0" kern="1200">
           <a:solidFill>
-            <a:schemeClr val="bg2">
-              <a:lumMod val="75000"/>
-            </a:schemeClr>
+            <a:schemeClr val="tx1"/>
           </a:solidFill>
-          <a:effectLst/>
-          <a:latin typeface="+mn-lt"/>
-          <a:ea typeface="+mn-ea"/>
-          <a:cs typeface="+mn-cs"/>
+          <a:latin typeface="+mj-lt"/>
+          <a:ea typeface="+mj-ea"/>
+          <a:cs typeface="+mj-cs"/>
         </a:defRPr>
       </a:lvl7pPr>
-      <a:lvl8pPr marL="3429000" indent="-228600" algn="l" defTabSz="457200" rtl="0" eaLnBrk="1" latinLnBrk="0" hangingPunct="1">
+      <a:lvl8pPr marL="3429057" indent="-228604" algn="l" defTabSz="457207" rtl="0" eaLnBrk="1" latinLnBrk="0" hangingPunct="1">
         <a:spcBef>
-          <a:spcPct val="20000"/>
+          <a:spcPts val="1000"/>
         </a:spcBef>
         <a:spcAft>
-          <a:spcPts val="600"/>
+          <a:spcPts val="0"/>
         </a:spcAft>
         <a:buClr>
-          <a:schemeClr val="tx1"/>
+          <a:schemeClr val="bg2">
+            <a:lumMod val="40000"/>
+            <a:lumOff val="60000"/>
+          </a:schemeClr>
         </a:buClr>
         <a:buSzPct val="80000"/>
-        <a:buFont typeface="Wingdings 3" panose="05040102010807070707" pitchFamily="18" charset="2"/>
-        <a:buChar char=""/>
-        <a:defRPr sz="1400" kern="1200" cap="none">
+        <a:buFont typeface="Wingdings 3" charset="2"/>
+        <a:buChar char=""/>
+        <a:defRPr sz="1400" b="0" i="0" kern="1200">
           <a:solidFill>
-            <a:schemeClr val="bg2">
-              <a:lumMod val="75000"/>
-            </a:schemeClr>
+            <a:schemeClr val="tx1"/>
           </a:solidFill>
-          <a:effectLst/>
-          <a:latin typeface="+mn-lt"/>
-          <a:ea typeface="+mn-ea"/>
-          <a:cs typeface="+mn-cs"/>
+          <a:latin typeface="+mj-lt"/>
+          <a:ea typeface="+mj-ea"/>
+          <a:cs typeface="+mj-cs"/>
         </a:defRPr>
       </a:lvl8pPr>
-      <a:lvl9pPr marL="3886200" indent="-228600" algn="l" defTabSz="457200" rtl="0" eaLnBrk="1" latinLnBrk="0" hangingPunct="1">
+      <a:lvl9pPr marL="3886264" indent="-228604" algn="l" defTabSz="457207" rtl="0" eaLnBrk="1" latinLnBrk="0" hangingPunct="1">
         <a:spcBef>
-          <a:spcPct val="20000"/>
+          <a:spcPts val="1000"/>
         </a:spcBef>
         <a:spcAft>
-          <a:spcPts val="600"/>
+          <a:spcPts val="0"/>
         </a:spcAft>
         <a:buClr>
-          <a:schemeClr val="tx1"/>
+          <a:schemeClr val="bg2">
+            <a:lumMod val="40000"/>
+            <a:lumOff val="60000"/>
+          </a:schemeClr>
         </a:buClr>
         <a:buSzPct val="80000"/>
-        <a:buFont typeface="Wingdings 3" panose="05040102010807070707" pitchFamily="18" charset="2"/>
-        <a:buChar char=""/>
-        <a:defRPr sz="1400" kern="1200" cap="none">
+        <a:buFont typeface="Wingdings 3" charset="2"/>
+        <a:buChar char=""/>
+        <a:defRPr sz="1400" b="0" i="0" kern="1200">
           <a:solidFill>
-            <a:schemeClr val="bg2">
-              <a:lumMod val="75000"/>
-            </a:schemeClr>
+            <a:schemeClr val="tx1"/>
           </a:solidFill>
-          <a:effectLst/>
-          <a:latin typeface="+mn-lt"/>
-          <a:ea typeface="+mn-ea"/>
-          <a:cs typeface="+mn-cs"/>
+          <a:latin typeface="+mj-lt"/>
+          <a:ea typeface="+mj-ea"/>
+          <a:cs typeface="+mj-cs"/>
         </a:defRPr>
       </a:lvl9pPr>
     </p:bodyStyle>
@@ -6134,7 +6899,7 @@
       <a:defPPr>
         <a:defRPr lang="en-US"/>
       </a:defPPr>
-      <a:lvl1pPr marL="0" algn="l" defTabSz="457200" rtl="0" eaLnBrk="1" latinLnBrk="0" hangingPunct="1">
+      <a:lvl1pPr marL="0" algn="l" defTabSz="457207" rtl="0" eaLnBrk="1" latinLnBrk="0" hangingPunct="1">
         <a:defRPr sz="1800" kern="1200">
           <a:solidFill>
             <a:schemeClr val="tx1"/>
@@ -6144,7 +6909,7 @@
           <a:cs typeface="+mn-cs"/>
         </a:defRPr>
       </a:lvl1pPr>
-      <a:lvl2pPr marL="457200" algn="l" defTabSz="457200" rtl="0" eaLnBrk="1" latinLnBrk="0" hangingPunct="1">
+      <a:lvl2pPr marL="457207" algn="l" defTabSz="457207" rtl="0" eaLnBrk="1" latinLnBrk="0" hangingPunct="1">
         <a:defRPr sz="1800" kern="1200">
           <a:solidFill>
             <a:schemeClr val="tx1"/>
@@ -6154,7 +6919,7 @@
           <a:cs typeface="+mn-cs"/>
         </a:defRPr>
       </a:lvl2pPr>
-      <a:lvl3pPr marL="914400" algn="l" defTabSz="457200" rtl="0" eaLnBrk="1" latinLnBrk="0" hangingPunct="1">
+      <a:lvl3pPr marL="914415" algn="l" defTabSz="457207" rtl="0" eaLnBrk="1" latinLnBrk="0" hangingPunct="1">
         <a:defRPr sz="1800" kern="1200">
           <a:solidFill>
             <a:schemeClr val="tx1"/>
@@ -6164,7 +6929,7 @@
           <a:cs typeface="+mn-cs"/>
         </a:defRPr>
       </a:lvl3pPr>
-      <a:lvl4pPr marL="1371600" algn="l" defTabSz="457200" rtl="0" eaLnBrk="1" latinLnBrk="0" hangingPunct="1">
+      <a:lvl4pPr marL="1371622" algn="l" defTabSz="457207" rtl="0" eaLnBrk="1" latinLnBrk="0" hangingPunct="1">
         <a:defRPr sz="1800" kern="1200">
           <a:solidFill>
             <a:schemeClr val="tx1"/>
@@ -6174,7 +6939,7 @@
           <a:cs typeface="+mn-cs"/>
         </a:defRPr>
       </a:lvl4pPr>
-      <a:lvl5pPr marL="1828800" algn="l" defTabSz="457200" rtl="0" eaLnBrk="1" latinLnBrk="0" hangingPunct="1">
+      <a:lvl5pPr marL="1828831" algn="l" defTabSz="457207" rtl="0" eaLnBrk="1" latinLnBrk="0" hangingPunct="1">
         <a:defRPr sz="1800" kern="1200">
           <a:solidFill>
             <a:schemeClr val="tx1"/>
@@ -6184,7 +6949,7 @@
           <a:cs typeface="+mn-cs"/>
         </a:defRPr>
       </a:lvl5pPr>
-      <a:lvl6pPr marL="2286000" algn="l" defTabSz="457200" rtl="0" eaLnBrk="1" latinLnBrk="0" hangingPunct="1">
+      <a:lvl6pPr marL="2286038" algn="l" defTabSz="457207" rtl="0" eaLnBrk="1" latinLnBrk="0" hangingPunct="1">
         <a:defRPr sz="1800" kern="1200">
           <a:solidFill>
             <a:schemeClr val="tx1"/>
@@ -6194,7 +6959,7 @@
           <a:cs typeface="+mn-cs"/>
         </a:defRPr>
       </a:lvl6pPr>
-      <a:lvl7pPr marL="2743200" algn="l" defTabSz="457200" rtl="0" eaLnBrk="1" latinLnBrk="0" hangingPunct="1">
+      <a:lvl7pPr marL="2743246" algn="l" defTabSz="457207" rtl="0" eaLnBrk="1" latinLnBrk="0" hangingPunct="1">
         <a:defRPr sz="1800" kern="1200">
           <a:solidFill>
             <a:schemeClr val="tx1"/>
@@ -6204,7 +6969,7 @@
           <a:cs typeface="+mn-cs"/>
         </a:defRPr>
       </a:lvl7pPr>
-      <a:lvl8pPr marL="3200400" algn="l" defTabSz="457200" rtl="0" eaLnBrk="1" latinLnBrk="0" hangingPunct="1">
+      <a:lvl8pPr marL="3200453" algn="l" defTabSz="457207" rtl="0" eaLnBrk="1" latinLnBrk="0" hangingPunct="1">
         <a:defRPr sz="1800" kern="1200">
           <a:solidFill>
             <a:schemeClr val="tx1"/>
@@ -6214,7 +6979,7 @@
           <a:cs typeface="+mn-cs"/>
         </a:defRPr>
       </a:lvl8pPr>
-      <a:lvl9pPr marL="3657600" algn="l" defTabSz="457200" rtl="0" eaLnBrk="1" latinLnBrk="0" hangingPunct="1">
+      <a:lvl9pPr marL="3657661" algn="l" defTabSz="457207" rtl="0" eaLnBrk="1" latinLnBrk="0" hangingPunct="1">
         <a:defRPr sz="1800" kern="1200">
           <a:solidFill>
             <a:schemeClr val="tx1"/>
@@ -6282,7 +7047,7 @@
         <p:spPr/>
         <p:txBody>
           <a:bodyPr>
-            <a:normAutofit/>
+            <a:normAutofit fontScale="62500" lnSpcReduction="20000"/>
           </a:bodyPr>
           <a:lstStyle/>
           <a:p>
@@ -7097,8 +7862,12 @@
           <a:lstStyle/>
           <a:p>
             <a:r>
+              <a:rPr lang="en-GB" dirty="0"/>
+              <a:t>C</a:t>
+            </a:r>
+            <a:r>
               <a:rPr lang="en-GB" dirty="0" smtClean="0"/>
-              <a:t>Necessity conveyer belt</a:t>
+              <a:t>onveyer belt requirement</a:t>
             </a:r>
             <a:endParaRPr lang="en-GB" dirty="0"/>
           </a:p>
@@ -7587,34 +8356,48 @@
           <a:p>
             <a:r>
               <a:rPr lang="en-GB" dirty="0" smtClean="0"/>
+              <a:t>Priorities</a:t>
+            </a:r>
+          </a:p>
+          <a:p>
+            <a:pPr lvl="1"/>
+            <a:r>
+              <a:rPr lang="en-GB" dirty="0" smtClean="0"/>
               <a:t>Correctness</a:t>
             </a:r>
-          </a:p>
-          <a:p>
+            <a:endParaRPr lang="en-GB" dirty="0" smtClean="0"/>
+          </a:p>
+          <a:p>
+            <a:pPr lvl="1"/>
             <a:r>
               <a:rPr lang="en-GB" dirty="0" smtClean="0"/>
               <a:t>Speed</a:t>
             </a:r>
-          </a:p>
-          <a:p>
+            <a:endParaRPr lang="en-GB" dirty="0" smtClean="0"/>
+          </a:p>
+          <a:p>
+            <a:pPr lvl="1"/>
             <a:r>
               <a:rPr lang="en-GB" dirty="0" smtClean="0"/>
               <a:t>Robustness</a:t>
             </a:r>
           </a:p>
           <a:p>
+            <a:pPr lvl="1"/>
             <a:r>
               <a:rPr lang="en-GB" dirty="0" smtClean="0"/>
               <a:t>Accessibility</a:t>
             </a:r>
           </a:p>
           <a:p>
+            <a:pPr lvl="1"/>
             <a:r>
               <a:rPr lang="en-GB" dirty="0" smtClean="0"/>
               <a:t>Difficulty building</a:t>
             </a:r>
           </a:p>
           <a:p>
+            <a:pPr lvl="1"/>
             <a:r>
               <a:rPr lang="en-GB" dirty="0" smtClean="0"/>
               <a:t>Amount of parts</a:t>
@@ -7654,7 +8437,7 @@
                             </p:stCondLst>
                             <p:childTnLst>
                               <p:par>
-                                <p:cTn id="5" presetID="1" presetClass="entr" presetSubtype="0" fill="hold" nodeType="clickEffect">
+                                <p:cTn id="5" presetID="1" presetClass="entr" presetSubtype="0" fill="hold" grpId="0" nodeType="clickEffect">
                                   <p:stCondLst>
                                     <p:cond delay="0"/>
                                   </p:stCondLst>
@@ -7935,6 +8718,55 @@
                       </p:childTnLst>
                     </p:cTn>
                   </p:par>
+                  <p:par>
+                    <p:cTn id="27" fill="hold">
+                      <p:stCondLst>
+                        <p:cond delay="indefinite"/>
+                      </p:stCondLst>
+                      <p:childTnLst>
+                        <p:par>
+                          <p:cTn id="28" fill="hold">
+                            <p:stCondLst>
+                              <p:cond delay="0"/>
+                            </p:stCondLst>
+                            <p:childTnLst>
+                              <p:par>
+                                <p:cTn id="29" presetID="1" presetClass="entr" presetSubtype="0" fill="hold" nodeType="clickEffect">
+                                  <p:stCondLst>
+                                    <p:cond delay="0"/>
+                                  </p:stCondLst>
+                                  <p:childTnLst>
+                                    <p:set>
+                                      <p:cBhvr>
+                                        <p:cTn id="30" dur="1" fill="hold">
+                                          <p:stCondLst>
+                                            <p:cond delay="0"/>
+                                          </p:stCondLst>
+                                        </p:cTn>
+                                        <p:tgtEl>
+                                          <p:spTgt spid="3">
+                                            <p:txEl>
+                                              <p:pRg st="6" end="6"/>
+                                            </p:txEl>
+                                          </p:spTgt>
+                                        </p:tgtEl>
+                                        <p:attrNameLst>
+                                          <p:attrName>style.visibility</p:attrName>
+                                        </p:attrNameLst>
+                                      </p:cBhvr>
+                                      <p:to>
+                                        <p:strVal val="visible"/>
+                                      </p:to>
+                                    </p:set>
+                                  </p:childTnLst>
+                                </p:cTn>
+                              </p:par>
+                            </p:childTnLst>
+                          </p:cTn>
+                        </p:par>
+                      </p:childTnLst>
+                    </p:cTn>
+                  </p:par>
                 </p:childTnLst>
               </p:cTn>
               <p:prevCondLst>
@@ -7956,6 +8788,9 @@
         </p:cTn>
       </p:par>
     </p:tnLst>
+    <p:bldLst>
+      <p:bldP spid="3" grpId="0" build="p"/>
+    </p:bldLst>
   </p:timing>
 </p:sld>
 </file>
@@ -8040,9 +8875,9 @@
 </file>
 
 <file path=ppt/theme/theme1.xml><?xml version="1.0" encoding="utf-8"?>
-<a:theme xmlns:a="http://schemas.openxmlformats.org/drawingml/2006/main" name="Segment">
+<a:theme xmlns:a="http://schemas.openxmlformats.org/drawingml/2006/main" name="Ion">
   <a:themeElements>
-    <a:clrScheme name="Segment">
+    <a:clrScheme name="Ion">
       <a:dk1>
         <a:sysClr val="windowText" lastClr="000000"/>
       </a:dk1>
@@ -8050,48 +8885,83 @@
         <a:sysClr val="window" lastClr="FFFFFF"/>
       </a:lt1>
       <a:dk2>
-        <a:srgbClr val="146194"/>
+        <a:srgbClr val="1E5155"/>
       </a:dk2>
       <a:lt2>
-        <a:srgbClr val="76DBF4"/>
+        <a:srgbClr val="EBEBEB"/>
       </a:lt2>
       <a:accent1>
-        <a:srgbClr val="052F61"/>
+        <a:srgbClr val="B01513"/>
       </a:accent1>
       <a:accent2>
-        <a:srgbClr val="A50E82"/>
+        <a:srgbClr val="EA6312"/>
       </a:accent2>
       <a:accent3>
-        <a:srgbClr val="14967C"/>
+        <a:srgbClr val="E6B729"/>
       </a:accent3>
       <a:accent4>
-        <a:srgbClr val="6A9E1F"/>
+        <a:srgbClr val="6AAC90"/>
       </a:accent4>
       <a:accent5>
-        <a:srgbClr val="E87D37"/>
+        <a:srgbClr val="5F9C9D"/>
       </a:accent5>
       <a:accent6>
-        <a:srgbClr val="C62324"/>
+        <a:srgbClr val="9E5E9B"/>
       </a:accent6>
       <a:hlink>
-        <a:srgbClr val="0D2E46"/>
+        <a:srgbClr val="58C1BA"/>
       </a:hlink>
       <a:folHlink>
-        <a:srgbClr val="356A95"/>
+        <a:srgbClr val="9DD0CB"/>
       </a:folHlink>
     </a:clrScheme>
-    <a:fontScheme name="Segment">
+    <a:fontScheme name="Ion">
       <a:majorFont>
         <a:latin typeface="Century Gothic" panose="020B0502020202020204"/>
         <a:ea typeface=""/>
         <a:cs typeface=""/>
         <a:font script="Jpan" typeface="メイリオ"/>
-        <a:font script="Hang" typeface="HY중고딕"/>
-        <a:font script="Hans" typeface="幼圆"/>
-        <a:font script="Hant" typeface="微軟正黑體"/>
-        <a:font script="Arab" typeface="Tahoma"/>
-        <a:font script="Hebr" typeface="Gisha"/>
-        <a:font script="Thai" typeface="DilleniaUPC"/>
+        <a:font script="Hang" typeface="맑은 고딕"/>
+        <a:font script="Hans" typeface="宋体"/>
+        <a:font script="Hant" typeface="新細明體"/>
+        <a:font script="Arab" typeface="Times New Roman"/>
+        <a:font script="Hebr" typeface="Times New Roman"/>
+        <a:font script="Thai" typeface="Angsana New"/>
+        <a:font script="Ethi" typeface="Nyala"/>
+        <a:font script="Beng" typeface="Vrinda"/>
+        <a:font script="Gujr" typeface="Shruti"/>
+        <a:font script="Khmr" typeface="MoolBoran"/>
+        <a:font script="Knda" typeface="Tunga"/>
+        <a:font script="Guru" typeface="Raavi"/>
+        <a:font script="Cans" typeface="Euphemia"/>
+        <a:font script="Cher" typeface="Plantagenet Cherokee"/>
+        <a:font script="Yiii" typeface="Microsoft Yi Baiti"/>
+        <a:font script="Tibt" typeface="Microsoft Himalaya"/>
+        <a:font script="Thaa" typeface="MV Boli"/>
+        <a:font script="Deva" typeface="Mangal"/>
+        <a:font script="Telu" typeface="Gautami"/>
+        <a:font script="Taml" typeface="Latha"/>
+        <a:font script="Syrc" typeface="Estrangelo Edessa"/>
+        <a:font script="Orya" typeface="Kalinga"/>
+        <a:font script="Mlym" typeface="Kartika"/>
+        <a:font script="Laoo" typeface="DokChampa"/>
+        <a:font script="Sinh" typeface="Iskoola Pota"/>
+        <a:font script="Mong" typeface="Mongolian Baiti"/>
+        <a:font script="Viet" typeface="Times New Roman"/>
+        <a:font script="Uigh" typeface="Microsoft Uighur"/>
+        <a:font script="Geor" typeface="Sylfaen"/>
+      </a:majorFont>
+      <a:minorFont>
+        <a:latin typeface="Century Gothic" panose="020B0502020202020204"/>
+        <a:ea typeface=""/>
+        <a:cs typeface=""/>
+        <a:font script="Jpan" typeface="メイリオ"/>
+        <a:font script="Hang" typeface="맑은 고딕"/>
+        <a:font script="Hans" typeface="宋体"/>
+        <a:font script="Hant" typeface="新細明體"/>
+        <a:font script="Arab" typeface="Arial"/>
+        <a:font script="Hebr" typeface="Arial"/>
+        <a:font script="Thai" typeface="Cordia New"/>
         <a:font script="Ethi" typeface="Nyala"/>
         <a:font script="Beng" typeface="Vrinda"/>
         <a:font script="Gujr" typeface="Shruti"/>
@@ -8112,47 +8982,12 @@
         <a:font script="Laoo" typeface="DokChampa"/>
         <a:font script="Sinh" typeface="Iskoola Pota"/>
         <a:font script="Mong" typeface="Mongolian Baiti"/>
-        <a:font script="Viet" typeface="Tahoma"/>
-        <a:font script="Uigh" typeface="Microsoft Uighur"/>
-        <a:font script="Geor" typeface="Sylfaen"/>
-      </a:majorFont>
-      <a:minorFont>
-        <a:latin typeface="Century Gothic" panose="020B0502020202020204"/>
-        <a:ea typeface=""/>
-        <a:cs typeface=""/>
-        <a:font script="Jpan" typeface="メイリオ"/>
-        <a:font script="Hang" typeface="HY중고딕"/>
-        <a:font script="Hans" typeface="幼圆"/>
-        <a:font script="Hant" typeface="微軟正黑體"/>
-        <a:font script="Arab" typeface="Tahoma"/>
-        <a:font script="Hebr" typeface="Gisha"/>
-        <a:font script="Thai" typeface="DilleniaUPC"/>
-        <a:font script="Ethi" typeface="Nyala"/>
-        <a:font script="Beng" typeface="Vrinda"/>
-        <a:font script="Gujr" typeface="Shruti"/>
-        <a:font script="Khmr" typeface="DaunPenh"/>
-        <a:font script="Knda" typeface="Tunga"/>
-        <a:font script="Guru" typeface="Raavi"/>
-        <a:font script="Cans" typeface="Euphemia"/>
-        <a:font script="Cher" typeface="Plantagenet Cherokee"/>
-        <a:font script="Yiii" typeface="Microsoft Yi Baiti"/>
-        <a:font script="Tibt" typeface="Microsoft Himalaya"/>
-        <a:font script="Thaa" typeface="MV Boli"/>
-        <a:font script="Deva" typeface="Mangal"/>
-        <a:font script="Telu" typeface="Gautami"/>
-        <a:font script="Taml" typeface="Latha"/>
-        <a:font script="Syrc" typeface="Estrangelo Edessa"/>
-        <a:font script="Orya" typeface="Kalinga"/>
-        <a:font script="Mlym" typeface="Kartika"/>
-        <a:font script="Laoo" typeface="DokChampa"/>
-        <a:font script="Sinh" typeface="Iskoola Pota"/>
-        <a:font script="Mong" typeface="Mongolian Baiti"/>
-        <a:font script="Viet" typeface="Tahoma"/>
+        <a:font script="Viet" typeface="Arial"/>
         <a:font script="Uigh" typeface="Microsoft Uighur"/>
         <a:font script="Geor" typeface="Sylfaen"/>
       </a:minorFont>
     </a:fontScheme>
-    <a:fmtScheme name="Segment">
+    <a:fmtScheme name="Ion">
       <a:fillStyleLst>
         <a:solidFill>
           <a:schemeClr val="phClr"/>
@@ -8161,16 +8996,15 @@
           <a:gsLst>
             <a:gs pos="0">
               <a:schemeClr val="phClr">
-                <a:tint val="62000"/>
-                <a:hueMod val="94000"/>
-                <a:satMod val="140000"/>
-                <a:lumMod val="110000"/>
+                <a:tint val="64000"/>
+                <a:lumMod val="118000"/>
               </a:schemeClr>
             </a:gs>
             <a:gs pos="100000">
               <a:schemeClr val="phClr">
-                <a:tint val="84000"/>
-                <a:satMod val="160000"/>
+                <a:tint val="92000"/>
+                <a:alpha val="100000"/>
+                <a:lumMod val="110000"/>
               </a:schemeClr>
             </a:gs>
           </a:gsLst>
@@ -8181,15 +9015,13 @@
             <a:gs pos="0">
               <a:schemeClr val="phClr">
                 <a:tint val="98000"/>
-                <a:hueMod val="94000"/>
-                <a:satMod val="130000"/>
-                <a:lumMod val="138000"/>
+                <a:lumMod val="114000"/>
               </a:schemeClr>
             </a:gs>
             <a:gs pos="100000">
               <a:schemeClr val="phClr">
-                <a:shade val="94000"/>
-                <a:lumMod val="88000"/>
+                <a:shade val="90000"/>
+                <a:lumMod val="84000"/>
               </a:schemeClr>
             </a:gs>
           </a:gsLst>
@@ -8199,19 +9031,13 @@
       <a:lnStyleLst>
         <a:ln w="9525" cap="rnd" cmpd="sng" algn="ctr">
           <a:solidFill>
-            <a:schemeClr val="phClr">
-              <a:tint val="76000"/>
-              <a:alpha val="60000"/>
-              <a:hueMod val="94000"/>
-            </a:schemeClr>
+            <a:schemeClr val="phClr"/>
           </a:solidFill>
           <a:prstDash val="solid"/>
         </a:ln>
-        <a:ln w="12700" cap="rnd" cmpd="sng" algn="ctr">
+        <a:ln w="19050" cap="rnd" cmpd="sng" algn="ctr">
           <a:solidFill>
-            <a:schemeClr val="phClr">
-              <a:hueMod val="94000"/>
-            </a:schemeClr>
+            <a:schemeClr val="phClr"/>
           </a:solidFill>
           <a:prstDash val="solid"/>
         </a:ln>
@@ -8228,18 +9054,18 @@
         </a:effectStyle>
         <a:effectStyle>
           <a:effectLst>
-            <a:innerShdw blurRad="25400" dist="12700" dir="13500000">
+            <a:outerShdw blurRad="38100" dist="25400" dir="5400000" rotWithShape="0">
               <a:srgbClr val="000000">
                 <a:alpha val="45000"/>
               </a:srgbClr>
-            </a:innerShdw>
+            </a:outerShdw>
           </a:effectLst>
         </a:effectStyle>
         <a:effectStyle>
           <a:effectLst>
-            <a:outerShdw blurRad="50800" dist="38100" dir="5400000" rotWithShape="0">
+            <a:outerShdw blurRad="63500" dist="38100" dir="5400000" rotWithShape="0">
               <a:srgbClr val="000000">
-                <a:alpha val="46000"/>
+                <a:alpha val="60000"/>
               </a:srgbClr>
             </a:outerShdw>
           </a:effectLst>
@@ -8247,10 +9073,10 @@
             <a:camera prst="orthographicFront">
               <a:rot lat="0" lon="0" rev="0"/>
             </a:camera>
-            <a:lightRig rig="threePt" dir="t"/>
+            <a:lightRig rig="threePt" dir="tl"/>
           </a:scene3d>
           <a:sp3d prstMaterial="plastic">
-            <a:bevelT w="25400" h="25400"/>
+            <a:bevelT w="0" h="0"/>
           </a:sp3d>
         </a:effectStyle>
       </a:effectStyleLst>
@@ -8260,46 +9086,47 @@
         </a:solidFill>
         <a:gradFill rotWithShape="1">
           <a:gsLst>
-            <a:gs pos="10000">
+            <a:gs pos="0">
               <a:schemeClr val="phClr">
                 <a:tint val="97000"/>
-                <a:hueMod val="92000"/>
-                <a:satMod val="169000"/>
-                <a:lumMod val="164000"/>
+                <a:hueMod val="88000"/>
+                <a:satMod val="130000"/>
+                <a:lumMod val="124000"/>
               </a:schemeClr>
             </a:gs>
             <a:gs pos="100000">
               <a:schemeClr val="phClr">
-                <a:shade val="96000"/>
-                <a:satMod val="120000"/>
-                <a:lumMod val="90000"/>
-              </a:schemeClr>
-            </a:gs>
-          </a:gsLst>
-          <a:lin ang="6120000" scaled="1"/>
-        </a:gradFill>
-        <a:gradFill rotWithShape="1">
-          <a:gsLst>
-            <a:gs pos="0">
-              <a:schemeClr val="phClr">
-                <a:tint val="97000"/>
-                <a:hueMod val="92000"/>
-                <a:satMod val="169000"/>
-                <a:lumMod val="164000"/>
-              </a:schemeClr>
-            </a:gs>
-            <a:gs pos="100000">
-              <a:schemeClr val="phClr">
-                <a:shade val="96000"/>
-                <a:satMod val="120000"/>
-                <a:lumMod val="90000"/>
+                <a:tint val="96000"/>
+                <a:shade val="88000"/>
+                <a:hueMod val="108000"/>
+                <a:satMod val="164000"/>
+                <a:lumMod val="76000"/>
               </a:schemeClr>
             </a:gs>
           </a:gsLst>
           <a:path path="circle">
-            <a:fillToRect b="100000"/>
+            <a:fillToRect l="45000" t="65000" r="125000" b="100000"/>
           </a:path>
         </a:gradFill>
+        <a:blipFill rotWithShape="1">
+          <a:blip xmlns:r="http://schemas.openxmlformats.org/officeDocument/2006/relationships" r:embed="rId1">
+            <a:duotone>
+              <a:schemeClr val="phClr">
+                <a:shade val="69000"/>
+                <a:hueMod val="108000"/>
+                <a:satMod val="164000"/>
+                <a:lumMod val="74000"/>
+              </a:schemeClr>
+              <a:schemeClr val="phClr">
+                <a:tint val="96000"/>
+                <a:hueMod val="88000"/>
+                <a:satMod val="140000"/>
+                <a:lumMod val="132000"/>
+              </a:schemeClr>
+            </a:duotone>
+          </a:blip>
+          <a:stretch/>
+        </a:blipFill>
       </a:bgFillStyleLst>
     </a:fmtScheme>
   </a:themeElements>
@@ -8307,7 +9134,7 @@
   <a:extraClrSchemeLst/>
   <a:extLst>
     <a:ext uri="{05A4C25C-085E-4340-85A3-A5531E510DB2}">
-      <thm15:themeFamily xmlns:thm15="http://schemas.microsoft.com/office/thememl/2012/main" name="Slice" id="{0507925B-6AC9-4358-8E18-C330545D08F8}" vid="{13FEC7C6-62A9-40C4-99D2-581AACACAA2F}"/>
+      <thm15:themeFamily xmlns:thm15="http://schemas.microsoft.com/office/thememl/2012/main" name="Ion" id="{B8441ADB-2E43-4AF7-B97A-BD870242C6A8}" vid="{292E63A9-BB86-4E3D-B92A-7223C6510D2E}"/>
     </a:ext>
   </a:extLst>
 </a:theme>

--- a/Mid-term presentation/DBL Embedded Systems.pptx
+++ b/Mid-term presentation/DBL Embedded Systems.pptx
@@ -7873,6 +7873,36 @@
           </a:p>
         </p:txBody>
       </p:sp>
+      <p:pic>
+        <p:nvPicPr>
+          <p:cNvPr id="4" name="Afbeelding 3"/>
+          <p:cNvPicPr>
+            <a:picLocks noChangeAspect="1"/>
+          </p:cNvPicPr>
+          <p:nvPr/>
+        </p:nvPicPr>
+        <p:blipFill>
+          <a:blip r:embed="rId3">
+            <a:extLst>
+              <a:ext uri="{28A0092B-C50C-407E-A947-70E740481C1C}">
+                <a14:useLocalDpi xmlns:a14="http://schemas.microsoft.com/office/drawing/2010/main" val="0"/>
+              </a:ext>
+            </a:extLst>
+          </a:blip>
+          <a:stretch>
+            <a:fillRect/>
+          </a:stretch>
+        </p:blipFill>
+        <p:spPr>
+          <a:xfrm>
+            <a:off x="827700" y="2052925"/>
+            <a:ext cx="6984127" cy="4749206"/>
+          </a:xfrm>
+          <a:prstGeom prst="rect">
+            <a:avLst/>
+          </a:prstGeom>
+        </p:spPr>
+      </p:pic>
     </p:spTree>
     <p:extLst>
       <p:ext uri="{BB962C8B-B14F-4D97-AF65-F5344CB8AC3E}">
@@ -7904,7 +7934,7 @@
                             </p:stCondLst>
                             <p:childTnLst>
                               <p:par>
-                                <p:cTn id="5" presetID="1" presetClass="entr" presetSubtype="0" fill="hold" nodeType="clickEffect">
+                                <p:cTn id="5" presetID="1" presetClass="entr" presetSubtype="0" fill="hold" grpId="0" nodeType="clickEffect">
                                   <p:stCondLst>
                                     <p:cond delay="0"/>
                                   </p:stCondLst>
@@ -7922,6 +7952,33 @@
                                               <p:pRg st="0" end="0"/>
                                             </p:txEl>
                                           </p:spTgt>
+                                        </p:tgtEl>
+                                        <p:attrNameLst>
+                                          <p:attrName>style.visibility</p:attrName>
+                                        </p:attrNameLst>
+                                      </p:cBhvr>
+                                      <p:to>
+                                        <p:strVal val="visible"/>
+                                      </p:to>
+                                    </p:set>
+                                  </p:childTnLst>
+                                </p:cTn>
+                              </p:par>
+                              <p:par>
+                                <p:cTn id="7" presetID="1" presetClass="entr" presetSubtype="0" fill="hold" nodeType="withEffect">
+                                  <p:stCondLst>
+                                    <p:cond delay="0"/>
+                                  </p:stCondLst>
+                                  <p:childTnLst>
+                                    <p:set>
+                                      <p:cBhvr>
+                                        <p:cTn id="8" dur="1" fill="hold">
+                                          <p:stCondLst>
+                                            <p:cond delay="0"/>
+                                          </p:stCondLst>
+                                        </p:cTn>
+                                        <p:tgtEl>
+                                          <p:spTgt spid="4"/>
                                         </p:tgtEl>
                                         <p:attrNameLst>
                                           <p:attrName>style.visibility</p:attrName>
@@ -7961,6 +8018,9 @@
         </p:cTn>
       </p:par>
     </p:tnLst>
+    <p:bldLst>
+      <p:bldP spid="3" grpId="0" build="p"/>
+    </p:bldLst>
   </p:timing>
 </p:sld>
 </file>
@@ -8365,7 +8425,6 @@
               <a:rPr lang="en-GB" dirty="0" smtClean="0"/>
               <a:t>Correctness</a:t>
             </a:r>
-            <a:endParaRPr lang="en-GB" dirty="0" smtClean="0"/>
           </a:p>
           <a:p>
             <a:pPr lvl="1"/>
@@ -8373,7 +8432,6 @@
               <a:rPr lang="en-GB" dirty="0" smtClean="0"/>
               <a:t>Speed</a:t>
             </a:r>
-            <a:endParaRPr lang="en-GB" dirty="0" smtClean="0"/>
           </a:p>
           <a:p>
             <a:pPr lvl="1"/>

--- a/Mid-term presentation/DBL Embedded Systems.pptx
+++ b/Mid-term presentation/DBL Embedded Systems.pptx
@@ -5,15 +5,16 @@
     <p:sldMasterId id="2147483687" r:id="rId1"/>
   </p:sldMasterIdLst>
   <p:notesMasterIdLst>
-    <p:notesMasterId r:id="rId8"/>
+    <p:notesMasterId r:id="rId9"/>
   </p:notesMasterIdLst>
   <p:sldIdLst>
     <p:sldId id="256" r:id="rId2"/>
     <p:sldId id="257" r:id="rId3"/>
     <p:sldId id="258" r:id="rId4"/>
     <p:sldId id="259" r:id="rId5"/>
-    <p:sldId id="260" r:id="rId6"/>
-    <p:sldId id="261" r:id="rId7"/>
+    <p:sldId id="262" r:id="rId6"/>
+    <p:sldId id="260" r:id="rId7"/>
+    <p:sldId id="261" r:id="rId8"/>
   </p:sldIdLst>
   <p:sldSz cx="9144000" cy="6858000" type="screen4x3"/>
   <p:notesSz cx="6858000" cy="9144000"/>
@@ -8111,13 +8112,6 @@
             </a:r>
             <a:endParaRPr lang="nl-NL" dirty="0" smtClean="0"/>
           </a:p>
-          <a:p>
-            <a:r>
-              <a:rPr lang="nl-NL" dirty="0" smtClean="0"/>
-              <a:t>Sketch</a:t>
-            </a:r>
-            <a:endParaRPr lang="en-GB" dirty="0"/>
-          </a:p>
         </p:txBody>
       </p:sp>
     </p:spTree>
@@ -8285,55 +8279,6 @@
                       </p:childTnLst>
                     </p:cTn>
                   </p:par>
-                  <p:par>
-                    <p:cTn id="15" fill="hold">
-                      <p:stCondLst>
-                        <p:cond delay="indefinite"/>
-                      </p:stCondLst>
-                      <p:childTnLst>
-                        <p:par>
-                          <p:cTn id="16" fill="hold">
-                            <p:stCondLst>
-                              <p:cond delay="0"/>
-                            </p:stCondLst>
-                            <p:childTnLst>
-                              <p:par>
-                                <p:cTn id="17" presetID="1" presetClass="entr" presetSubtype="0" fill="hold" nodeType="clickEffect">
-                                  <p:stCondLst>
-                                    <p:cond delay="0"/>
-                                  </p:stCondLst>
-                                  <p:childTnLst>
-                                    <p:set>
-                                      <p:cBhvr>
-                                        <p:cTn id="18" dur="1" fill="hold">
-                                          <p:stCondLst>
-                                            <p:cond delay="0"/>
-                                          </p:stCondLst>
-                                        </p:cTn>
-                                        <p:tgtEl>
-                                          <p:spTgt spid="3">
-                                            <p:txEl>
-                                              <p:pRg st="3" end="3"/>
-                                            </p:txEl>
-                                          </p:spTgt>
-                                        </p:tgtEl>
-                                        <p:attrNameLst>
-                                          <p:attrName>style.visibility</p:attrName>
-                                        </p:attrNameLst>
-                                      </p:cBhvr>
-                                      <p:to>
-                                        <p:strVal val="visible"/>
-                                      </p:to>
-                                    </p:set>
-                                  </p:childTnLst>
-                                </p:cTn>
-                              </p:par>
-                            </p:childTnLst>
-                          </p:cTn>
-                        </p:par>
-                      </p:childTnLst>
-                    </p:cTn>
-                  </p:par>
                 </p:childTnLst>
               </p:cTn>
               <p:prevCondLst>
@@ -8360,6 +8305,78 @@
 </file>
 
 <file path=ppt/slides/slide5.xml><?xml version="1.0" encoding="utf-8"?>
+<p:sld xmlns:a="http://schemas.openxmlformats.org/drawingml/2006/main" xmlns:r="http://schemas.openxmlformats.org/officeDocument/2006/relationships" xmlns:p="http://schemas.openxmlformats.org/presentationml/2006/main">
+  <p:cSld>
+    <p:spTree>
+      <p:nvGrpSpPr>
+        <p:cNvPr id="1" name=""/>
+        <p:cNvGrpSpPr/>
+        <p:nvPr/>
+      </p:nvGrpSpPr>
+      <p:grpSpPr>
+        <a:xfrm>
+          <a:off x="0" y="0"/>
+          <a:ext cx="0" cy="0"/>
+          <a:chOff x="0" y="0"/>
+          <a:chExt cx="0" cy="0"/>
+        </a:xfrm>
+      </p:grpSpPr>
+      <p:sp>
+        <p:nvSpPr>
+          <p:cNvPr id="2" name="Titel 1"/>
+          <p:cNvSpPr>
+            <a:spLocks noGrp="1"/>
+          </p:cNvSpPr>
+          <p:nvPr>
+            <p:ph type="title"/>
+          </p:nvPr>
+        </p:nvSpPr>
+        <p:spPr/>
+        <p:txBody>
+          <a:bodyPr/>
+          <a:lstStyle/>
+          <a:p>
+            <a:r>
+              <a:rPr lang="nl-NL" dirty="0" smtClean="0"/>
+              <a:t>Sketches</a:t>
+            </a:r>
+            <a:endParaRPr lang="en-GB" dirty="0"/>
+          </a:p>
+        </p:txBody>
+      </p:sp>
+      <p:sp>
+        <p:nvSpPr>
+          <p:cNvPr id="3" name="Tijdelijke aanduiding voor inhoud 2"/>
+          <p:cNvSpPr>
+            <a:spLocks noGrp="1"/>
+          </p:cNvSpPr>
+          <p:nvPr>
+            <p:ph idx="1"/>
+          </p:nvPr>
+        </p:nvSpPr>
+        <p:spPr/>
+        <p:txBody>
+          <a:bodyPr/>
+          <a:lstStyle/>
+          <a:p>
+            <a:endParaRPr lang="en-GB" dirty="0"/>
+          </a:p>
+        </p:txBody>
+      </p:sp>
+    </p:spTree>
+    <p:extLst>
+      <p:ext uri="{BB962C8B-B14F-4D97-AF65-F5344CB8AC3E}">
+        <p14:creationId xmlns:p14="http://schemas.microsoft.com/office/powerpoint/2010/main" val="1162904602"/>
+      </p:ext>
+    </p:extLst>
+  </p:cSld>
+  <p:clrMapOvr>
+    <a:masterClrMapping/>
+  </p:clrMapOvr>
+</p:sld>
+</file>
+
+<file path=ppt/slides/slide6.xml><?xml version="1.0" encoding="utf-8"?>
 <p:sld xmlns:a="http://schemas.openxmlformats.org/drawingml/2006/main" xmlns:r="http://schemas.openxmlformats.org/officeDocument/2006/relationships" xmlns:p="http://schemas.openxmlformats.org/presentationml/2006/main">
   <p:cSld>
     <p:spTree>
@@ -8853,7 +8870,7 @@
 </p:sld>
 </file>
 
-<file path=ppt/slides/slide6.xml><?xml version="1.0" encoding="utf-8"?>
+<file path=ppt/slides/slide7.xml><?xml version="1.0" encoding="utf-8"?>
 <p:sld xmlns:a="http://schemas.openxmlformats.org/drawingml/2006/main" xmlns:r="http://schemas.openxmlformats.org/officeDocument/2006/relationships" xmlns:p="http://schemas.openxmlformats.org/presentationml/2006/main">
   <p:cSld>
     <p:spTree>

--- a/Mid-term presentation/DBL Embedded Systems.pptx
+++ b/Mid-term presentation/DBL Embedded Systems.pptx
@@ -8344,21 +8344,121 @@
           </a:p>
         </p:txBody>
       </p:sp>
-      <p:sp>
-        <p:nvSpPr>
-          <p:cNvPr id="3" name="Tijdelijke aanduiding voor inhoud 2"/>
-          <p:cNvSpPr>
-            <a:spLocks noGrp="1"/>
-          </p:cNvSpPr>
+      <p:pic>
+        <p:nvPicPr>
+          <p:cNvPr id="4" name="Tijdelijke aanduiding voor inhoud 3"/>
+          <p:cNvPicPr>
+            <a:picLocks noGrp="1" noChangeAspect="1"/>
+          </p:cNvPicPr>
           <p:nvPr>
             <p:ph idx="1"/>
           </p:nvPr>
-        </p:nvSpPr>
-        <p:spPr/>
-        <p:txBody>
-          <a:bodyPr/>
+        </p:nvPicPr>
+        <p:blipFill>
+          <a:blip r:embed="rId2">
+            <a:extLst>
+              <a:ext uri="{28A0092B-C50C-407E-A947-70E740481C1C}">
+                <a14:useLocalDpi xmlns:a14="http://schemas.microsoft.com/office/drawing/2010/main" val="0"/>
+              </a:ext>
+            </a:extLst>
+          </a:blip>
+          <a:stretch>
+            <a:fillRect/>
+          </a:stretch>
+        </p:blipFill>
+        <p:spPr>
+          <a:xfrm>
+            <a:off x="656425" y="1300529"/>
+            <a:ext cx="6711950" cy="3091725"/>
+          </a:xfrm>
+        </p:spPr>
+      </p:pic>
+      <p:pic>
+        <p:nvPicPr>
+          <p:cNvPr id="5" name="Afbeelding 4"/>
+          <p:cNvPicPr>
+            <a:picLocks noChangeAspect="1"/>
+          </p:cNvPicPr>
+          <p:nvPr/>
+        </p:nvPicPr>
+        <p:blipFill>
+          <a:blip r:embed="rId3">
+            <a:extLst>
+              <a:ext uri="{28A0092B-C50C-407E-A947-70E740481C1C}">
+                <a14:useLocalDpi xmlns:a14="http://schemas.microsoft.com/office/drawing/2010/main" val="0"/>
+              </a:ext>
+            </a:extLst>
+          </a:blip>
+          <a:stretch>
+            <a:fillRect/>
+          </a:stretch>
+        </p:blipFill>
+        <p:spPr>
+          <a:xfrm>
+            <a:off x="0" y="4605130"/>
+            <a:ext cx="9144000" cy="2252870"/>
+          </a:xfrm>
+          <a:prstGeom prst="rect">
+            <a:avLst/>
+          </a:prstGeom>
+        </p:spPr>
+      </p:pic>
+      <p:sp>
+        <p:nvSpPr>
+          <p:cNvPr id="6" name="Tekstvak 5"/>
+          <p:cNvSpPr txBox="1"/>
+          <p:nvPr/>
+        </p:nvSpPr>
+        <p:spPr>
+          <a:xfrm>
+            <a:off x="3365770" y="2331727"/>
+            <a:ext cx="1206230" cy="369332"/>
+          </a:xfrm>
+          <a:prstGeom prst="rect">
+            <a:avLst/>
+          </a:prstGeom>
+          <a:noFill/>
+        </p:spPr>
+        <p:txBody>
+          <a:bodyPr wrap="square" rtlCol="0">
+            <a:spAutoFit/>
+          </a:bodyPr>
           <a:lstStyle/>
           <a:p>
+            <a:r>
+              <a:rPr lang="nl-NL" dirty="0" smtClean="0"/>
+              <a:t>Design 1</a:t>
+            </a:r>
+            <a:endParaRPr lang="en-GB" dirty="0"/>
+          </a:p>
+        </p:txBody>
+      </p:sp>
+      <p:sp>
+        <p:nvSpPr>
+          <p:cNvPr id="7" name="Tekstvak 6"/>
+          <p:cNvSpPr txBox="1"/>
+          <p:nvPr/>
+        </p:nvSpPr>
+        <p:spPr>
+          <a:xfrm>
+            <a:off x="3365770" y="4686067"/>
+            <a:ext cx="1138136" cy="369332"/>
+          </a:xfrm>
+          <a:prstGeom prst="rect">
+            <a:avLst/>
+          </a:prstGeom>
+          <a:noFill/>
+        </p:spPr>
+        <p:txBody>
+          <a:bodyPr wrap="square" rtlCol="0">
+            <a:spAutoFit/>
+          </a:bodyPr>
+          <a:lstStyle/>
+          <a:p>
+            <a:r>
+              <a:rPr lang="nl-NL" dirty="0" smtClean="0"/>
+              <a:t>Design 2</a:t>
+            </a:r>
             <a:endParaRPr lang="en-GB" dirty="0"/>
           </a:p>
         </p:txBody>

--- a/Mid-term presentation/DBL Embedded Systems.pptx
+++ b/Mid-term presentation/DBL Embedded Systems.pptx
@@ -8473,6 +8473,184 @@
   <p:clrMapOvr>
     <a:masterClrMapping/>
   </p:clrMapOvr>
+  <p:timing>
+    <p:tnLst>
+      <p:par>
+        <p:cTn id="1" dur="indefinite" restart="never" nodeType="tmRoot">
+          <p:childTnLst>
+            <p:seq concurrent="1" nextAc="seek">
+              <p:cTn id="2" dur="indefinite" nodeType="mainSeq">
+                <p:childTnLst>
+                  <p:par>
+                    <p:cTn id="3" fill="hold">
+                      <p:stCondLst>
+                        <p:cond delay="indefinite"/>
+                      </p:stCondLst>
+                      <p:childTnLst>
+                        <p:par>
+                          <p:cTn id="4" fill="hold">
+                            <p:stCondLst>
+                              <p:cond delay="0"/>
+                            </p:stCondLst>
+                            <p:childTnLst>
+                              <p:par>
+                                <p:cTn id="5" presetID="1" presetClass="entr" presetSubtype="0" fill="hold" nodeType="clickEffect">
+                                  <p:stCondLst>
+                                    <p:cond delay="0"/>
+                                  </p:stCondLst>
+                                  <p:childTnLst>
+                                    <p:set>
+                                      <p:cBhvr>
+                                        <p:cTn id="6" dur="1" fill="hold">
+                                          <p:stCondLst>
+                                            <p:cond delay="0"/>
+                                          </p:stCondLst>
+                                        </p:cTn>
+                                        <p:tgtEl>
+                                          <p:spTgt spid="4"/>
+                                        </p:tgtEl>
+                                        <p:attrNameLst>
+                                          <p:attrName>style.visibility</p:attrName>
+                                        </p:attrNameLst>
+                                      </p:cBhvr>
+                                      <p:to>
+                                        <p:strVal val="visible"/>
+                                      </p:to>
+                                    </p:set>
+                                  </p:childTnLst>
+                                </p:cTn>
+                              </p:par>
+                              <p:par>
+                                <p:cTn id="7" presetID="1" presetClass="entr" presetSubtype="0" fill="hold" grpId="0" nodeType="withEffect">
+                                  <p:stCondLst>
+                                    <p:cond delay="0"/>
+                                  </p:stCondLst>
+                                  <p:childTnLst>
+                                    <p:set>
+                                      <p:cBhvr>
+                                        <p:cTn id="8" dur="1" fill="hold">
+                                          <p:stCondLst>
+                                            <p:cond delay="0"/>
+                                          </p:stCondLst>
+                                        </p:cTn>
+                                        <p:tgtEl>
+                                          <p:spTgt spid="6"/>
+                                        </p:tgtEl>
+                                        <p:attrNameLst>
+                                          <p:attrName>style.visibility</p:attrName>
+                                        </p:attrNameLst>
+                                      </p:cBhvr>
+                                      <p:to>
+                                        <p:strVal val="visible"/>
+                                      </p:to>
+                                    </p:set>
+                                  </p:childTnLst>
+                                </p:cTn>
+                              </p:par>
+                            </p:childTnLst>
+                          </p:cTn>
+                        </p:par>
+                      </p:childTnLst>
+                    </p:cTn>
+                  </p:par>
+                  <p:par>
+                    <p:cTn id="9" fill="hold">
+                      <p:stCondLst>
+                        <p:cond delay="indefinite"/>
+                      </p:stCondLst>
+                      <p:childTnLst>
+                        <p:par>
+                          <p:cTn id="10" fill="hold">
+                            <p:stCondLst>
+                              <p:cond delay="0"/>
+                            </p:stCondLst>
+                            <p:childTnLst>
+                              <p:par>
+                                <p:cTn id="11" presetID="1" presetClass="entr" presetSubtype="0" fill="hold" nodeType="clickEffect">
+                                  <p:stCondLst>
+                                    <p:cond delay="0"/>
+                                  </p:stCondLst>
+                                  <p:childTnLst>
+                                    <p:set>
+                                      <p:cBhvr>
+                                        <p:cTn id="12" dur="1" fill="hold">
+                                          <p:stCondLst>
+                                            <p:cond delay="0"/>
+                                          </p:stCondLst>
+                                        </p:cTn>
+                                        <p:tgtEl>
+                                          <p:spTgt spid="5"/>
+                                        </p:tgtEl>
+                                        <p:attrNameLst>
+                                          <p:attrName>style.visibility</p:attrName>
+                                        </p:attrNameLst>
+                                      </p:cBhvr>
+                                      <p:to>
+                                        <p:strVal val="visible"/>
+                                      </p:to>
+                                    </p:set>
+                                  </p:childTnLst>
+                                </p:cTn>
+                              </p:par>
+                              <p:par>
+                                <p:cTn id="13" presetID="1" presetClass="entr" presetSubtype="0" fill="hold" grpId="0" nodeType="withEffect">
+                                  <p:stCondLst>
+                                    <p:cond delay="0"/>
+                                  </p:stCondLst>
+                                  <p:childTnLst>
+                                    <p:set>
+                                      <p:cBhvr>
+                                        <p:cTn id="14" dur="1" fill="hold">
+                                          <p:stCondLst>
+                                            <p:cond delay="0"/>
+                                          </p:stCondLst>
+                                        </p:cTn>
+                                        <p:tgtEl>
+                                          <p:spTgt spid="7"/>
+                                        </p:tgtEl>
+                                        <p:attrNameLst>
+                                          <p:attrName>style.visibility</p:attrName>
+                                        </p:attrNameLst>
+                                      </p:cBhvr>
+                                      <p:to>
+                                        <p:strVal val="visible"/>
+                                      </p:to>
+                                    </p:set>
+                                  </p:childTnLst>
+                                </p:cTn>
+                              </p:par>
+                            </p:childTnLst>
+                          </p:cTn>
+                        </p:par>
+                      </p:childTnLst>
+                    </p:cTn>
+                  </p:par>
+                </p:childTnLst>
+              </p:cTn>
+              <p:prevCondLst>
+                <p:cond evt="onPrev" delay="0">
+                  <p:tgtEl>
+                    <p:sldTgt/>
+                  </p:tgtEl>
+                </p:cond>
+              </p:prevCondLst>
+              <p:nextCondLst>
+                <p:cond evt="onNext" delay="0">
+                  <p:tgtEl>
+                    <p:sldTgt/>
+                  </p:tgtEl>
+                </p:cond>
+              </p:nextCondLst>
+            </p:seq>
+          </p:childTnLst>
+        </p:cTn>
+      </p:par>
+    </p:tnLst>
+    <p:bldLst>
+      <p:bldP spid="6" grpId="0"/>
+      <p:bldP spid="7" grpId="0"/>
+    </p:bldLst>
+  </p:timing>
 </p:sld>
 </file>
 

--- a/Mid-term presentation/DBL Embedded Systems.pptx
+++ b/Mid-term presentation/DBL Embedded Systems.pptx
@@ -852,6 +852,230 @@
     <p:extLst>
       <p:ext uri="{BB962C8B-B14F-4D97-AF65-F5344CB8AC3E}">
         <p14:creationId xmlns:p14="http://schemas.microsoft.com/office/powerpoint/2010/main" val="2566534291"/>
+      </p:ext>
+    </p:extLst>
+  </p:cSld>
+  <p:clrMapOvr>
+    <a:masterClrMapping/>
+  </p:clrMapOvr>
+</p:notes>
+</file>
+
+<file path=ppt/notesSlides/notesSlide4.xml><?xml version="1.0" encoding="utf-8"?>
+<p:notes xmlns:a="http://schemas.openxmlformats.org/drawingml/2006/main" xmlns:r="http://schemas.openxmlformats.org/officeDocument/2006/relationships" xmlns:p="http://schemas.openxmlformats.org/presentationml/2006/main">
+  <p:cSld>
+    <p:spTree>
+      <p:nvGrpSpPr>
+        <p:cNvPr id="1" name=""/>
+        <p:cNvGrpSpPr/>
+        <p:nvPr/>
+      </p:nvGrpSpPr>
+      <p:grpSpPr>
+        <a:xfrm>
+          <a:off x="0" y="0"/>
+          <a:ext cx="0" cy="0"/>
+          <a:chOff x="0" y="0"/>
+          <a:chExt cx="0" cy="0"/>
+        </a:xfrm>
+      </p:grpSpPr>
+      <p:sp>
+        <p:nvSpPr>
+          <p:cNvPr id="2" name="Tijdelijke aanduiding voor dia-afbeelding 1"/>
+          <p:cNvSpPr>
+            <a:spLocks noGrp="1" noRot="1" noChangeAspect="1"/>
+          </p:cNvSpPr>
+          <p:nvPr>
+            <p:ph type="sldImg"/>
+          </p:nvPr>
+        </p:nvSpPr>
+        <p:spPr/>
+      </p:sp>
+      <p:sp>
+        <p:nvSpPr>
+          <p:cNvPr id="3" name="Tijdelijke aanduiding voor notities 2"/>
+          <p:cNvSpPr>
+            <a:spLocks noGrp="1"/>
+          </p:cNvSpPr>
+          <p:nvPr>
+            <p:ph type="body" idx="1"/>
+          </p:nvPr>
+        </p:nvSpPr>
+        <p:spPr/>
+        <p:txBody>
+          <a:bodyPr/>
+          <a:lstStyle/>
+          <a:p>
+            <a:r>
+              <a:rPr lang="en-GB" sz="1200" b="1" kern="1200" dirty="0" smtClean="0">
+                <a:solidFill>
+                  <a:schemeClr val="tx1"/>
+                </a:solidFill>
+                <a:effectLst/>
+                <a:latin typeface="+mn-lt"/>
+                <a:ea typeface="+mn-ea"/>
+                <a:cs typeface="+mn-cs"/>
+              </a:rPr>
+              <a:t>Sketch</a:t>
+            </a:r>
+          </a:p>
+          <a:p>
+            <a:r>
+              <a:rPr lang="en-GB" sz="1200" kern="1200" dirty="0" smtClean="0">
+                <a:solidFill>
+                  <a:schemeClr val="tx1"/>
+                </a:solidFill>
+                <a:effectLst/>
+                <a:latin typeface="+mn-lt"/>
+                <a:ea typeface="+mn-ea"/>
+                <a:cs typeface="+mn-cs"/>
+              </a:rPr>
+              <a:t>Now we were talking about the use-cases, user constraints and safety properties, you might have forgotten that we were talking about machine design. So let’s take a design decision we made. </a:t>
+            </a:r>
+          </a:p>
+          <a:p>
+            <a:r>
+              <a:rPr lang="en-GB" sz="1200" kern="1200" dirty="0" smtClean="0">
+                <a:solidFill>
+                  <a:schemeClr val="tx1"/>
+                </a:solidFill>
+                <a:effectLst/>
+                <a:latin typeface="+mn-lt"/>
+                <a:ea typeface="+mn-ea"/>
+                <a:cs typeface="+mn-cs"/>
+              </a:rPr>
+              <a:t>For the use-case “Sort unsorted discs” we need something that disposes discs one by one on the conveyer belt. We came up with two designs and build both of them. </a:t>
+            </a:r>
+          </a:p>
+          <a:p>
+            <a:r>
+              <a:rPr lang="en-GB" sz="1200" kern="1200" dirty="0" smtClean="0">
+                <a:solidFill>
+                  <a:schemeClr val="tx1"/>
+                </a:solidFill>
+                <a:effectLst/>
+                <a:latin typeface="+mn-lt"/>
+                <a:ea typeface="+mn-ea"/>
+                <a:cs typeface="+mn-cs"/>
+              </a:rPr>
+              <a:t>*Show designs*</a:t>
+            </a:r>
+          </a:p>
+          <a:p>
+            <a:r>
+              <a:rPr lang="en-GB" sz="1200" kern="1200" dirty="0" smtClean="0">
+                <a:solidFill>
+                  <a:schemeClr val="tx1"/>
+                </a:solidFill>
+                <a:effectLst/>
+                <a:latin typeface="+mn-lt"/>
+                <a:ea typeface="+mn-ea"/>
+                <a:cs typeface="+mn-cs"/>
+              </a:rPr>
+              <a:t>Both designs make use of the hollow tubes stacked on top of each other. This is convenient because they are reliable in containing the discs and fast because if the bottom disc is removed the next disc, if any, will drop down to the position of the first disc. Robustness is covered too, because there are few parts that may come loose. For user accessibility it’s easy to put new discs to be processed at the top of the tubes. </a:t>
+            </a:r>
+          </a:p>
+          <a:p>
+            <a:r>
+              <a:rPr lang="en-GB" sz="1200" kern="1200" dirty="0" smtClean="0">
+                <a:solidFill>
+                  <a:schemeClr val="tx1"/>
+                </a:solidFill>
+                <a:effectLst/>
+                <a:latin typeface="+mn-lt"/>
+                <a:ea typeface="+mn-ea"/>
+                <a:cs typeface="+mn-cs"/>
+              </a:rPr>
+              <a:t>In the first design there’s a turning wheel with a cam that is able to push the discs one by one onto the belt. A wall to the left of the container makes sure the disk is pushed up and not to the left. </a:t>
+            </a:r>
+          </a:p>
+          <a:p>
+            <a:r>
+              <a:rPr lang="en-GB" sz="1200" kern="1200" dirty="0" smtClean="0">
+                <a:solidFill>
+                  <a:schemeClr val="tx1"/>
+                </a:solidFill>
+                <a:effectLst/>
+                <a:latin typeface="+mn-lt"/>
+                <a:ea typeface="+mn-ea"/>
+                <a:cs typeface="+mn-cs"/>
+              </a:rPr>
+              <a:t>In the second design a moving block would push the discs onto the belt. The block would be driven by a lever attached to a rotating wheel. </a:t>
+            </a:r>
+          </a:p>
+          <a:p>
+            <a:r>
+              <a:rPr lang="en-GB" sz="1200" kern="1200" dirty="0" smtClean="0">
+                <a:solidFill>
+                  <a:schemeClr val="tx1"/>
+                </a:solidFill>
+                <a:effectLst/>
+                <a:latin typeface="+mn-lt"/>
+                <a:ea typeface="+mn-ea"/>
+                <a:cs typeface="+mn-cs"/>
+              </a:rPr>
+              <a:t>Both designs are consistent with the use-case. Tudor will tell you more about our priorities, but both designs were reliable and there was no difference in speed. Both designs didn’t hinder the user, so user accessibility is all right. At the end we chose for the first design, because it was easier to build, had less parts and was a lot more compact. </a:t>
+            </a:r>
+          </a:p>
+          <a:p>
+            <a:r>
+              <a:rPr lang="en-GB" sz="1200" kern="1200" dirty="0" smtClean="0">
+                <a:solidFill>
+                  <a:schemeClr val="tx1"/>
+                </a:solidFill>
+                <a:effectLst/>
+                <a:latin typeface="+mn-lt"/>
+                <a:ea typeface="+mn-ea"/>
+                <a:cs typeface="+mn-cs"/>
+              </a:rPr>
+              <a:t> </a:t>
+            </a:r>
+          </a:p>
+          <a:p>
+            <a:r>
+              <a:rPr lang="en-GB" sz="1200" kern="1200" smtClean="0">
+                <a:solidFill>
+                  <a:schemeClr val="tx1"/>
+                </a:solidFill>
+                <a:effectLst/>
+                <a:latin typeface="+mn-lt"/>
+                <a:ea typeface="+mn-ea"/>
+                <a:cs typeface="+mn-cs"/>
+              </a:rPr>
+              <a:t>Then now I will give the word to Tudor, so he can tell you about design decisions. </a:t>
+            </a:r>
+          </a:p>
+          <a:p>
+            <a:endParaRPr lang="en-GB"/>
+          </a:p>
+        </p:txBody>
+      </p:sp>
+      <p:sp>
+        <p:nvSpPr>
+          <p:cNvPr id="4" name="Tijdelijke aanduiding voor dianummer 3"/>
+          <p:cNvSpPr>
+            <a:spLocks noGrp="1"/>
+          </p:cNvSpPr>
+          <p:nvPr>
+            <p:ph type="sldNum" sz="quarter" idx="10"/>
+          </p:nvPr>
+        </p:nvSpPr>
+        <p:spPr/>
+        <p:txBody>
+          <a:bodyPr/>
+          <a:lstStyle/>
+          <a:p>
+            <a:fld id="{0A96A78C-7A1B-4186-9701-837DE127F153}" type="slidenum">
+              <a:rPr lang="en-GB" smtClean="0"/>
+              <a:t>5</a:t>
+            </a:fld>
+            <a:endParaRPr lang="en-GB"/>
+          </a:p>
+        </p:txBody>
+      </p:sp>
+    </p:spTree>
+    <p:extLst>
+      <p:ext uri="{BB962C8B-B14F-4D97-AF65-F5344CB8AC3E}">
+        <p14:creationId xmlns:p14="http://schemas.microsoft.com/office/powerpoint/2010/main" val="521095497"/>
       </p:ext>
     </p:extLst>
   </p:cSld>
@@ -8355,7 +8579,7 @@
           </p:nvPr>
         </p:nvPicPr>
         <p:blipFill>
-          <a:blip r:embed="rId2">
+          <a:blip r:embed="rId3">
             <a:extLst>
               <a:ext uri="{28A0092B-C50C-407E-A947-70E740481C1C}">
                 <a14:useLocalDpi xmlns:a14="http://schemas.microsoft.com/office/drawing/2010/main" val="0"/>
@@ -8382,7 +8606,7 @@
           <p:nvPr/>
         </p:nvPicPr>
         <p:blipFill>
-          <a:blip r:embed="rId3">
+          <a:blip r:embed="rId4">
             <a:extLst>
               <a:ext uri="{28A0092B-C50C-407E-A947-70E740481C1C}">
                 <a14:useLocalDpi xmlns:a14="http://schemas.microsoft.com/office/drawing/2010/main" val="0"/>

--- a/Mid-term presentation/DBL Embedded Systems.pptx
+++ b/Mid-term presentation/DBL Embedded Systems.pptx
@@ -203,7 +203,7 @@
           <a:p>
             <a:fld id="{6ACF7646-F517-410B-A50A-CA20C9403921}" type="datetimeFigureOut">
               <a:rPr lang="en-GB" smtClean="0"/>
-              <a:t>26/02/2015</a:t>
+              <a:t>27/02/2015</a:t>
             </a:fld>
             <a:endParaRPr lang="en-GB"/>
           </a:p>
@@ -362,7 +362,7 @@
           <a:p>
             <a:fld id="{0A96A78C-7A1B-4186-9701-837DE127F153}" type="slidenum">
               <a:rPr lang="en-GB" smtClean="0"/>
-              <a:t>‹nr.›</a:t>
+              <a:t>‹#›</a:t>
             </a:fld>
             <a:endParaRPr lang="en-GB"/>
           </a:p>
@@ -1048,7 +1048,7 @@
             <a:fld id="{B61BEF0D-F0BB-DE4B-95CE-6DB70DBA9567}" type="datetimeFigureOut">
               <a:rPr lang="en-US" smtClean="0"/>
               <a:pPr/>
-              <a:t>2/26/2015</a:t>
+              <a:t>2/27/2015</a:t>
             </a:fld>
             <a:endParaRPr lang="en-US" dirty="0"/>
           </a:p>
@@ -1091,7 +1091,7 @@
             <a:fld id="{D57F1E4F-1CFF-5643-939E-217C01CDF565}" type="slidenum">
               <a:rPr lang="en-US" smtClean="0"/>
               <a:pPr/>
-              <a:t>‹nr.›</a:t>
+              <a:t>‹#›</a:t>
             </a:fld>
             <a:endParaRPr lang="en-US" dirty="0"/>
           </a:p>
@@ -1325,7 +1325,7 @@
             <a:fld id="{B61BEF0D-F0BB-DE4B-95CE-6DB70DBA9567}" type="datetimeFigureOut">
               <a:rPr lang="en-US" smtClean="0"/>
               <a:pPr/>
-              <a:t>2/26/2015</a:t>
+              <a:t>2/27/2015</a:t>
             </a:fld>
             <a:endParaRPr lang="en-US" dirty="0"/>
           </a:p>
@@ -1368,7 +1368,7 @@
             <a:fld id="{D57F1E4F-1CFF-5643-939E-217C01CDF565}" type="slidenum">
               <a:rPr lang="en-US" smtClean="0"/>
               <a:pPr/>
-              <a:t>‹nr.›</a:t>
+              <a:t>‹#›</a:t>
             </a:fld>
             <a:endParaRPr lang="en-US" dirty="0"/>
           </a:p>
@@ -1521,7 +1521,7 @@
             <a:fld id="{B61BEF0D-F0BB-DE4B-95CE-6DB70DBA9567}" type="datetimeFigureOut">
               <a:rPr lang="en-US" smtClean="0"/>
               <a:pPr/>
-              <a:t>2/26/2015</a:t>
+              <a:t>2/27/2015</a:t>
             </a:fld>
             <a:endParaRPr lang="en-US" dirty="0"/>
           </a:p>
@@ -1564,7 +1564,7 @@
             <a:fld id="{D57F1E4F-1CFF-5643-939E-217C01CDF565}" type="slidenum">
               <a:rPr lang="en-US" smtClean="0"/>
               <a:pPr/>
-              <a:t>‹nr.›</a:t>
+              <a:t>‹#›</a:t>
             </a:fld>
             <a:endParaRPr lang="en-US" dirty="0"/>
           </a:p>
@@ -1796,7 +1796,7 @@
             <a:fld id="{B61BEF0D-F0BB-DE4B-95CE-6DB70DBA9567}" type="datetimeFigureOut">
               <a:rPr lang="en-US" smtClean="0"/>
               <a:pPr/>
-              <a:t>2/26/2015</a:t>
+              <a:t>2/27/2015</a:t>
             </a:fld>
             <a:endParaRPr lang="en-US" dirty="0"/>
           </a:p>
@@ -1839,7 +1839,7 @@
             <a:fld id="{D57F1E4F-1CFF-5643-939E-217C01CDF565}" type="slidenum">
               <a:rPr lang="en-US" smtClean="0"/>
               <a:pPr/>
-              <a:t>‹nr.›</a:t>
+              <a:t>‹#›</a:t>
             </a:fld>
             <a:endParaRPr lang="en-US" dirty="0"/>
           </a:p>
@@ -2139,7 +2139,7 @@
             <a:fld id="{B61BEF0D-F0BB-DE4B-95CE-6DB70DBA9567}" type="datetimeFigureOut">
               <a:rPr lang="en-US" smtClean="0"/>
               <a:pPr/>
-              <a:t>2/26/2015</a:t>
+              <a:t>2/27/2015</a:t>
             </a:fld>
             <a:endParaRPr lang="en-US" dirty="0"/>
           </a:p>
@@ -2182,7 +2182,7 @@
             <a:fld id="{D57F1E4F-1CFF-5643-939E-217C01CDF565}" type="slidenum">
               <a:rPr lang="en-US" smtClean="0"/>
               <a:pPr/>
-              <a:t>‹nr.›</a:t>
+              <a:t>‹#›</a:t>
             </a:fld>
             <a:endParaRPr lang="en-US" dirty="0"/>
           </a:p>
@@ -2764,7 +2764,7 @@
             <a:fld id="{B61BEF0D-F0BB-DE4B-95CE-6DB70DBA9567}" type="datetimeFigureOut">
               <a:rPr lang="en-US" smtClean="0"/>
               <a:pPr/>
-              <a:t>2/26/2015</a:t>
+              <a:t>2/27/2015</a:t>
             </a:fld>
             <a:endParaRPr lang="en-US" dirty="0"/>
           </a:p>
@@ -2807,7 +2807,7 @@
             <a:fld id="{D57F1E4F-1CFF-5643-939E-217C01CDF565}" type="slidenum">
               <a:rPr lang="en-US" smtClean="0"/>
               <a:pPr/>
-              <a:t>‹nr.›</a:t>
+              <a:t>‹#›</a:t>
             </a:fld>
             <a:endParaRPr lang="en-US" dirty="0"/>
           </a:p>
@@ -3626,7 +3626,7 @@
             <a:fld id="{B61BEF0D-F0BB-DE4B-95CE-6DB70DBA9567}" type="datetimeFigureOut">
               <a:rPr lang="en-US" smtClean="0"/>
               <a:pPr/>
-              <a:t>2/26/2015</a:t>
+              <a:t>2/27/2015</a:t>
             </a:fld>
             <a:endParaRPr lang="en-US" dirty="0"/>
           </a:p>
@@ -3669,7 +3669,7 @@
             <a:fld id="{D57F1E4F-1CFF-5643-939E-217C01CDF565}" type="slidenum">
               <a:rPr lang="en-US" smtClean="0"/>
               <a:pPr/>
-              <a:t>‹nr.›</a:t>
+              <a:t>‹#›</a:t>
             </a:fld>
             <a:endParaRPr lang="en-US" dirty="0"/>
           </a:p>
@@ -3798,7 +3798,7 @@
             <a:fld id="{B61BEF0D-F0BB-DE4B-95CE-6DB70DBA9567}" type="datetimeFigureOut">
               <a:rPr lang="en-US" smtClean="0"/>
               <a:pPr/>
-              <a:t>2/26/2015</a:t>
+              <a:t>2/27/2015</a:t>
             </a:fld>
             <a:endParaRPr lang="en-US" dirty="0"/>
           </a:p>
@@ -3841,7 +3841,7 @@
             <a:fld id="{D57F1E4F-1CFF-5643-939E-217C01CDF565}" type="slidenum">
               <a:rPr lang="en-US" smtClean="0"/>
               <a:pPr/>
-              <a:t>‹nr.›</a:t>
+              <a:t>‹#›</a:t>
             </a:fld>
             <a:endParaRPr lang="en-US" dirty="0"/>
           </a:p>
@@ -3980,7 +3980,7 @@
             <a:fld id="{B61BEF0D-F0BB-DE4B-95CE-6DB70DBA9567}" type="datetimeFigureOut">
               <a:rPr lang="en-US" smtClean="0"/>
               <a:pPr/>
-              <a:t>2/26/2015</a:t>
+              <a:t>2/27/2015</a:t>
             </a:fld>
             <a:endParaRPr lang="en-US" dirty="0"/>
           </a:p>
@@ -4023,7 +4023,7 @@
             <a:fld id="{D57F1E4F-1CFF-5643-939E-217C01CDF565}" type="slidenum">
               <a:rPr lang="en-US" smtClean="0"/>
               <a:pPr/>
-              <a:t>‹nr.›</a:t>
+              <a:t>‹#›</a:t>
             </a:fld>
             <a:endParaRPr lang="en-US" dirty="0"/>
           </a:p>
@@ -4152,7 +4152,7 @@
             <a:fld id="{B61BEF0D-F0BB-DE4B-95CE-6DB70DBA9567}" type="datetimeFigureOut">
               <a:rPr lang="en-US" smtClean="0"/>
               <a:pPr/>
-              <a:t>2/26/2015</a:t>
+              <a:t>2/27/2015</a:t>
             </a:fld>
             <a:endParaRPr lang="en-US" dirty="0"/>
           </a:p>
@@ -4195,7 +4195,7 @@
             <a:fld id="{D57F1E4F-1CFF-5643-939E-217C01CDF565}" type="slidenum">
               <a:rPr lang="en-US" smtClean="0"/>
               <a:pPr/>
-              <a:t>‹nr.›</a:t>
+              <a:t>‹#›</a:t>
             </a:fld>
             <a:endParaRPr lang="en-US" dirty="0"/>
           </a:p>
@@ -4401,7 +4401,7 @@
             <a:fld id="{B61BEF0D-F0BB-DE4B-95CE-6DB70DBA9567}" type="datetimeFigureOut">
               <a:rPr lang="en-US" smtClean="0"/>
               <a:pPr/>
-              <a:t>2/26/2015</a:t>
+              <a:t>2/27/2015</a:t>
             </a:fld>
             <a:endParaRPr lang="en-US" dirty="0"/>
           </a:p>
@@ -4444,7 +4444,7 @@
             <a:fld id="{D57F1E4F-1CFF-5643-939E-217C01CDF565}" type="slidenum">
               <a:rPr lang="en-US" smtClean="0"/>
               <a:pPr/>
-              <a:t>‹nr.›</a:t>
+              <a:t>‹#›</a:t>
             </a:fld>
             <a:endParaRPr lang="en-US" dirty="0"/>
           </a:p>
@@ -4695,7 +4695,7 @@
             <a:fld id="{B61BEF0D-F0BB-DE4B-95CE-6DB70DBA9567}" type="datetimeFigureOut">
               <a:rPr lang="en-US" smtClean="0"/>
               <a:pPr/>
-              <a:t>2/26/2015</a:t>
+              <a:t>2/27/2015</a:t>
             </a:fld>
             <a:endParaRPr lang="en-US" dirty="0"/>
           </a:p>
@@ -4738,7 +4738,7 @@
             <a:fld id="{D57F1E4F-1CFF-5643-939E-217C01CDF565}" type="slidenum">
               <a:rPr lang="en-US" smtClean="0"/>
               <a:pPr/>
-              <a:t>‹nr.›</a:t>
+              <a:t>‹#›</a:t>
             </a:fld>
             <a:endParaRPr lang="en-US" dirty="0"/>
           </a:p>
@@ -5141,7 +5141,7 @@
             <a:fld id="{B61BEF0D-F0BB-DE4B-95CE-6DB70DBA9567}" type="datetimeFigureOut">
               <a:rPr lang="en-US" smtClean="0"/>
               <a:pPr/>
-              <a:t>2/26/2015</a:t>
+              <a:t>2/27/2015</a:t>
             </a:fld>
             <a:endParaRPr lang="en-US" dirty="0"/>
           </a:p>
@@ -5184,7 +5184,7 @@
             <a:fld id="{D57F1E4F-1CFF-5643-939E-217C01CDF565}" type="slidenum">
               <a:rPr lang="en-US" smtClean="0"/>
               <a:pPr/>
-              <a:t>‹nr.›</a:t>
+              <a:t>‹#›</a:t>
             </a:fld>
             <a:endParaRPr lang="en-US" dirty="0"/>
           </a:p>
@@ -5261,7 +5261,7 @@
             <a:fld id="{B61BEF0D-F0BB-DE4B-95CE-6DB70DBA9567}" type="datetimeFigureOut">
               <a:rPr lang="en-US" smtClean="0"/>
               <a:pPr/>
-              <a:t>2/26/2015</a:t>
+              <a:t>2/27/2015</a:t>
             </a:fld>
             <a:endParaRPr lang="en-US" dirty="0"/>
           </a:p>
@@ -5304,7 +5304,7 @@
             <a:fld id="{D57F1E4F-1CFF-5643-939E-217C01CDF565}" type="slidenum">
               <a:rPr lang="en-US" smtClean="0"/>
               <a:pPr/>
-              <a:t>‹nr.›</a:t>
+              <a:t>‹#›</a:t>
             </a:fld>
             <a:endParaRPr lang="en-US" dirty="0"/>
           </a:p>
@@ -5358,7 +5358,7 @@
             <a:fld id="{B61BEF0D-F0BB-DE4B-95CE-6DB70DBA9567}" type="datetimeFigureOut">
               <a:rPr lang="en-US" smtClean="0"/>
               <a:pPr/>
-              <a:t>2/26/2015</a:t>
+              <a:t>2/27/2015</a:t>
             </a:fld>
             <a:endParaRPr lang="en-US" dirty="0"/>
           </a:p>
@@ -5401,7 +5401,7 @@
             <a:fld id="{D57F1E4F-1CFF-5643-939E-217C01CDF565}" type="slidenum">
               <a:rPr lang="en-US" smtClean="0"/>
               <a:pPr/>
-              <a:t>‹nr.›</a:t>
+              <a:t>‹#›</a:t>
             </a:fld>
             <a:endParaRPr lang="en-US" dirty="0"/>
           </a:p>
@@ -5639,7 +5639,7 @@
             <a:fld id="{B61BEF0D-F0BB-DE4B-95CE-6DB70DBA9567}" type="datetimeFigureOut">
               <a:rPr lang="en-US" smtClean="0"/>
               <a:pPr/>
-              <a:t>2/26/2015</a:t>
+              <a:t>2/27/2015</a:t>
             </a:fld>
             <a:endParaRPr lang="en-US" dirty="0"/>
           </a:p>
@@ -5682,7 +5682,7 @@
             <a:fld id="{D57F1E4F-1CFF-5643-939E-217C01CDF565}" type="slidenum">
               <a:rPr lang="en-US" smtClean="0"/>
               <a:pPr/>
-              <a:t>‹nr.›</a:t>
+              <a:t>‹#›</a:t>
             </a:fld>
             <a:endParaRPr lang="en-US" dirty="0"/>
           </a:p>
@@ -5916,7 +5916,7 @@
             <a:fld id="{B61BEF0D-F0BB-DE4B-95CE-6DB70DBA9567}" type="datetimeFigureOut">
               <a:rPr lang="en-US" smtClean="0"/>
               <a:pPr/>
-              <a:t>2/26/2015</a:t>
+              <a:t>2/27/2015</a:t>
             </a:fld>
             <a:endParaRPr lang="en-US" dirty="0"/>
           </a:p>
@@ -5959,7 +5959,7 @@
             <a:fld id="{D57F1E4F-1CFF-5643-939E-217C01CDF565}" type="slidenum">
               <a:rPr lang="en-US" smtClean="0"/>
               <a:pPr/>
-              <a:t>‹nr.›</a:t>
+              <a:t>‹#›</a:t>
             </a:fld>
             <a:endParaRPr lang="en-US" dirty="0"/>
           </a:p>
@@ -6483,7 +6483,7 @@
             <a:fld id="{B61BEF0D-F0BB-DE4B-95CE-6DB70DBA9567}" type="datetimeFigureOut">
               <a:rPr lang="en-US" smtClean="0"/>
               <a:pPr/>
-              <a:t>2/26/2015</a:t>
+              <a:t>2/27/2015</a:t>
             </a:fld>
             <a:endParaRPr lang="en-US" dirty="0"/>
           </a:p>
@@ -6563,7 +6563,7 @@
             <a:fld id="{D57F1E4F-1CFF-5643-939E-217C01CDF565}" type="slidenum">
               <a:rPr lang="en-US" smtClean="0"/>
               <a:pPr/>
-              <a:t>‹nr.›</a:t>
+              <a:t>‹#›</a:t>
             </a:fld>
             <a:endParaRPr lang="en-US" dirty="0"/>
           </a:p>
@@ -8745,6 +8745,18 @@
           <a:p>
             <a:pPr lvl="1"/>
             <a:r>
+              <a:rPr lang="nl-NL" dirty="0" smtClean="0"/>
+              <a:t>Space </a:t>
+            </a:r>
+            <a:r>
+              <a:rPr lang="nl-NL" smtClean="0"/>
+              <a:t>used</a:t>
+            </a:r>
+            <a:endParaRPr lang="en-GB" dirty="0" smtClean="0"/>
+          </a:p>
+          <a:p>
+            <a:pPr lvl="1"/>
+            <a:r>
               <a:rPr lang="en-GB" dirty="0" smtClean="0"/>
               <a:t>Difficulty building</a:t>
             </a:r>
@@ -9100,6 +9112,55 @@
                                           <p:spTgt spid="3">
                                             <p:txEl>
                                               <p:pRg st="6" end="6"/>
+                                            </p:txEl>
+                                          </p:spTgt>
+                                        </p:tgtEl>
+                                        <p:attrNameLst>
+                                          <p:attrName>style.visibility</p:attrName>
+                                        </p:attrNameLst>
+                                      </p:cBhvr>
+                                      <p:to>
+                                        <p:strVal val="visible"/>
+                                      </p:to>
+                                    </p:set>
+                                  </p:childTnLst>
+                                </p:cTn>
+                              </p:par>
+                            </p:childTnLst>
+                          </p:cTn>
+                        </p:par>
+                      </p:childTnLst>
+                    </p:cTn>
+                  </p:par>
+                  <p:par>
+                    <p:cTn id="31" fill="hold">
+                      <p:stCondLst>
+                        <p:cond delay="indefinite"/>
+                      </p:stCondLst>
+                      <p:childTnLst>
+                        <p:par>
+                          <p:cTn id="32" fill="hold">
+                            <p:stCondLst>
+                              <p:cond delay="0"/>
+                            </p:stCondLst>
+                            <p:childTnLst>
+                              <p:par>
+                                <p:cTn id="33" presetID="1" presetClass="entr" presetSubtype="0" fill="hold" nodeType="clickEffect">
+                                  <p:stCondLst>
+                                    <p:cond delay="0"/>
+                                  </p:stCondLst>
+                                  <p:childTnLst>
+                                    <p:set>
+                                      <p:cBhvr>
+                                        <p:cTn id="34" dur="1" fill="hold">
+                                          <p:stCondLst>
+                                            <p:cond delay="0"/>
+                                          </p:stCondLst>
+                                        </p:cTn>
+                                        <p:tgtEl>
+                                          <p:spTgt spid="3">
+                                            <p:txEl>
+                                              <p:pRg st="7" end="7"/>
                                             </p:txEl>
                                           </p:spTgt>
                                         </p:tgtEl>

--- a/Mid-term presentation/DBL Embedded Systems.pptx
+++ b/Mid-term presentation/DBL Embedded Systems.pptx
@@ -362,7 +362,7 @@
           <a:p>
             <a:fld id="{0A96A78C-7A1B-4186-9701-837DE127F153}" type="slidenum">
               <a:rPr lang="en-GB" smtClean="0"/>
-              <a:t>‹#›</a:t>
+              <a:t>‹nr.›</a:t>
             </a:fld>
             <a:endParaRPr lang="en-GB"/>
           </a:p>
@@ -861,6 +861,347 @@
 </p:notes>
 </file>
 
+<file path=ppt/notesSlides/notesSlide4.xml><?xml version="1.0" encoding="utf-8"?>
+<p:notes xmlns:a="http://schemas.openxmlformats.org/drawingml/2006/main" xmlns:r="http://schemas.openxmlformats.org/officeDocument/2006/relationships" xmlns:p="http://schemas.openxmlformats.org/presentationml/2006/main">
+  <p:cSld>
+    <p:spTree>
+      <p:nvGrpSpPr>
+        <p:cNvPr id="1" name=""/>
+        <p:cNvGrpSpPr/>
+        <p:nvPr/>
+      </p:nvGrpSpPr>
+      <p:grpSpPr>
+        <a:xfrm>
+          <a:off x="0" y="0"/>
+          <a:ext cx="0" cy="0"/>
+          <a:chOff x="0" y="0"/>
+          <a:chExt cx="0" cy="0"/>
+        </a:xfrm>
+      </p:grpSpPr>
+      <p:sp>
+        <p:nvSpPr>
+          <p:cNvPr id="2" name="Tijdelijke aanduiding voor dia-afbeelding 1"/>
+          <p:cNvSpPr>
+            <a:spLocks noGrp="1" noRot="1" noChangeAspect="1"/>
+          </p:cNvSpPr>
+          <p:nvPr>
+            <p:ph type="sldImg"/>
+          </p:nvPr>
+        </p:nvSpPr>
+        <p:spPr/>
+      </p:sp>
+      <p:sp>
+        <p:nvSpPr>
+          <p:cNvPr id="3" name="Tijdelijke aanduiding voor notities 2"/>
+          <p:cNvSpPr>
+            <a:spLocks noGrp="1"/>
+          </p:cNvSpPr>
+          <p:nvPr>
+            <p:ph type="body" idx="1"/>
+          </p:nvPr>
+        </p:nvSpPr>
+        <p:spPr/>
+        <p:txBody>
+          <a:bodyPr/>
+          <a:lstStyle/>
+          <a:p>
+            <a:r>
+              <a:rPr lang="en-GB" sz="1200" b="1" kern="1200" dirty="0" smtClean="0">
+                <a:solidFill>
+                  <a:schemeClr val="tx1"/>
+                </a:solidFill>
+                <a:effectLst/>
+                <a:latin typeface="+mn-lt"/>
+                <a:ea typeface="+mn-ea"/>
+                <a:cs typeface="+mn-cs"/>
+              </a:rPr>
+              <a:t>Sketch</a:t>
+            </a:r>
+          </a:p>
+          <a:p>
+            <a:r>
+              <a:rPr lang="en-GB" sz="1200" kern="1200" dirty="0" smtClean="0">
+                <a:solidFill>
+                  <a:schemeClr val="tx1"/>
+                </a:solidFill>
+                <a:effectLst/>
+                <a:latin typeface="+mn-lt"/>
+                <a:ea typeface="+mn-ea"/>
+                <a:cs typeface="+mn-cs"/>
+              </a:rPr>
+              <a:t>Machine design</a:t>
+            </a:r>
+          </a:p>
+          <a:p>
+            <a:r>
+              <a:rPr lang="en-GB" sz="1200" kern="1200" dirty="0" smtClean="0">
+                <a:solidFill>
+                  <a:schemeClr val="tx1"/>
+                </a:solidFill>
+                <a:effectLst/>
+                <a:latin typeface="+mn-lt"/>
+                <a:ea typeface="+mn-ea"/>
+                <a:cs typeface="+mn-cs"/>
+              </a:rPr>
+              <a:t>use-case </a:t>
+            </a:r>
+          </a:p>
+          <a:p>
+            <a:r>
+              <a:rPr lang="en-GB" sz="1200" kern="1200" dirty="0" smtClean="0">
+                <a:solidFill>
+                  <a:schemeClr val="tx1"/>
+                </a:solidFill>
+                <a:effectLst/>
+                <a:latin typeface="+mn-lt"/>
+                <a:ea typeface="+mn-ea"/>
+                <a:cs typeface="+mn-cs"/>
+              </a:rPr>
+              <a:t>Both </a:t>
+            </a:r>
+          </a:p>
+          <a:p>
+            <a:r>
+              <a:rPr lang="en-GB" sz="1200" kern="1200" dirty="0" smtClean="0">
+                <a:solidFill>
+                  <a:schemeClr val="tx1"/>
+                </a:solidFill>
+                <a:effectLst/>
+                <a:latin typeface="+mn-lt"/>
+                <a:ea typeface="+mn-ea"/>
+                <a:cs typeface="+mn-cs"/>
+              </a:rPr>
+              <a:t>reliable </a:t>
+            </a:r>
+          </a:p>
+          <a:p>
+            <a:r>
+              <a:rPr lang="en-GB" sz="1200" kern="1200" dirty="0" smtClean="0">
+                <a:solidFill>
+                  <a:schemeClr val="tx1"/>
+                </a:solidFill>
+                <a:effectLst/>
+                <a:latin typeface="+mn-lt"/>
+                <a:ea typeface="+mn-ea"/>
+                <a:cs typeface="+mn-cs"/>
+              </a:rPr>
+              <a:t>fast </a:t>
+            </a:r>
+          </a:p>
+          <a:p>
+            <a:r>
+              <a:rPr lang="en-GB" sz="1200" kern="1200" dirty="0" smtClean="0">
+                <a:solidFill>
+                  <a:schemeClr val="tx1"/>
+                </a:solidFill>
+                <a:effectLst/>
+                <a:latin typeface="+mn-lt"/>
+                <a:ea typeface="+mn-ea"/>
+                <a:cs typeface="+mn-cs"/>
+              </a:rPr>
+              <a:t>Robustness </a:t>
+            </a:r>
+          </a:p>
+          <a:p>
+            <a:r>
+              <a:rPr lang="en-GB" sz="1200" kern="1200" dirty="0" smtClean="0">
+                <a:solidFill>
+                  <a:schemeClr val="tx1"/>
+                </a:solidFill>
+                <a:effectLst/>
+                <a:latin typeface="+mn-lt"/>
+                <a:ea typeface="+mn-ea"/>
+                <a:cs typeface="+mn-cs"/>
+              </a:rPr>
+              <a:t>user accessibility</a:t>
+            </a:r>
+          </a:p>
+          <a:p>
+            <a:r>
+              <a:rPr lang="en-GB" sz="1200" kern="1200" dirty="0" smtClean="0">
+                <a:solidFill>
+                  <a:schemeClr val="tx1"/>
+                </a:solidFill>
+                <a:effectLst/>
+                <a:latin typeface="+mn-lt"/>
+                <a:ea typeface="+mn-ea"/>
+                <a:cs typeface="+mn-cs"/>
+              </a:rPr>
+              <a:t>first design </a:t>
+            </a:r>
+          </a:p>
+          <a:p>
+            <a:r>
+              <a:rPr lang="en-GB" sz="1200" kern="1200" dirty="0" smtClean="0">
+                <a:solidFill>
+                  <a:schemeClr val="tx1"/>
+                </a:solidFill>
+                <a:effectLst/>
+                <a:latin typeface="+mn-lt"/>
+                <a:ea typeface="+mn-ea"/>
+                <a:cs typeface="+mn-cs"/>
+              </a:rPr>
+              <a:t>Wall</a:t>
+            </a:r>
+          </a:p>
+          <a:p>
+            <a:r>
+              <a:rPr lang="en-GB" sz="1200" kern="1200" dirty="0" smtClean="0">
+                <a:solidFill>
+                  <a:schemeClr val="tx1"/>
+                </a:solidFill>
+                <a:effectLst/>
+                <a:latin typeface="+mn-lt"/>
+                <a:ea typeface="+mn-ea"/>
+                <a:cs typeface="+mn-cs"/>
+              </a:rPr>
+              <a:t>second design </a:t>
+            </a:r>
+          </a:p>
+          <a:p>
+            <a:r>
+              <a:rPr lang="en-GB" sz="1200" kern="1200" dirty="0" smtClean="0">
+                <a:solidFill>
+                  <a:schemeClr val="tx1"/>
+                </a:solidFill>
+                <a:effectLst/>
+                <a:latin typeface="+mn-lt"/>
+                <a:ea typeface="+mn-ea"/>
+                <a:cs typeface="+mn-cs"/>
+              </a:rPr>
+              <a:t>use-case</a:t>
+            </a:r>
+          </a:p>
+          <a:p>
+            <a:r>
+              <a:rPr lang="en-GB" sz="1200" kern="1200" dirty="0" smtClean="0">
+                <a:solidFill>
+                  <a:schemeClr val="tx1"/>
+                </a:solidFill>
+                <a:effectLst/>
+                <a:latin typeface="+mn-lt"/>
+                <a:ea typeface="+mn-ea"/>
+                <a:cs typeface="+mn-cs"/>
+              </a:rPr>
+              <a:t>Tudor </a:t>
+            </a:r>
+          </a:p>
+          <a:p>
+            <a:r>
+              <a:rPr lang="en-GB" sz="1200" kern="1200" dirty="0" smtClean="0">
+                <a:solidFill>
+                  <a:schemeClr val="tx1"/>
+                </a:solidFill>
+                <a:effectLst/>
+                <a:latin typeface="+mn-lt"/>
+                <a:ea typeface="+mn-ea"/>
+                <a:cs typeface="+mn-cs"/>
+              </a:rPr>
+              <a:t>reliable </a:t>
+            </a:r>
+          </a:p>
+          <a:p>
+            <a:r>
+              <a:rPr lang="en-GB" sz="1200" kern="1200" dirty="0" smtClean="0">
+                <a:solidFill>
+                  <a:schemeClr val="tx1"/>
+                </a:solidFill>
+                <a:effectLst/>
+                <a:latin typeface="+mn-lt"/>
+                <a:ea typeface="+mn-ea"/>
+                <a:cs typeface="+mn-cs"/>
+              </a:rPr>
+              <a:t>speed</a:t>
+            </a:r>
+          </a:p>
+          <a:p>
+            <a:r>
+              <a:rPr lang="en-GB" sz="1200" kern="1200" dirty="0" smtClean="0">
+                <a:solidFill>
+                  <a:schemeClr val="tx1"/>
+                </a:solidFill>
+                <a:effectLst/>
+                <a:latin typeface="+mn-lt"/>
+                <a:ea typeface="+mn-ea"/>
+                <a:cs typeface="+mn-cs"/>
+              </a:rPr>
+              <a:t>Hinder, user </a:t>
+            </a:r>
+            <a:r>
+              <a:rPr lang="en-GB" sz="1200" kern="1200" dirty="0" err="1" smtClean="0">
+                <a:solidFill>
+                  <a:schemeClr val="tx1"/>
+                </a:solidFill>
+                <a:effectLst/>
+                <a:latin typeface="+mn-lt"/>
+                <a:ea typeface="+mn-ea"/>
+                <a:cs typeface="+mn-cs"/>
+              </a:rPr>
+              <a:t>accesibility</a:t>
+            </a:r>
+            <a:endParaRPr lang="en-GB" sz="1200" kern="1200" dirty="0" smtClean="0">
+              <a:solidFill>
+                <a:schemeClr val="tx1"/>
+              </a:solidFill>
+              <a:effectLst/>
+              <a:latin typeface="+mn-lt"/>
+              <a:ea typeface="+mn-ea"/>
+              <a:cs typeface="+mn-cs"/>
+            </a:endParaRPr>
+          </a:p>
+          <a:p>
+            <a:r>
+              <a:rPr lang="en-GB" sz="1200" kern="1200" dirty="0" smtClean="0">
+                <a:solidFill>
+                  <a:schemeClr val="tx1"/>
+                </a:solidFill>
+                <a:effectLst/>
+                <a:latin typeface="+mn-lt"/>
+                <a:ea typeface="+mn-ea"/>
+                <a:cs typeface="+mn-cs"/>
+              </a:rPr>
+              <a:t>chose</a:t>
+            </a:r>
+            <a:endParaRPr lang="en-GB" dirty="0"/>
+          </a:p>
+        </p:txBody>
+      </p:sp>
+      <p:sp>
+        <p:nvSpPr>
+          <p:cNvPr id="4" name="Tijdelijke aanduiding voor dianummer 3"/>
+          <p:cNvSpPr>
+            <a:spLocks noGrp="1"/>
+          </p:cNvSpPr>
+          <p:nvPr>
+            <p:ph type="sldNum" sz="quarter" idx="10"/>
+          </p:nvPr>
+        </p:nvSpPr>
+        <p:spPr/>
+        <p:txBody>
+          <a:bodyPr/>
+          <a:lstStyle/>
+          <a:p>
+            <a:fld id="{0A96A78C-7A1B-4186-9701-837DE127F153}" type="slidenum">
+              <a:rPr lang="en-GB" smtClean="0"/>
+              <a:t>5</a:t>
+            </a:fld>
+            <a:endParaRPr lang="en-GB"/>
+          </a:p>
+        </p:txBody>
+      </p:sp>
+    </p:spTree>
+    <p:extLst>
+      <p:ext uri="{BB962C8B-B14F-4D97-AF65-F5344CB8AC3E}">
+        <p14:creationId xmlns:p14="http://schemas.microsoft.com/office/powerpoint/2010/main" val="481845672"/>
+      </p:ext>
+    </p:extLst>
+  </p:cSld>
+  <p:clrMapOvr>
+    <a:masterClrMapping/>
+  </p:clrMapOvr>
+</p:notes>
+</file>
+
 <file path=ppt/slideLayouts/slideLayout1.xml><?xml version="1.0" encoding="utf-8"?>
 <p:sldLayout xmlns:a="http://schemas.openxmlformats.org/drawingml/2006/main" xmlns:r="http://schemas.openxmlformats.org/officeDocument/2006/relationships" xmlns:p="http://schemas.openxmlformats.org/presentationml/2006/main" type="title" preserve="1">
   <p:cSld name="Titeldia">
@@ -1091,7 +1432,7 @@
             <a:fld id="{D57F1E4F-1CFF-5643-939E-217C01CDF565}" type="slidenum">
               <a:rPr lang="en-US" smtClean="0"/>
               <a:pPr/>
-              <a:t>‹#›</a:t>
+              <a:t>‹nr.›</a:t>
             </a:fld>
             <a:endParaRPr lang="en-US" dirty="0"/>
           </a:p>
@@ -1368,7 +1709,7 @@
             <a:fld id="{D57F1E4F-1CFF-5643-939E-217C01CDF565}" type="slidenum">
               <a:rPr lang="en-US" smtClean="0"/>
               <a:pPr/>
-              <a:t>‹#›</a:t>
+              <a:t>‹nr.›</a:t>
             </a:fld>
             <a:endParaRPr lang="en-US" dirty="0"/>
           </a:p>
@@ -1564,7 +1905,7 @@
             <a:fld id="{D57F1E4F-1CFF-5643-939E-217C01CDF565}" type="slidenum">
               <a:rPr lang="en-US" smtClean="0"/>
               <a:pPr/>
-              <a:t>‹#›</a:t>
+              <a:t>‹nr.›</a:t>
             </a:fld>
             <a:endParaRPr lang="en-US" dirty="0"/>
           </a:p>
@@ -1839,7 +2180,7 @@
             <a:fld id="{D57F1E4F-1CFF-5643-939E-217C01CDF565}" type="slidenum">
               <a:rPr lang="en-US" smtClean="0"/>
               <a:pPr/>
-              <a:t>‹#›</a:t>
+              <a:t>‹nr.›</a:t>
             </a:fld>
             <a:endParaRPr lang="en-US" dirty="0"/>
           </a:p>
@@ -2182,7 +2523,7 @@
             <a:fld id="{D57F1E4F-1CFF-5643-939E-217C01CDF565}" type="slidenum">
               <a:rPr lang="en-US" smtClean="0"/>
               <a:pPr/>
-              <a:t>‹#›</a:t>
+              <a:t>‹nr.›</a:t>
             </a:fld>
             <a:endParaRPr lang="en-US" dirty="0"/>
           </a:p>
@@ -2807,7 +3148,7 @@
             <a:fld id="{D57F1E4F-1CFF-5643-939E-217C01CDF565}" type="slidenum">
               <a:rPr lang="en-US" smtClean="0"/>
               <a:pPr/>
-              <a:t>‹#›</a:t>
+              <a:t>‹nr.›</a:t>
             </a:fld>
             <a:endParaRPr lang="en-US" dirty="0"/>
           </a:p>
@@ -3669,7 +4010,7 @@
             <a:fld id="{D57F1E4F-1CFF-5643-939E-217C01CDF565}" type="slidenum">
               <a:rPr lang="en-US" smtClean="0"/>
               <a:pPr/>
-              <a:t>‹#›</a:t>
+              <a:t>‹nr.›</a:t>
             </a:fld>
             <a:endParaRPr lang="en-US" dirty="0"/>
           </a:p>
@@ -3841,7 +4182,7 @@
             <a:fld id="{D57F1E4F-1CFF-5643-939E-217C01CDF565}" type="slidenum">
               <a:rPr lang="en-US" smtClean="0"/>
               <a:pPr/>
-              <a:t>‹#›</a:t>
+              <a:t>‹nr.›</a:t>
             </a:fld>
             <a:endParaRPr lang="en-US" dirty="0"/>
           </a:p>
@@ -4023,7 +4364,7 @@
             <a:fld id="{D57F1E4F-1CFF-5643-939E-217C01CDF565}" type="slidenum">
               <a:rPr lang="en-US" smtClean="0"/>
               <a:pPr/>
-              <a:t>‹#›</a:t>
+              <a:t>‹nr.›</a:t>
             </a:fld>
             <a:endParaRPr lang="en-US" dirty="0"/>
           </a:p>
@@ -4195,7 +4536,7 @@
             <a:fld id="{D57F1E4F-1CFF-5643-939E-217C01CDF565}" type="slidenum">
               <a:rPr lang="en-US" smtClean="0"/>
               <a:pPr/>
-              <a:t>‹#›</a:t>
+              <a:t>‹nr.›</a:t>
             </a:fld>
             <a:endParaRPr lang="en-US" dirty="0"/>
           </a:p>
@@ -4444,7 +4785,7 @@
             <a:fld id="{D57F1E4F-1CFF-5643-939E-217C01CDF565}" type="slidenum">
               <a:rPr lang="en-US" smtClean="0"/>
               <a:pPr/>
-              <a:t>‹#›</a:t>
+              <a:t>‹nr.›</a:t>
             </a:fld>
             <a:endParaRPr lang="en-US" dirty="0"/>
           </a:p>
@@ -4738,7 +5079,7 @@
             <a:fld id="{D57F1E4F-1CFF-5643-939E-217C01CDF565}" type="slidenum">
               <a:rPr lang="en-US" smtClean="0"/>
               <a:pPr/>
-              <a:t>‹#›</a:t>
+              <a:t>‹nr.›</a:t>
             </a:fld>
             <a:endParaRPr lang="en-US" dirty="0"/>
           </a:p>
@@ -5184,7 +5525,7 @@
             <a:fld id="{D57F1E4F-1CFF-5643-939E-217C01CDF565}" type="slidenum">
               <a:rPr lang="en-US" smtClean="0"/>
               <a:pPr/>
-              <a:t>‹#›</a:t>
+              <a:t>‹nr.›</a:t>
             </a:fld>
             <a:endParaRPr lang="en-US" dirty="0"/>
           </a:p>
@@ -5304,7 +5645,7 @@
             <a:fld id="{D57F1E4F-1CFF-5643-939E-217C01CDF565}" type="slidenum">
               <a:rPr lang="en-US" smtClean="0"/>
               <a:pPr/>
-              <a:t>‹#›</a:t>
+              <a:t>‹nr.›</a:t>
             </a:fld>
             <a:endParaRPr lang="en-US" dirty="0"/>
           </a:p>
@@ -5401,7 +5742,7 @@
             <a:fld id="{D57F1E4F-1CFF-5643-939E-217C01CDF565}" type="slidenum">
               <a:rPr lang="en-US" smtClean="0"/>
               <a:pPr/>
-              <a:t>‹#›</a:t>
+              <a:t>‹nr.›</a:t>
             </a:fld>
             <a:endParaRPr lang="en-US" dirty="0"/>
           </a:p>
@@ -5682,7 +6023,7 @@
             <a:fld id="{D57F1E4F-1CFF-5643-939E-217C01CDF565}" type="slidenum">
               <a:rPr lang="en-US" smtClean="0"/>
               <a:pPr/>
-              <a:t>‹#›</a:t>
+              <a:t>‹nr.›</a:t>
             </a:fld>
             <a:endParaRPr lang="en-US" dirty="0"/>
           </a:p>
@@ -5959,7 +6300,7 @@
             <a:fld id="{D57F1E4F-1CFF-5643-939E-217C01CDF565}" type="slidenum">
               <a:rPr lang="en-US" smtClean="0"/>
               <a:pPr/>
-              <a:t>‹#›</a:t>
+              <a:t>‹nr.›</a:t>
             </a:fld>
             <a:endParaRPr lang="en-US" dirty="0"/>
           </a:p>
@@ -6563,7 +6904,7 @@
             <a:fld id="{D57F1E4F-1CFF-5643-939E-217C01CDF565}" type="slidenum">
               <a:rPr lang="en-US" smtClean="0"/>
               <a:pPr/>
-              <a:t>‹#›</a:t>
+              <a:t>‹nr.›</a:t>
             </a:fld>
             <a:endParaRPr lang="en-US" dirty="0"/>
           </a:p>
@@ -8355,7 +8696,7 @@
           </p:nvPr>
         </p:nvPicPr>
         <p:blipFill>
-          <a:blip r:embed="rId2">
+          <a:blip r:embed="rId3">
             <a:extLst>
               <a:ext uri="{28A0092B-C50C-407E-A947-70E740481C1C}">
                 <a14:useLocalDpi xmlns:a14="http://schemas.microsoft.com/office/drawing/2010/main" val="0"/>
@@ -8382,7 +8723,7 @@
           <p:nvPr/>
         </p:nvPicPr>
         <p:blipFill>
-          <a:blip r:embed="rId3">
+          <a:blip r:embed="rId4">
             <a:extLst>
               <a:ext uri="{28A0092B-C50C-407E-A947-70E740481C1C}">
                 <a14:useLocalDpi xmlns:a14="http://schemas.microsoft.com/office/drawing/2010/main" val="0"/>
